--- a/curriculum/Unit3/Unit 3 Slides.pptx
+++ b/curriculum/Unit3/Unit 3 Slides.pptx
@@ -2,34 +2,34 @@
 <file path=ppt/presentation.xml><?xml version="1.0" encoding="utf-8"?>
 <p:presentation xmlns:a="http://schemas.openxmlformats.org/drawingml/2006/main" xmlns:r="http://schemas.openxmlformats.org/officeDocument/2006/relationships" xmlns:p="http://schemas.openxmlformats.org/presentationml/2006/main" saveSubsetFonts="1" autoCompressPictures="0">
   <p:sldMasterIdLst>
-    <p:sldMasterId id="2147483648" r:id="rId1"/>
+    <p:sldMasterId id="2147483648" r:id="rId4"/>
   </p:sldMasterIdLst>
   <p:notesMasterIdLst>
-    <p:notesMasterId r:id="rId21"/>
+    <p:notesMasterId r:id="rId24"/>
   </p:notesMasterIdLst>
   <p:handoutMasterIdLst>
-    <p:handoutMasterId r:id="rId22"/>
+    <p:handoutMasterId r:id="rId25"/>
   </p:handoutMasterIdLst>
   <p:sldIdLst>
-    <p:sldId id="271" r:id="rId2"/>
-    <p:sldId id="282" r:id="rId3"/>
-    <p:sldId id="278" r:id="rId4"/>
-    <p:sldId id="279" r:id="rId5"/>
-    <p:sldId id="276" r:id="rId6"/>
-    <p:sldId id="277" r:id="rId7"/>
-    <p:sldId id="274" r:id="rId8"/>
-    <p:sldId id="275" r:id="rId9"/>
-    <p:sldId id="272" r:id="rId10"/>
-    <p:sldId id="280" r:id="rId11"/>
-    <p:sldId id="273" r:id="rId12"/>
-    <p:sldId id="281" r:id="rId13"/>
-    <p:sldId id="283" r:id="rId14"/>
-    <p:sldId id="284" r:id="rId15"/>
-    <p:sldId id="285" r:id="rId16"/>
-    <p:sldId id="286" r:id="rId17"/>
-    <p:sldId id="287" r:id="rId18"/>
-    <p:sldId id="288" r:id="rId19"/>
-    <p:sldId id="289" r:id="rId20"/>
+    <p:sldId id="271" r:id="rId5"/>
+    <p:sldId id="282" r:id="rId6"/>
+    <p:sldId id="278" r:id="rId7"/>
+    <p:sldId id="279" r:id="rId8"/>
+    <p:sldId id="276" r:id="rId9"/>
+    <p:sldId id="277" r:id="rId10"/>
+    <p:sldId id="274" r:id="rId11"/>
+    <p:sldId id="275" r:id="rId12"/>
+    <p:sldId id="272" r:id="rId13"/>
+    <p:sldId id="280" r:id="rId14"/>
+    <p:sldId id="273" r:id="rId15"/>
+    <p:sldId id="281" r:id="rId16"/>
+    <p:sldId id="283" r:id="rId17"/>
+    <p:sldId id="284" r:id="rId18"/>
+    <p:sldId id="285" r:id="rId19"/>
+    <p:sldId id="286" r:id="rId20"/>
+    <p:sldId id="287" r:id="rId21"/>
+    <p:sldId id="288" r:id="rId22"/>
+    <p:sldId id="289" r:id="rId23"/>
   </p:sldIdLst>
   <p:sldSz cx="9144000" cy="6858000" type="screen4x3"/>
   <p:notesSz cx="6858000" cy="9144000"/>
@@ -128,6 +128,22 @@
       </a:defRPr>
     </a:lvl9pPr>
   </p:defaultTextStyle>
+  <p:extLst>
+    <p:ext uri="{EFAFB233-063F-42B5-8137-9DF3F51BA10A}">
+      <p15:sldGuideLst xmlns:p15="http://schemas.microsoft.com/office/powerpoint/2012/main">
+        <p15:guide id="1" orient="horz" pos="2160">
+          <p15:clr>
+            <a:srgbClr val="A4A3A4"/>
+          </p15:clr>
+        </p15:guide>
+        <p15:guide id="2" pos="2880">
+          <p15:clr>
+            <a:srgbClr val="A4A3A4"/>
+          </p15:clr>
+        </p15:guide>
+      </p15:sldGuideLst>
+    </p:ext>
+  </p:extLst>
 </p:presentation>
 </file>
 
@@ -213,7 +229,7 @@
           <a:p>
             <a:fld id="{6D0754E3-E03E-ED44-9A59-706283C2F2CC}" type="datetimeFigureOut">
               <a:rPr lang="en-US" smtClean="0"/>
-              <a:t>7/1/15</a:t>
+              <a:t>2/18/2020</a:t>
             </a:fld>
             <a:endParaRPr lang="en-US"/>
           </a:p>
@@ -379,7 +395,7 @@
           <a:p>
             <a:fld id="{44996FB4-6AD2-FE4B-B45E-D44A9C110DAF}" type="datetimeFigureOut">
               <a:rPr lang="en-US" smtClean="0"/>
-              <a:t>7/1/15</a:t>
+              <a:t>2/18/2020</a:t>
             </a:fld>
             <a:endParaRPr lang="en-US"/>
           </a:p>
@@ -443,38 +459,37 @@
           <a:p>
             <a:pPr lvl="0"/>
             <a:r>
-              <a:rPr lang="en-US" smtClean="0"/>
+              <a:rPr lang="en-US"/>
               <a:t>Click to edit Master text styles</a:t>
             </a:r>
           </a:p>
           <a:p>
             <a:pPr lvl="1"/>
             <a:r>
-              <a:rPr lang="en-US" smtClean="0"/>
+              <a:rPr lang="en-US"/>
               <a:t>Second level</a:t>
             </a:r>
           </a:p>
           <a:p>
             <a:pPr lvl="2"/>
             <a:r>
-              <a:rPr lang="en-US" smtClean="0"/>
+              <a:rPr lang="en-US"/>
               <a:t>Third level</a:t>
             </a:r>
           </a:p>
           <a:p>
             <a:pPr lvl="3"/>
             <a:r>
-              <a:rPr lang="en-US" smtClean="0"/>
+              <a:rPr lang="en-US"/>
               <a:t>Fourth level</a:t>
             </a:r>
           </a:p>
           <a:p>
             <a:pPr lvl="4"/>
             <a:r>
-              <a:rPr lang="en-US" smtClean="0"/>
+              <a:rPr lang="en-US"/>
               <a:t>Fifth level</a:t>
             </a:r>
-            <a:endParaRPr lang="en-US"/>
           </a:p>
         </p:txBody>
       </p:sp>
@@ -686,10 +701,9 @@
           <a:lstStyle/>
           <a:p>
             <a:r>
-              <a:rPr lang="en-US" smtClean="0"/>
+              <a:rPr lang="en-US"/>
               <a:t>Click to edit Master title style</a:t>
             </a:r>
-            <a:endParaRPr lang="en-US"/>
           </a:p>
         </p:txBody>
       </p:sp>
@@ -805,10 +819,9 @@
           </a:lstStyle>
           <a:p>
             <a:r>
-              <a:rPr lang="en-US" smtClean="0"/>
+              <a:rPr lang="en-US"/>
               <a:t>Click to edit Master subtitle style</a:t>
             </a:r>
-            <a:endParaRPr lang="en-US"/>
           </a:p>
         </p:txBody>
       </p:sp>
@@ -829,7 +842,7 @@
           <a:p>
             <a:fld id="{34990CC2-A8CC-B149-BA8F-DDB0E524EE45}" type="datetime1">
               <a:rPr lang="en-US" smtClean="0"/>
-              <a:t>7/1/15</a:t>
+              <a:t>2/18/2020</a:t>
             </a:fld>
             <a:endParaRPr lang="en-US"/>
           </a:p>
@@ -851,10 +864,9 @@
           <a:lstStyle/>
           <a:p>
             <a:r>
-              <a:rPr lang="en-US" smtClean="0"/>
+              <a:rPr lang="en-US"/>
               <a:t>Developed by TEALS in 2015  www.tealsk12.org</a:t>
             </a:r>
-            <a:endParaRPr lang="en-US"/>
           </a:p>
         </p:txBody>
       </p:sp>
@@ -927,10 +939,9 @@
           <a:lstStyle/>
           <a:p>
             <a:r>
-              <a:rPr lang="en-US" smtClean="0"/>
+              <a:rPr lang="en-US"/>
               <a:t>Click to edit Master title style</a:t>
             </a:r>
-            <a:endParaRPr lang="en-US"/>
           </a:p>
         </p:txBody>
       </p:sp>
@@ -951,38 +962,37 @@
           <a:p>
             <a:pPr lvl="0"/>
             <a:r>
-              <a:rPr lang="en-US" smtClean="0"/>
+              <a:rPr lang="en-US"/>
               <a:t>Click to edit Master text styles</a:t>
             </a:r>
           </a:p>
           <a:p>
             <a:pPr lvl="1"/>
             <a:r>
-              <a:rPr lang="en-US" smtClean="0"/>
+              <a:rPr lang="en-US"/>
               <a:t>Second level</a:t>
             </a:r>
           </a:p>
           <a:p>
             <a:pPr lvl="2"/>
             <a:r>
-              <a:rPr lang="en-US" smtClean="0"/>
+              <a:rPr lang="en-US"/>
               <a:t>Third level</a:t>
             </a:r>
           </a:p>
           <a:p>
             <a:pPr lvl="3"/>
             <a:r>
-              <a:rPr lang="en-US" smtClean="0"/>
+              <a:rPr lang="en-US"/>
               <a:t>Fourth level</a:t>
             </a:r>
           </a:p>
           <a:p>
             <a:pPr lvl="4"/>
             <a:r>
-              <a:rPr lang="en-US" smtClean="0"/>
+              <a:rPr lang="en-US"/>
               <a:t>Fifth level</a:t>
             </a:r>
-            <a:endParaRPr lang="en-US"/>
           </a:p>
         </p:txBody>
       </p:sp>
@@ -1003,7 +1013,7 @@
           <a:p>
             <a:fld id="{96267D05-F6C2-F64A-9C7F-A94B43164B5C}" type="datetime1">
               <a:rPr lang="en-US" smtClean="0"/>
-              <a:t>7/1/15</a:t>
+              <a:t>2/18/2020</a:t>
             </a:fld>
             <a:endParaRPr lang="en-US"/>
           </a:p>
@@ -1025,10 +1035,9 @@
           <a:lstStyle/>
           <a:p>
             <a:r>
-              <a:rPr lang="en-US" smtClean="0"/>
+              <a:rPr lang="en-US"/>
               <a:t>Developed by TEALS in 2015  www.tealsk12.org</a:t>
             </a:r>
-            <a:endParaRPr lang="en-US"/>
           </a:p>
         </p:txBody>
       </p:sp>
@@ -1106,10 +1115,9 @@
           <a:lstStyle/>
           <a:p>
             <a:r>
-              <a:rPr lang="en-US" smtClean="0"/>
+              <a:rPr lang="en-US"/>
               <a:t>Click to edit Master title style</a:t>
             </a:r>
-            <a:endParaRPr lang="en-US"/>
           </a:p>
         </p:txBody>
       </p:sp>
@@ -1135,38 +1143,37 @@
           <a:p>
             <a:pPr lvl="0"/>
             <a:r>
-              <a:rPr lang="en-US" smtClean="0"/>
+              <a:rPr lang="en-US"/>
               <a:t>Click to edit Master text styles</a:t>
             </a:r>
           </a:p>
           <a:p>
             <a:pPr lvl="1"/>
             <a:r>
-              <a:rPr lang="en-US" smtClean="0"/>
+              <a:rPr lang="en-US"/>
               <a:t>Second level</a:t>
             </a:r>
           </a:p>
           <a:p>
             <a:pPr lvl="2"/>
             <a:r>
-              <a:rPr lang="en-US" smtClean="0"/>
+              <a:rPr lang="en-US"/>
               <a:t>Third level</a:t>
             </a:r>
           </a:p>
           <a:p>
             <a:pPr lvl="3"/>
             <a:r>
-              <a:rPr lang="en-US" smtClean="0"/>
+              <a:rPr lang="en-US"/>
               <a:t>Fourth level</a:t>
             </a:r>
           </a:p>
           <a:p>
             <a:pPr lvl="4"/>
             <a:r>
-              <a:rPr lang="en-US" smtClean="0"/>
+              <a:rPr lang="en-US"/>
               <a:t>Fifth level</a:t>
             </a:r>
-            <a:endParaRPr lang="en-US"/>
           </a:p>
         </p:txBody>
       </p:sp>
@@ -1187,7 +1194,7 @@
           <a:p>
             <a:fld id="{087C1978-9D0A-A345-9E84-F995A3601C8E}" type="datetime1">
               <a:rPr lang="en-US" smtClean="0"/>
-              <a:t>7/1/15</a:t>
+              <a:t>2/18/2020</a:t>
             </a:fld>
             <a:endParaRPr lang="en-US"/>
           </a:p>
@@ -1209,10 +1216,9 @@
           <a:lstStyle/>
           <a:p>
             <a:r>
-              <a:rPr lang="en-US" smtClean="0"/>
+              <a:rPr lang="en-US"/>
               <a:t>Developed by TEALS in 2015  www.tealsk12.org</a:t>
             </a:r>
-            <a:endParaRPr lang="en-US"/>
           </a:p>
         </p:txBody>
       </p:sp>
@@ -1285,10 +1291,9 @@
           <a:lstStyle/>
           <a:p>
             <a:r>
-              <a:rPr lang="en-US" smtClean="0"/>
+              <a:rPr lang="en-US"/>
               <a:t>Click to edit Master title style</a:t>
             </a:r>
-            <a:endParaRPr lang="en-US"/>
           </a:p>
         </p:txBody>
       </p:sp>
@@ -1309,38 +1314,37 @@
           <a:p>
             <a:pPr lvl="0"/>
             <a:r>
-              <a:rPr lang="en-US" smtClean="0"/>
+              <a:rPr lang="en-US"/>
               <a:t>Click to edit Master text styles</a:t>
             </a:r>
           </a:p>
           <a:p>
             <a:pPr lvl="1"/>
             <a:r>
-              <a:rPr lang="en-US" smtClean="0"/>
+              <a:rPr lang="en-US"/>
               <a:t>Second level</a:t>
             </a:r>
           </a:p>
           <a:p>
             <a:pPr lvl="2"/>
             <a:r>
-              <a:rPr lang="en-US" smtClean="0"/>
+              <a:rPr lang="en-US"/>
               <a:t>Third level</a:t>
             </a:r>
           </a:p>
           <a:p>
             <a:pPr lvl="3"/>
             <a:r>
-              <a:rPr lang="en-US" smtClean="0"/>
+              <a:rPr lang="en-US"/>
               <a:t>Fourth level</a:t>
             </a:r>
           </a:p>
           <a:p>
             <a:pPr lvl="4"/>
             <a:r>
-              <a:rPr lang="en-US" smtClean="0"/>
+              <a:rPr lang="en-US"/>
               <a:t>Fifth level</a:t>
             </a:r>
-            <a:endParaRPr lang="en-US"/>
           </a:p>
         </p:txBody>
       </p:sp>
@@ -1361,7 +1365,7 @@
           <a:p>
             <a:fld id="{620CD570-9DDA-524E-9F58-9DBC8D3A8C31}" type="datetime1">
               <a:rPr lang="en-US" smtClean="0"/>
-              <a:t>7/1/15</a:t>
+              <a:t>2/18/2020</a:t>
             </a:fld>
             <a:endParaRPr lang="en-US"/>
           </a:p>
@@ -1383,10 +1387,9 @@
           <a:lstStyle/>
           <a:p>
             <a:r>
-              <a:rPr lang="en-US" smtClean="0"/>
+              <a:rPr lang="en-US"/>
               <a:t>Developed by TEALS in 2015  www.tealsk12.org</a:t>
             </a:r>
-            <a:endParaRPr lang="en-US"/>
           </a:p>
         </p:txBody>
       </p:sp>
@@ -1468,10 +1471,9 @@
           </a:lstStyle>
           <a:p>
             <a:r>
-              <a:rPr lang="en-US" smtClean="0"/>
+              <a:rPr lang="en-US"/>
               <a:t>Click to edit Master title style</a:t>
             </a:r>
-            <a:endParaRPr lang="en-US"/>
           </a:p>
         </p:txBody>
       </p:sp>
@@ -1588,7 +1590,7 @@
           <a:p>
             <a:pPr lvl="0"/>
             <a:r>
-              <a:rPr lang="en-US" smtClean="0"/>
+              <a:rPr lang="en-US"/>
               <a:t>Click to edit Master text styles</a:t>
             </a:r>
           </a:p>
@@ -1611,7 +1613,7 @@
           <a:p>
             <a:fld id="{FEBAD56B-400E-5542-B4A1-CD46AB8B4D0E}" type="datetime1">
               <a:rPr lang="en-US" smtClean="0"/>
-              <a:t>7/1/15</a:t>
+              <a:t>2/18/2020</a:t>
             </a:fld>
             <a:endParaRPr lang="en-US"/>
           </a:p>
@@ -1633,10 +1635,9 @@
           <a:lstStyle/>
           <a:p>
             <a:r>
-              <a:rPr lang="en-US" smtClean="0"/>
+              <a:rPr lang="en-US"/>
               <a:t>Developed by TEALS in 2015  www.tealsk12.org</a:t>
             </a:r>
-            <a:endParaRPr lang="en-US"/>
           </a:p>
         </p:txBody>
       </p:sp>
@@ -1709,10 +1710,9 @@
           <a:lstStyle/>
           <a:p>
             <a:r>
-              <a:rPr lang="en-US" smtClean="0"/>
+              <a:rPr lang="en-US"/>
               <a:t>Click to edit Master title style</a:t>
             </a:r>
-            <a:endParaRPr lang="en-US"/>
           </a:p>
         </p:txBody>
       </p:sp>
@@ -1766,38 +1766,37 @@
           <a:p>
             <a:pPr lvl="0"/>
             <a:r>
-              <a:rPr lang="en-US" smtClean="0"/>
+              <a:rPr lang="en-US"/>
               <a:t>Click to edit Master text styles</a:t>
             </a:r>
           </a:p>
           <a:p>
             <a:pPr lvl="1"/>
             <a:r>
-              <a:rPr lang="en-US" smtClean="0"/>
+              <a:rPr lang="en-US"/>
               <a:t>Second level</a:t>
             </a:r>
           </a:p>
           <a:p>
             <a:pPr lvl="2"/>
             <a:r>
-              <a:rPr lang="en-US" smtClean="0"/>
+              <a:rPr lang="en-US"/>
               <a:t>Third level</a:t>
             </a:r>
           </a:p>
           <a:p>
             <a:pPr lvl="3"/>
             <a:r>
-              <a:rPr lang="en-US" smtClean="0"/>
+              <a:rPr lang="en-US"/>
               <a:t>Fourth level</a:t>
             </a:r>
           </a:p>
           <a:p>
             <a:pPr lvl="4"/>
             <a:r>
-              <a:rPr lang="en-US" smtClean="0"/>
+              <a:rPr lang="en-US"/>
               <a:t>Fifth level</a:t>
             </a:r>
-            <a:endParaRPr lang="en-US"/>
           </a:p>
         </p:txBody>
       </p:sp>
@@ -1851,38 +1850,37 @@
           <a:p>
             <a:pPr lvl="0"/>
             <a:r>
-              <a:rPr lang="en-US" smtClean="0"/>
+              <a:rPr lang="en-US"/>
               <a:t>Click to edit Master text styles</a:t>
             </a:r>
           </a:p>
           <a:p>
             <a:pPr lvl="1"/>
             <a:r>
-              <a:rPr lang="en-US" smtClean="0"/>
+              <a:rPr lang="en-US"/>
               <a:t>Second level</a:t>
             </a:r>
           </a:p>
           <a:p>
             <a:pPr lvl="2"/>
             <a:r>
-              <a:rPr lang="en-US" smtClean="0"/>
+              <a:rPr lang="en-US"/>
               <a:t>Third level</a:t>
             </a:r>
           </a:p>
           <a:p>
             <a:pPr lvl="3"/>
             <a:r>
-              <a:rPr lang="en-US" smtClean="0"/>
+              <a:rPr lang="en-US"/>
               <a:t>Fourth level</a:t>
             </a:r>
           </a:p>
           <a:p>
             <a:pPr lvl="4"/>
             <a:r>
-              <a:rPr lang="en-US" smtClean="0"/>
+              <a:rPr lang="en-US"/>
               <a:t>Fifth level</a:t>
             </a:r>
-            <a:endParaRPr lang="en-US"/>
           </a:p>
         </p:txBody>
       </p:sp>
@@ -1903,7 +1901,7 @@
           <a:p>
             <a:fld id="{43394E63-B418-1F4A-9C08-2548B9C5B3C1}" type="datetime1">
               <a:rPr lang="en-US" smtClean="0"/>
-              <a:t>7/1/15</a:t>
+              <a:t>2/18/2020</a:t>
             </a:fld>
             <a:endParaRPr lang="en-US"/>
           </a:p>
@@ -1925,10 +1923,9 @@
           <a:lstStyle/>
           <a:p>
             <a:r>
-              <a:rPr lang="en-US" smtClean="0"/>
+              <a:rPr lang="en-US"/>
               <a:t>Developed by TEALS in 2015  www.tealsk12.org</a:t>
             </a:r>
-            <a:endParaRPr lang="en-US"/>
           </a:p>
         </p:txBody>
       </p:sp>
@@ -2005,10 +2002,9 @@
           </a:lstStyle>
           <a:p>
             <a:r>
-              <a:rPr lang="en-US" smtClean="0"/>
+              <a:rPr lang="en-US"/>
               <a:t>Click to edit Master title style</a:t>
             </a:r>
-            <a:endParaRPr lang="en-US"/>
           </a:p>
         </p:txBody>
       </p:sp>
@@ -2071,7 +2067,7 @@
           <a:p>
             <a:pPr lvl="0"/>
             <a:r>
-              <a:rPr lang="en-US" smtClean="0"/>
+              <a:rPr lang="en-US"/>
               <a:t>Click to edit Master text styles</a:t>
             </a:r>
           </a:p>
@@ -2127,38 +2123,37 @@
           <a:p>
             <a:pPr lvl="0"/>
             <a:r>
-              <a:rPr lang="en-US" smtClean="0"/>
+              <a:rPr lang="en-US"/>
               <a:t>Click to edit Master text styles</a:t>
             </a:r>
           </a:p>
           <a:p>
             <a:pPr lvl="1"/>
             <a:r>
-              <a:rPr lang="en-US" smtClean="0"/>
+              <a:rPr lang="en-US"/>
               <a:t>Second level</a:t>
             </a:r>
           </a:p>
           <a:p>
             <a:pPr lvl="2"/>
             <a:r>
-              <a:rPr lang="en-US" smtClean="0"/>
+              <a:rPr lang="en-US"/>
               <a:t>Third level</a:t>
             </a:r>
           </a:p>
           <a:p>
             <a:pPr lvl="3"/>
             <a:r>
-              <a:rPr lang="en-US" smtClean="0"/>
+              <a:rPr lang="en-US"/>
               <a:t>Fourth level</a:t>
             </a:r>
           </a:p>
           <a:p>
             <a:pPr lvl="4"/>
             <a:r>
-              <a:rPr lang="en-US" smtClean="0"/>
+              <a:rPr lang="en-US"/>
               <a:t>Fifth level</a:t>
             </a:r>
-            <a:endParaRPr lang="en-US"/>
           </a:p>
         </p:txBody>
       </p:sp>
@@ -2221,7 +2216,7 @@
           <a:p>
             <a:pPr lvl="0"/>
             <a:r>
-              <a:rPr lang="en-US" smtClean="0"/>
+              <a:rPr lang="en-US"/>
               <a:t>Click to edit Master text styles</a:t>
             </a:r>
           </a:p>
@@ -2277,38 +2272,37 @@
           <a:p>
             <a:pPr lvl="0"/>
             <a:r>
-              <a:rPr lang="en-US" smtClean="0"/>
+              <a:rPr lang="en-US"/>
               <a:t>Click to edit Master text styles</a:t>
             </a:r>
           </a:p>
           <a:p>
             <a:pPr lvl="1"/>
             <a:r>
-              <a:rPr lang="en-US" smtClean="0"/>
+              <a:rPr lang="en-US"/>
               <a:t>Second level</a:t>
             </a:r>
           </a:p>
           <a:p>
             <a:pPr lvl="2"/>
             <a:r>
-              <a:rPr lang="en-US" smtClean="0"/>
+              <a:rPr lang="en-US"/>
               <a:t>Third level</a:t>
             </a:r>
           </a:p>
           <a:p>
             <a:pPr lvl="3"/>
             <a:r>
-              <a:rPr lang="en-US" smtClean="0"/>
+              <a:rPr lang="en-US"/>
               <a:t>Fourth level</a:t>
             </a:r>
           </a:p>
           <a:p>
             <a:pPr lvl="4"/>
             <a:r>
-              <a:rPr lang="en-US" smtClean="0"/>
+              <a:rPr lang="en-US"/>
               <a:t>Fifth level</a:t>
             </a:r>
-            <a:endParaRPr lang="en-US"/>
           </a:p>
         </p:txBody>
       </p:sp>
@@ -2329,7 +2323,7 @@
           <a:p>
             <a:fld id="{6F92EF41-DD41-C742-BC3B-970F41658B68}" type="datetime1">
               <a:rPr lang="en-US" smtClean="0"/>
-              <a:t>7/1/15</a:t>
+              <a:t>2/18/2020</a:t>
             </a:fld>
             <a:endParaRPr lang="en-US"/>
           </a:p>
@@ -2351,10 +2345,9 @@
           <a:lstStyle/>
           <a:p>
             <a:r>
-              <a:rPr lang="en-US" smtClean="0"/>
+              <a:rPr lang="en-US"/>
               <a:t>Developed by TEALS in 2015  www.tealsk12.org</a:t>
             </a:r>
-            <a:endParaRPr lang="en-US"/>
           </a:p>
         </p:txBody>
       </p:sp>
@@ -2427,10 +2420,9 @@
           <a:lstStyle/>
           <a:p>
             <a:r>
-              <a:rPr lang="en-US" smtClean="0"/>
+              <a:rPr lang="en-US"/>
               <a:t>Click to edit Master title style</a:t>
             </a:r>
-            <a:endParaRPr lang="en-US"/>
           </a:p>
         </p:txBody>
       </p:sp>
@@ -2451,7 +2443,7 @@
           <a:p>
             <a:fld id="{631009B9-6DC3-0349-8BB5-CE1E5B2C68D1}" type="datetime1">
               <a:rPr lang="en-US" smtClean="0"/>
-              <a:t>7/1/15</a:t>
+              <a:t>2/18/2020</a:t>
             </a:fld>
             <a:endParaRPr lang="en-US"/>
           </a:p>
@@ -2473,10 +2465,9 @@
           <a:lstStyle/>
           <a:p>
             <a:r>
-              <a:rPr lang="en-US" smtClean="0"/>
+              <a:rPr lang="en-US"/>
               <a:t>Developed by TEALS in 2015  www.tealsk12.org</a:t>
             </a:r>
-            <a:endParaRPr lang="en-US"/>
           </a:p>
         </p:txBody>
       </p:sp>
@@ -2550,7 +2541,7 @@
           <a:p>
             <a:fld id="{DBD68779-2025-B44F-AD23-DF62F9874F1B}" type="datetime1">
               <a:rPr lang="en-US" smtClean="0"/>
-              <a:t>7/1/15</a:t>
+              <a:t>2/18/2020</a:t>
             </a:fld>
             <a:endParaRPr lang="en-US"/>
           </a:p>
@@ -2572,10 +2563,9 @@
           <a:lstStyle/>
           <a:p>
             <a:r>
-              <a:rPr lang="en-US" smtClean="0"/>
+              <a:rPr lang="en-US"/>
               <a:t>Developed by TEALS in 2015  www.tealsk12.org</a:t>
             </a:r>
-            <a:endParaRPr lang="en-US"/>
           </a:p>
         </p:txBody>
       </p:sp>
@@ -2657,10 +2647,9 @@
           </a:lstStyle>
           <a:p>
             <a:r>
-              <a:rPr lang="en-US" smtClean="0"/>
+              <a:rPr lang="en-US"/>
               <a:t>Click to edit Master title style</a:t>
             </a:r>
-            <a:endParaRPr lang="en-US"/>
           </a:p>
         </p:txBody>
       </p:sp>
@@ -2714,38 +2703,37 @@
           <a:p>
             <a:pPr lvl="0"/>
             <a:r>
-              <a:rPr lang="en-US" smtClean="0"/>
+              <a:rPr lang="en-US"/>
               <a:t>Click to edit Master text styles</a:t>
             </a:r>
           </a:p>
           <a:p>
             <a:pPr lvl="1"/>
             <a:r>
-              <a:rPr lang="en-US" smtClean="0"/>
+              <a:rPr lang="en-US"/>
               <a:t>Second level</a:t>
             </a:r>
           </a:p>
           <a:p>
             <a:pPr lvl="2"/>
             <a:r>
-              <a:rPr lang="en-US" smtClean="0"/>
+              <a:rPr lang="en-US"/>
               <a:t>Third level</a:t>
             </a:r>
           </a:p>
           <a:p>
             <a:pPr lvl="3"/>
             <a:r>
-              <a:rPr lang="en-US" smtClean="0"/>
+              <a:rPr lang="en-US"/>
               <a:t>Fourth level</a:t>
             </a:r>
           </a:p>
           <a:p>
             <a:pPr lvl="4"/>
             <a:r>
-              <a:rPr lang="en-US" smtClean="0"/>
+              <a:rPr lang="en-US"/>
               <a:t>Fifth level</a:t>
             </a:r>
-            <a:endParaRPr lang="en-US"/>
           </a:p>
         </p:txBody>
       </p:sp>
@@ -2808,7 +2796,7 @@
           <a:p>
             <a:pPr lvl="0"/>
             <a:r>
-              <a:rPr lang="en-US" smtClean="0"/>
+              <a:rPr lang="en-US"/>
               <a:t>Click to edit Master text styles</a:t>
             </a:r>
           </a:p>
@@ -2831,7 +2819,7 @@
           <a:p>
             <a:fld id="{1C533E1B-B859-DB4E-86F0-BE8C9C0ABFF7}" type="datetime1">
               <a:rPr lang="en-US" smtClean="0"/>
-              <a:t>7/1/15</a:t>
+              <a:t>2/18/2020</a:t>
             </a:fld>
             <a:endParaRPr lang="en-US"/>
           </a:p>
@@ -2853,10 +2841,9 @@
           <a:lstStyle/>
           <a:p>
             <a:r>
-              <a:rPr lang="en-US" smtClean="0"/>
+              <a:rPr lang="en-US"/>
               <a:t>Developed by TEALS in 2015  www.tealsk12.org</a:t>
             </a:r>
-            <a:endParaRPr lang="en-US"/>
           </a:p>
         </p:txBody>
       </p:sp>
@@ -2938,10 +2925,9 @@
           </a:lstStyle>
           <a:p>
             <a:r>
-              <a:rPr lang="en-US" smtClean="0"/>
+              <a:rPr lang="en-US"/>
               <a:t>Click to edit Master title style</a:t>
             </a:r>
-            <a:endParaRPr lang="en-US"/>
           </a:p>
         </p:txBody>
       </p:sp>
@@ -3065,7 +3051,7 @@
           <a:p>
             <a:pPr lvl="0"/>
             <a:r>
-              <a:rPr lang="en-US" smtClean="0"/>
+              <a:rPr lang="en-US"/>
               <a:t>Click to edit Master text styles</a:t>
             </a:r>
           </a:p>
@@ -3088,7 +3074,7 @@
           <a:p>
             <a:fld id="{AC1EAEA1-8470-6B4A-8D60-97578450ABB9}" type="datetime1">
               <a:rPr lang="en-US" smtClean="0"/>
-              <a:t>7/1/15</a:t>
+              <a:t>2/18/2020</a:t>
             </a:fld>
             <a:endParaRPr lang="en-US"/>
           </a:p>
@@ -3110,10 +3096,9 @@
           <a:lstStyle/>
           <a:p>
             <a:r>
-              <a:rPr lang="en-US" smtClean="0"/>
+              <a:rPr lang="en-US"/>
               <a:t>Developed by TEALS in 2015  www.tealsk12.org</a:t>
             </a:r>
-            <a:endParaRPr lang="en-US"/>
           </a:p>
         </p:txBody>
       </p:sp>
@@ -3201,10 +3186,9 @@
           <a:lstStyle/>
           <a:p>
             <a:r>
-              <a:rPr lang="en-US" smtClean="0"/>
+              <a:rPr lang="en-US"/>
               <a:t>Click to edit Master title style</a:t>
             </a:r>
-            <a:endParaRPr lang="en-US"/>
           </a:p>
         </p:txBody>
       </p:sp>
@@ -3235,38 +3219,37 @@
           <a:p>
             <a:pPr lvl="0"/>
             <a:r>
-              <a:rPr lang="en-US" smtClean="0"/>
+              <a:rPr lang="en-US"/>
               <a:t>Click to edit Master text styles</a:t>
             </a:r>
           </a:p>
           <a:p>
             <a:pPr lvl="1"/>
             <a:r>
-              <a:rPr lang="en-US" smtClean="0"/>
+              <a:rPr lang="en-US"/>
               <a:t>Second level</a:t>
             </a:r>
           </a:p>
           <a:p>
             <a:pPr lvl="2"/>
             <a:r>
-              <a:rPr lang="en-US" smtClean="0"/>
+              <a:rPr lang="en-US"/>
               <a:t>Third level</a:t>
             </a:r>
           </a:p>
           <a:p>
             <a:pPr lvl="3"/>
             <a:r>
-              <a:rPr lang="en-US" smtClean="0"/>
+              <a:rPr lang="en-US"/>
               <a:t>Fourth level</a:t>
             </a:r>
           </a:p>
           <a:p>
             <a:pPr lvl="4"/>
             <a:r>
-              <a:rPr lang="en-US" smtClean="0"/>
+              <a:rPr lang="en-US"/>
               <a:t>Fifth level</a:t>
             </a:r>
-            <a:endParaRPr lang="en-US"/>
           </a:p>
         </p:txBody>
       </p:sp>
@@ -3305,7 +3288,7 @@
           <a:p>
             <a:fld id="{EB2A284D-251E-7046-B0B7-6A85726BD855}" type="datetime1">
               <a:rPr lang="en-US" smtClean="0"/>
-              <a:t>7/1/15</a:t>
+              <a:t>2/18/2020</a:t>
             </a:fld>
             <a:endParaRPr lang="en-US"/>
           </a:p>
@@ -3345,10 +3328,9 @@
           </a:lstStyle>
           <a:p>
             <a:r>
-              <a:rPr lang="en-US" smtClean="0"/>
+              <a:rPr lang="en-US"/>
               <a:t>Developed by TEALS in 2015  www.tealsk12.org</a:t>
             </a:r>
-            <a:endParaRPr lang="en-US"/>
           </a:p>
         </p:txBody>
       </p:sp>
@@ -3703,77 +3685,67 @@
           <a:lstStyle/>
           <a:p>
             <a:r>
-              <a:rPr lang="en-US" b="1" dirty="0" smtClean="0"/>
+              <a:rPr lang="en-US" b="1" dirty="0"/>
               <a:t>Lesson 3.0 </a:t>
             </a:r>
             <a:r>
-              <a:rPr lang="en-US" dirty="0" smtClean="0">
+              <a:rPr lang="en-US" dirty="0">
                 <a:solidFill>
                   <a:srgbClr val="17B1AA"/>
                 </a:solidFill>
               </a:rPr>
               <a:t>Test Review and Reteach</a:t>
             </a:r>
+          </a:p>
+        </p:txBody>
+      </p:sp>
+      <p:sp>
+        <p:nvSpPr>
+          <p:cNvPr id="3" name="Content Placeholder 2"/>
+          <p:cNvSpPr>
+            <a:spLocks noGrp="1"/>
+          </p:cNvSpPr>
+          <p:nvPr>
+            <p:ph idx="1"/>
+          </p:nvPr>
+        </p:nvSpPr>
+        <p:spPr/>
+        <p:txBody>
+          <a:bodyPr>
+            <a:normAutofit fontScale="92500" lnSpcReduction="20000"/>
+          </a:bodyPr>
+          <a:lstStyle/>
+          <a:p>
+            <a:r>
+              <a:rPr lang="en-US" dirty="0">
+                <a:solidFill>
+                  <a:srgbClr val="17B1AA"/>
+                </a:solidFill>
+              </a:rPr>
+              <a:t>Objectives </a:t>
+            </a:r>
+          </a:p>
+          <a:p>
+            <a:pPr lvl="1"/>
+            <a:r>
+              <a:rPr lang="en-US" b="1" dirty="0"/>
+              <a:t>Re-learn or strengthen</a:t>
+            </a:r>
+            <a:r>
+              <a:rPr lang="en-US" dirty="0"/>
+              <a:t> content knowledge and skills from Unit 2.</a:t>
+            </a:r>
+          </a:p>
+          <a:p>
             <a:endParaRPr lang="en-US" dirty="0">
               <a:solidFill>
                 <a:srgbClr val="17B1AA"/>
               </a:solidFill>
             </a:endParaRPr>
           </a:p>
-        </p:txBody>
-      </p:sp>
-      <p:sp>
-        <p:nvSpPr>
-          <p:cNvPr id="3" name="Content Placeholder 2"/>
-          <p:cNvSpPr>
-            <a:spLocks noGrp="1"/>
-          </p:cNvSpPr>
-          <p:nvPr>
-            <p:ph idx="1"/>
-          </p:nvPr>
-        </p:nvSpPr>
-        <p:spPr/>
-        <p:txBody>
-          <a:bodyPr>
-            <a:normAutofit fontScale="92500" lnSpcReduction="20000"/>
-          </a:bodyPr>
-          <a:lstStyle/>
           <a:p>
             <a:r>
               <a:rPr lang="en-US" dirty="0">
-                <a:solidFill>
-                  <a:srgbClr val="17B1AA"/>
-                </a:solidFill>
-              </a:rPr>
-              <a:t>Objectives </a:t>
-            </a:r>
-            <a:endParaRPr lang="en-US" dirty="0" smtClean="0">
-              <a:solidFill>
-                <a:srgbClr val="17B1AA"/>
-              </a:solidFill>
-            </a:endParaRPr>
-          </a:p>
-          <a:p>
-            <a:pPr lvl="1"/>
-            <a:r>
-              <a:rPr lang="en-US" b="1" dirty="0"/>
-              <a:t>Re-learn or strengthen</a:t>
-            </a:r>
-            <a:r>
-              <a:rPr lang="en-US" dirty="0"/>
-              <a:t> content knowledge and skills from Unit 2.</a:t>
-            </a:r>
-          </a:p>
-          <a:p>
-            <a:endParaRPr lang="en-US" dirty="0" smtClean="0">
-              <a:solidFill>
-                <a:srgbClr val="17B1AA"/>
-              </a:solidFill>
-            </a:endParaRPr>
-          </a:p>
-          <a:p>
-            <a:r>
-              <a:rPr lang="en-US" dirty="0" smtClean="0">
                 <a:solidFill>
                   <a:srgbClr val="17B1AA"/>
                 </a:solidFill>
@@ -3793,11 +3765,7 @@
             </a:r>
             <a:r>
               <a:rPr lang="en-US"/>
-              <a:t>updated </a:t>
-            </a:r>
-            <a:r>
-              <a:rPr lang="en-US" smtClean="0"/>
-              <a:t>corrections</a:t>
+              <a:t>updated corrections</a:t>
             </a:r>
           </a:p>
           <a:p>
@@ -3815,11 +3783,6 @@
               </a:rPr>
               <a:t>Homework </a:t>
             </a:r>
-            <a:endParaRPr lang="en-US" dirty="0" smtClean="0">
-              <a:solidFill>
-                <a:srgbClr val="17B1AA"/>
-              </a:solidFill>
-            </a:endParaRPr>
           </a:p>
           <a:p>
             <a:pPr lvl="1"/>
@@ -3835,11 +3798,11 @@
           <a:p>
             <a:pPr lvl="1"/>
             <a:r>
-              <a:rPr lang="en-US" b="1" dirty="0" smtClean="0"/>
+              <a:rPr lang="en-US" b="1" dirty="0"/>
               <a:t>Correct</a:t>
             </a:r>
             <a:r>
-              <a:rPr lang="en-US" dirty="0" smtClean="0"/>
+              <a:rPr lang="en-US" dirty="0"/>
               <a:t> any incorrect test answers by re-answering on a separate sheet of paper</a:t>
             </a:r>
             <a:endParaRPr lang="en-US" b="1" dirty="0"/>
@@ -3865,10 +3828,9 @@
           <a:lstStyle/>
           <a:p>
             <a:r>
-              <a:rPr lang="en-US" smtClean="0"/>
+              <a:rPr lang="en-US"/>
               <a:t>Developed by TEALS in 2015  www.tealsk12.org</a:t>
             </a:r>
-            <a:endParaRPr lang="en-US"/>
           </a:p>
         </p:txBody>
       </p:sp>
@@ -3920,88 +3882,78 @@
           <a:lstStyle/>
           <a:p>
             <a:r>
-              <a:rPr lang="en-US" b="1" dirty="0" smtClean="0"/>
+              <a:rPr lang="en-US" b="1" dirty="0"/>
               <a:t>Lesson 3.9 </a:t>
             </a:r>
             <a:r>
-              <a:rPr lang="en-US" dirty="0" smtClean="0">
+              <a:rPr lang="en-US" dirty="0">
                 <a:solidFill>
                   <a:srgbClr val="17B1AA"/>
                 </a:solidFill>
               </a:rPr>
               <a:t>Relational Operators &amp; if/else</a:t>
             </a:r>
+          </a:p>
+        </p:txBody>
+      </p:sp>
+      <p:sp>
+        <p:nvSpPr>
+          <p:cNvPr id="3" name="Content Placeholder 2"/>
+          <p:cNvSpPr>
+            <a:spLocks noGrp="1"/>
+          </p:cNvSpPr>
+          <p:nvPr>
+            <p:ph idx="1"/>
+          </p:nvPr>
+        </p:nvSpPr>
+        <p:spPr/>
+        <p:txBody>
+          <a:bodyPr>
+            <a:normAutofit fontScale="85000" lnSpcReduction="20000"/>
+          </a:bodyPr>
+          <a:lstStyle/>
+          <a:p>
+            <a:r>
+              <a:rPr lang="en-US" dirty="0">
+                <a:solidFill>
+                  <a:srgbClr val="17B1AA"/>
+                </a:solidFill>
+              </a:rPr>
+              <a:t>Objectives </a:t>
+            </a:r>
+          </a:p>
+          <a:p>
+            <a:pPr lvl="1"/>
+            <a:r>
+              <a:rPr lang="en-US" b="1" dirty="0"/>
+              <a:t>Evaluate</a:t>
+            </a:r>
+            <a:r>
+              <a:rPr lang="en-US" dirty="0"/>
+              <a:t> relational expressions</a:t>
+            </a:r>
+          </a:p>
+          <a:p>
+            <a:pPr lvl="1"/>
+            <a:r>
+              <a:rPr lang="en-US" b="1" dirty="0"/>
+              <a:t>Predict and trace</a:t>
+            </a:r>
+            <a:r>
+              <a:rPr lang="en-US" dirty="0"/>
+              <a:t> the flow of an if statement </a:t>
+            </a:r>
+          </a:p>
+          <a:p>
             <a:endParaRPr lang="en-US" dirty="0">
               <a:solidFill>
                 <a:srgbClr val="17B1AA"/>
               </a:solidFill>
             </a:endParaRPr>
           </a:p>
-        </p:txBody>
-      </p:sp>
-      <p:sp>
-        <p:nvSpPr>
-          <p:cNvPr id="3" name="Content Placeholder 2"/>
-          <p:cNvSpPr>
-            <a:spLocks noGrp="1"/>
-          </p:cNvSpPr>
-          <p:nvPr>
-            <p:ph idx="1"/>
-          </p:nvPr>
-        </p:nvSpPr>
-        <p:spPr/>
-        <p:txBody>
-          <a:bodyPr>
-            <a:normAutofit fontScale="85000" lnSpcReduction="20000"/>
-          </a:bodyPr>
-          <a:lstStyle/>
           <a:p>
             <a:r>
               <a:rPr lang="en-US" dirty="0">
-                <a:solidFill>
-                  <a:srgbClr val="17B1AA"/>
-                </a:solidFill>
-              </a:rPr>
-              <a:t>Objectives </a:t>
-            </a:r>
-            <a:endParaRPr lang="en-US" dirty="0" smtClean="0">
-              <a:solidFill>
-                <a:srgbClr val="17B1AA"/>
-              </a:solidFill>
-            </a:endParaRPr>
-          </a:p>
-          <a:p>
-            <a:pPr lvl="1"/>
-            <a:r>
-              <a:rPr lang="en-US" b="1" dirty="0"/>
-              <a:t>Evaluate</a:t>
-            </a:r>
-            <a:r>
-              <a:rPr lang="en-US" dirty="0"/>
-              <a:t> relational expressions</a:t>
-            </a:r>
-          </a:p>
-          <a:p>
-            <a:pPr lvl="1"/>
-            <a:r>
-              <a:rPr lang="en-US" b="1" dirty="0"/>
-              <a:t>Predict and trace</a:t>
-            </a:r>
-            <a:r>
-              <a:rPr lang="en-US" dirty="0"/>
-              <a:t> the flow of an if statement </a:t>
-            </a:r>
-          </a:p>
-          <a:p>
-            <a:endParaRPr lang="en-US" dirty="0" smtClean="0">
-              <a:solidFill>
-                <a:srgbClr val="17B1AA"/>
-              </a:solidFill>
-            </a:endParaRPr>
-          </a:p>
-          <a:p>
-            <a:r>
-              <a:rPr lang="en-US" dirty="0" smtClean="0">
                 <a:solidFill>
                   <a:srgbClr val="17B1AA"/>
                 </a:solidFill>
@@ -4040,11 +3992,11 @@
             <a:pPr marL="0" indent="0">
               <a:buNone/>
             </a:pPr>
-            <a:endParaRPr lang="en-US" dirty="0" smtClean="0"/>
-          </a:p>
-          <a:p>
-            <a:r>
-              <a:rPr lang="en-US" dirty="0" smtClean="0">
+            <a:endParaRPr lang="en-US" dirty="0"/>
+          </a:p>
+          <a:p>
+            <a:r>
+              <a:rPr lang="en-US" dirty="0">
                 <a:solidFill>
                   <a:srgbClr val="17B1AA"/>
                 </a:solidFill>
@@ -4095,10 +4047,9 @@
           <a:lstStyle/>
           <a:p>
             <a:r>
-              <a:rPr lang="en-US" smtClean="0"/>
+              <a:rPr lang="en-US"/>
               <a:t>Developed by TEALS in 2015  www.tealsk12.org</a:t>
             </a:r>
-            <a:endParaRPr lang="en-US"/>
           </a:p>
         </p:txBody>
       </p:sp>
@@ -4150,22 +4101,17 @@
           <a:lstStyle/>
           <a:p>
             <a:r>
-              <a:rPr lang="en-US" b="1" dirty="0" smtClean="0"/>
+              <a:rPr lang="en-US" b="1" dirty="0"/>
               <a:t>Lesson 3.10 </a:t>
             </a:r>
             <a:r>
-              <a:rPr lang="en-US" dirty="0" smtClean="0">
+              <a:rPr lang="en-US" dirty="0">
                 <a:solidFill>
                   <a:srgbClr val="17B1AA"/>
                 </a:solidFill>
               </a:rPr>
               <a:t>Nested if/else statements</a:t>
             </a:r>
-            <a:endParaRPr lang="en-US" dirty="0">
-              <a:solidFill>
-                <a:srgbClr val="17B1AA"/>
-              </a:solidFill>
-            </a:endParaRPr>
           </a:p>
         </p:txBody>
       </p:sp>
@@ -4182,12 +4128,12 @@
         <p:spPr/>
         <p:txBody>
           <a:bodyPr>
-            <a:normAutofit fontScale="77500" lnSpcReduction="20000"/>
+            <a:normAutofit fontScale="85000" lnSpcReduction="20000"/>
           </a:bodyPr>
           <a:lstStyle/>
           <a:p>
             <a:r>
-              <a:rPr lang="en-US" dirty="0" smtClean="0">
+              <a:rPr lang="en-US" dirty="0">
                 <a:solidFill>
                   <a:srgbClr val="17B1AA"/>
                 </a:solidFill>
@@ -4198,35 +4144,35 @@
           <a:p>
             <a:pPr lvl="1"/>
             <a:r>
-              <a:rPr lang="en-US" b="1" dirty="0" smtClean="0"/>
+              <a:rPr lang="en-US" b="1" dirty="0"/>
               <a:t>Choose</a:t>
             </a:r>
             <a:r>
-              <a:rPr lang="en-US" dirty="0" smtClean="0"/>
+              <a:rPr lang="en-US" dirty="0"/>
               <a:t> which if statements to use for different problems</a:t>
             </a:r>
           </a:p>
           <a:p>
             <a:pPr lvl="1"/>
             <a:r>
-              <a:rPr lang="en-US" b="1" dirty="0" smtClean="0"/>
+              <a:rPr lang="en-US" b="1" dirty="0"/>
               <a:t>Use</a:t>
             </a:r>
             <a:r>
-              <a:rPr lang="en-US" dirty="0" smtClean="0"/>
+              <a:rPr lang="en-US" dirty="0"/>
               <a:t> correct syntax for the different if statements</a:t>
             </a:r>
-            <a:endParaRPr lang="en-US" b="1" dirty="0" smtClean="0"/>
+            <a:endParaRPr lang="en-US" b="1" dirty="0"/>
           </a:p>
           <a:p>
             <a:pPr marL="0" indent="0">
               <a:buNone/>
             </a:pPr>
-            <a:endParaRPr lang="en-US" dirty="0" smtClean="0"/>
-          </a:p>
-          <a:p>
-            <a:r>
-              <a:rPr lang="en-US" dirty="0" smtClean="0">
+            <a:endParaRPr lang="en-US" dirty="0"/>
+          </a:p>
+          <a:p>
+            <a:r>
+              <a:rPr lang="en-US" dirty="0">
                 <a:solidFill>
                   <a:srgbClr val="17B1AA"/>
                 </a:solidFill>
@@ -4246,25 +4192,14 @@
             </a:r>
           </a:p>
           <a:p>
-            <a:pPr lvl="1"/>
-            <a:r>
-              <a:rPr lang="en-US" b="1" dirty="0"/>
-              <a:t>Submit</a:t>
-            </a:r>
-            <a:r>
-              <a:rPr lang="en-US" dirty="0"/>
-              <a:t> several Practice-It questions</a:t>
-            </a:r>
-          </a:p>
-          <a:p>
             <a:pPr marL="0" indent="0">
               <a:buNone/>
             </a:pPr>
-            <a:endParaRPr lang="en-US" dirty="0" smtClean="0"/>
-          </a:p>
-          <a:p>
-            <a:r>
-              <a:rPr lang="en-US" dirty="0" smtClean="0">
+            <a:endParaRPr lang="en-US" dirty="0"/>
+          </a:p>
+          <a:p>
+            <a:r>
+              <a:rPr lang="en-US" dirty="0">
                 <a:solidFill>
                   <a:srgbClr val="17B1AA"/>
                 </a:solidFill>
@@ -4315,10 +4250,9 @@
           <a:lstStyle/>
           <a:p>
             <a:r>
-              <a:rPr lang="en-US" smtClean="0"/>
+              <a:rPr lang="en-US"/>
               <a:t>Developed by TEALS in 2015  www.tealsk12.org</a:t>
             </a:r>
-            <a:endParaRPr lang="en-US"/>
           </a:p>
         </p:txBody>
       </p:sp>
@@ -4368,22 +4302,17 @@
           <a:lstStyle/>
           <a:p>
             <a:r>
-              <a:rPr lang="en-US" b="1" dirty="0" smtClean="0"/>
+              <a:rPr lang="en-US" b="1" dirty="0"/>
               <a:t>Lesson 3.11 </a:t>
             </a:r>
             <a:r>
-              <a:rPr lang="en-US" dirty="0" smtClean="0">
+              <a:rPr lang="en-US" dirty="0">
                 <a:solidFill>
                   <a:srgbClr val="17B1AA"/>
                 </a:solidFill>
               </a:rPr>
               <a:t>Reducing Redundancy</a:t>
             </a:r>
-            <a:endParaRPr lang="en-US" dirty="0">
-              <a:solidFill>
-                <a:srgbClr val="17B1AA"/>
-              </a:solidFill>
-            </a:endParaRPr>
           </a:p>
         </p:txBody>
       </p:sp>
@@ -4412,11 +4341,6 @@
               </a:rPr>
               <a:t>Objectives </a:t>
             </a:r>
-            <a:endParaRPr lang="en-US" dirty="0" smtClean="0">
-              <a:solidFill>
-                <a:srgbClr val="17B1AA"/>
-              </a:solidFill>
-            </a:endParaRPr>
           </a:p>
           <a:p>
             <a:pPr lvl="1"/>
@@ -4444,11 +4368,6 @@
               </a:rPr>
               <a:t>Assessments </a:t>
             </a:r>
-            <a:endParaRPr lang="en-US" dirty="0" smtClean="0">
-              <a:solidFill>
-                <a:srgbClr val="17B1AA"/>
-              </a:solidFill>
-            </a:endParaRPr>
           </a:p>
           <a:p>
             <a:pPr lvl="1"/>
@@ -4476,11 +4395,6 @@
               </a:rPr>
               <a:t>Homework </a:t>
             </a:r>
-            <a:endParaRPr lang="en-US" dirty="0" smtClean="0">
-              <a:solidFill>
-                <a:srgbClr val="17B1AA"/>
-              </a:solidFill>
-            </a:endParaRPr>
           </a:p>
           <a:p>
             <a:pPr lvl="1"/>
@@ -4501,17 +4415,12 @@
             </a:r>
             <a:r>
               <a:rPr lang="en-US" dirty="0"/>
-              <a:t> Chapter 4, excluding sections 4.3, 4.4, and </a:t>
-            </a:r>
-            <a:r>
-              <a:rPr lang="en-US" dirty="0" smtClean="0"/>
-              <a:t>4.5</a:t>
-            </a:r>
+              <a:t> Chapter 4, excluding sections 4.3, 4.4, and 4.5</a:t>
+            </a:r>
+          </a:p>
+          <a:p>
             <a:endParaRPr lang="en-US" dirty="0"/>
           </a:p>
-          <a:p>
-            <a:endParaRPr lang="en-US" dirty="0"/>
-          </a:p>
         </p:txBody>
       </p:sp>
       <p:sp>
@@ -4530,10 +4439,9 @@
           <a:lstStyle/>
           <a:p>
             <a:r>
-              <a:rPr lang="en-US" smtClean="0"/>
+              <a:rPr lang="en-US"/>
               <a:t>Developed by TEALS in 2015  www.tealsk12.org</a:t>
             </a:r>
-            <a:endParaRPr lang="en-US"/>
           </a:p>
         </p:txBody>
       </p:sp>
@@ -4583,22 +4491,17 @@
           <a:lstStyle/>
           <a:p>
             <a:r>
-              <a:rPr lang="en-US" b="1" dirty="0" smtClean="0"/>
+              <a:rPr lang="en-US" b="1" dirty="0"/>
               <a:t>Lesson 3.12 </a:t>
             </a:r>
             <a:r>
-              <a:rPr lang="en-US" dirty="0" smtClean="0">
+              <a:rPr lang="en-US" dirty="0">
                 <a:solidFill>
                   <a:srgbClr val="17B1AA"/>
                 </a:solidFill>
               </a:rPr>
               <a:t>Cumulative Algorithms</a:t>
             </a:r>
-            <a:endParaRPr lang="en-US" dirty="0">
-              <a:solidFill>
-                <a:srgbClr val="17B1AA"/>
-              </a:solidFill>
-            </a:endParaRPr>
           </a:p>
         </p:txBody>
       </p:sp>
@@ -4627,11 +4530,6 @@
               </a:rPr>
               <a:t>Objectives </a:t>
             </a:r>
-            <a:endParaRPr lang="en-US" dirty="0" smtClean="0">
-              <a:solidFill>
-                <a:srgbClr val="17B1AA"/>
-              </a:solidFill>
-            </a:endParaRPr>
           </a:p>
           <a:p>
             <a:pPr lvl="1"/>
@@ -4659,11 +4557,6 @@
               </a:rPr>
               <a:t>Assessments </a:t>
             </a:r>
-            <a:endParaRPr lang="en-US" dirty="0" smtClean="0">
-              <a:solidFill>
-                <a:srgbClr val="17B1AA"/>
-              </a:solidFill>
-            </a:endParaRPr>
           </a:p>
           <a:p>
             <a:pPr lvl="1"/>
@@ -4691,11 +4584,6 @@
               </a:rPr>
               <a:t>Homework </a:t>
             </a:r>
-            <a:endParaRPr lang="en-US" dirty="0" smtClean="0">
-              <a:solidFill>
-                <a:srgbClr val="17B1AA"/>
-              </a:solidFill>
-            </a:endParaRPr>
           </a:p>
           <a:p>
             <a:pPr lvl="1"/>
@@ -4740,10 +4628,9 @@
           <a:lstStyle/>
           <a:p>
             <a:r>
-              <a:rPr lang="en-US" smtClean="0"/>
+              <a:rPr lang="en-US"/>
               <a:t>Developed by TEALS in 2015  www.tealsk12.org</a:t>
             </a:r>
-            <a:endParaRPr lang="en-US"/>
           </a:p>
         </p:txBody>
       </p:sp>
@@ -4793,22 +4680,17 @@
           <a:lstStyle/>
           <a:p>
             <a:r>
-              <a:rPr lang="en-US" b="1" dirty="0" smtClean="0"/>
+              <a:rPr lang="en-US" b="1" dirty="0"/>
               <a:t>Lesson 3.13 </a:t>
             </a:r>
             <a:r>
-              <a:rPr lang="en-US" dirty="0" smtClean="0">
+              <a:rPr lang="en-US" dirty="0">
                 <a:solidFill>
                   <a:srgbClr val="17B1AA"/>
                 </a:solidFill>
               </a:rPr>
               <a:t>While Loops</a:t>
             </a:r>
-            <a:endParaRPr lang="en-US" dirty="0">
-              <a:solidFill>
-                <a:srgbClr val="17B1AA"/>
-              </a:solidFill>
-            </a:endParaRPr>
           </a:p>
         </p:txBody>
       </p:sp>
@@ -4825,7 +4707,7 @@
         <p:spPr/>
         <p:txBody>
           <a:bodyPr>
-            <a:normAutofit fontScale="77500" lnSpcReduction="20000"/>
+            <a:normAutofit fontScale="92500" lnSpcReduction="10000"/>
           </a:bodyPr>
           <a:lstStyle/>
           <a:p>
@@ -4837,11 +4719,6 @@
               </a:rPr>
               <a:t>Objectives </a:t>
             </a:r>
-            <a:endParaRPr lang="en-US" dirty="0" smtClean="0">
-              <a:solidFill>
-                <a:srgbClr val="17B1AA"/>
-              </a:solidFill>
-            </a:endParaRPr>
           </a:p>
           <a:p>
             <a:pPr lvl="1"/>
@@ -4892,45 +4769,8 @@
                   <a:srgbClr val="17B1AA"/>
                 </a:solidFill>
               </a:rPr>
-              <a:t>Assessments </a:t>
-            </a:r>
-            <a:endParaRPr lang="en-US" dirty="0" smtClean="0">
-              <a:solidFill>
-                <a:srgbClr val="17B1AA"/>
-              </a:solidFill>
-            </a:endParaRPr>
-          </a:p>
-          <a:p>
-            <a:pPr lvl="1"/>
-            <a:r>
-              <a:rPr lang="en-US" b="1" dirty="0"/>
-              <a:t>Complete</a:t>
-            </a:r>
-            <a:r>
-              <a:rPr lang="en-US" dirty="0"/>
-              <a:t> Practice-It questions</a:t>
-            </a:r>
-          </a:p>
-          <a:p>
-            <a:pPr marL="0" indent="0">
-              <a:buNone/>
-            </a:pPr>
-            <a:endParaRPr lang="en-US" dirty="0"/>
-          </a:p>
-          <a:p>
-            <a:r>
-              <a:rPr lang="en-US" dirty="0">
-                <a:solidFill>
-                  <a:srgbClr val="17B1AA"/>
-                </a:solidFill>
-              </a:rPr>
               <a:t>Homework </a:t>
             </a:r>
-            <a:endParaRPr lang="en-US" dirty="0" smtClean="0">
-              <a:solidFill>
-                <a:srgbClr val="17B1AA"/>
-              </a:solidFill>
-            </a:endParaRPr>
           </a:p>
           <a:p>
             <a:pPr lvl="1"/>
@@ -4975,10 +4815,9 @@
           <a:lstStyle/>
           <a:p>
             <a:r>
-              <a:rPr lang="en-US" smtClean="0"/>
+              <a:rPr lang="en-US"/>
               <a:t>Developed by TEALS in 2015  www.tealsk12.org</a:t>
             </a:r>
-            <a:endParaRPr lang="en-US"/>
           </a:p>
         </p:txBody>
       </p:sp>
@@ -5028,22 +4867,17 @@
           <a:lstStyle/>
           <a:p>
             <a:r>
-              <a:rPr lang="en-US" b="1" dirty="0" smtClean="0"/>
+              <a:rPr lang="en-US" b="1" dirty="0"/>
               <a:t>Lesson 3.14 </a:t>
             </a:r>
             <a:r>
-              <a:rPr lang="en-US" dirty="0" smtClean="0">
+              <a:rPr lang="en-US" dirty="0">
                 <a:solidFill>
                   <a:srgbClr val="17B1AA"/>
                 </a:solidFill>
               </a:rPr>
               <a:t>Random Numbers</a:t>
             </a:r>
-            <a:endParaRPr lang="en-US" dirty="0">
-              <a:solidFill>
-                <a:srgbClr val="17B1AA"/>
-              </a:solidFill>
-            </a:endParaRPr>
           </a:p>
         </p:txBody>
       </p:sp>
@@ -5060,7 +4894,7 @@
         <p:spPr/>
         <p:txBody>
           <a:bodyPr>
-            <a:normAutofit fontScale="92500" lnSpcReduction="20000"/>
+            <a:normAutofit/>
           </a:bodyPr>
           <a:lstStyle/>
           <a:p>
@@ -5072,11 +4906,6 @@
               </a:rPr>
               <a:t>Objectives </a:t>
             </a:r>
-            <a:endParaRPr lang="en-US" dirty="0" smtClean="0">
-              <a:solidFill>
-                <a:srgbClr val="17B1AA"/>
-              </a:solidFill>
-            </a:endParaRPr>
           </a:p>
           <a:p>
             <a:pPr lvl="1"/>
@@ -5102,45 +4931,8 @@
                   <a:srgbClr val="17B1AA"/>
                 </a:solidFill>
               </a:rPr>
-              <a:t>Assessments </a:t>
-            </a:r>
-            <a:endParaRPr lang="en-US" dirty="0" smtClean="0">
-              <a:solidFill>
-                <a:srgbClr val="17B1AA"/>
-              </a:solidFill>
-            </a:endParaRPr>
-          </a:p>
-          <a:p>
-            <a:pPr lvl="1"/>
-            <a:r>
-              <a:rPr lang="en-US" b="1" dirty="0"/>
-              <a:t>Complete</a:t>
-            </a:r>
-            <a:r>
-              <a:rPr lang="en-US" dirty="0"/>
-              <a:t> Practice-It questions</a:t>
-            </a:r>
-          </a:p>
-          <a:p>
-            <a:pPr marL="0" indent="0">
-              <a:buNone/>
-            </a:pPr>
-            <a:endParaRPr lang="en-US" dirty="0"/>
-          </a:p>
-          <a:p>
-            <a:r>
-              <a:rPr lang="en-US" dirty="0">
-                <a:solidFill>
-                  <a:srgbClr val="17B1AA"/>
-                </a:solidFill>
-              </a:rPr>
               <a:t>Homework </a:t>
             </a:r>
-            <a:endParaRPr lang="en-US" dirty="0" smtClean="0">
-              <a:solidFill>
-                <a:srgbClr val="17B1AA"/>
-              </a:solidFill>
-            </a:endParaRPr>
           </a:p>
           <a:p>
             <a:pPr lvl="1"/>
@@ -5185,10 +4977,9 @@
           <a:lstStyle/>
           <a:p>
             <a:r>
-              <a:rPr lang="en-US" smtClean="0"/>
+              <a:rPr lang="en-US"/>
               <a:t>Developed by TEALS in 2015  www.tealsk12.org</a:t>
             </a:r>
-            <a:endParaRPr lang="en-US"/>
           </a:p>
         </p:txBody>
       </p:sp>
@@ -5240,22 +5031,17 @@
           <a:lstStyle/>
           <a:p>
             <a:r>
-              <a:rPr lang="en-US" b="1" dirty="0" smtClean="0"/>
+              <a:rPr lang="en-US" b="1" dirty="0"/>
               <a:t>Lesson 3.15 </a:t>
             </a:r>
             <a:r>
-              <a:rPr lang="en-US" dirty="0" smtClean="0">
+              <a:rPr lang="en-US" dirty="0">
                 <a:solidFill>
                   <a:srgbClr val="17B1AA"/>
                 </a:solidFill>
               </a:rPr>
               <a:t>Fencepost &amp; Sentinel Loops</a:t>
             </a:r>
-            <a:endParaRPr lang="en-US" dirty="0">
-              <a:solidFill>
-                <a:srgbClr val="17B1AA"/>
-              </a:solidFill>
-            </a:endParaRPr>
           </a:p>
         </p:txBody>
       </p:sp>
@@ -5284,11 +5070,6 @@
               </a:rPr>
               <a:t>Objectives </a:t>
             </a:r>
-            <a:endParaRPr lang="en-US" dirty="0" smtClean="0">
-              <a:solidFill>
-                <a:srgbClr val="17B1AA"/>
-              </a:solidFill>
-            </a:endParaRPr>
           </a:p>
           <a:p>
             <a:pPr lvl="1"/>
@@ -5327,11 +5108,6 @@
               </a:rPr>
               <a:t>Assessments </a:t>
             </a:r>
-            <a:endParaRPr lang="en-US" dirty="0" smtClean="0">
-              <a:solidFill>
-                <a:srgbClr val="17B1AA"/>
-              </a:solidFill>
-            </a:endParaRPr>
           </a:p>
           <a:p>
             <a:pPr lvl="1"/>
@@ -5341,15 +5117,7 @@
             </a:r>
             <a:r>
               <a:rPr lang="en-US" dirty="0"/>
-              <a:t> a mini-lesson explaining the relationship </a:t>
-            </a:r>
-            <a:r>
-              <a:rPr lang="en-US" dirty="0" smtClean="0"/>
-              <a:t>between </a:t>
-            </a:r>
-            <a:r>
-              <a:rPr lang="en-US" dirty="0"/>
-              <a:t>parameters and values stored in memory</a:t>
+              <a:t> a mini-lesson explaining the relationship between parameters and values stored in memory</a:t>
             </a:r>
           </a:p>
           <a:p>
@@ -5367,11 +5135,6 @@
               </a:rPr>
               <a:t>Homework </a:t>
             </a:r>
-            <a:endParaRPr lang="en-US" dirty="0" smtClean="0">
-              <a:solidFill>
-                <a:srgbClr val="17B1AA"/>
-              </a:solidFill>
-            </a:endParaRPr>
           </a:p>
           <a:p>
             <a:pPr lvl="1"/>
@@ -5427,10 +5190,9 @@
           <a:lstStyle/>
           <a:p>
             <a:r>
-              <a:rPr lang="en-US" smtClean="0"/>
+              <a:rPr lang="en-US"/>
               <a:t>Developed by TEALS in 2015  www.tealsk12.org</a:t>
             </a:r>
-            <a:endParaRPr lang="en-US"/>
           </a:p>
         </p:txBody>
       </p:sp>
@@ -5480,22 +5242,17 @@
           <a:lstStyle/>
           <a:p>
             <a:r>
-              <a:rPr lang="en-US" b="1" dirty="0" smtClean="0"/>
+              <a:rPr lang="en-US" b="1" dirty="0"/>
               <a:t>Lesson 3.16 </a:t>
             </a:r>
             <a:r>
-              <a:rPr lang="en-US" dirty="0" smtClean="0">
+              <a:rPr lang="en-US" dirty="0">
                 <a:solidFill>
                   <a:srgbClr val="17B1AA"/>
                 </a:solidFill>
               </a:rPr>
               <a:t>Boolean Logic</a:t>
             </a:r>
-            <a:endParaRPr lang="en-US" dirty="0">
-              <a:solidFill>
-                <a:srgbClr val="17B1AA"/>
-              </a:solidFill>
-            </a:endParaRPr>
           </a:p>
         </p:txBody>
       </p:sp>
@@ -5524,11 +5281,6 @@
               </a:rPr>
               <a:t>Objectives </a:t>
             </a:r>
-            <a:endParaRPr lang="en-US" dirty="0" smtClean="0">
-              <a:solidFill>
-                <a:srgbClr val="17B1AA"/>
-              </a:solidFill>
-            </a:endParaRPr>
           </a:p>
           <a:p>
             <a:pPr lvl="1"/>
@@ -5556,11 +5308,6 @@
               </a:rPr>
               <a:t>Assessments </a:t>
             </a:r>
-            <a:endParaRPr lang="en-US" dirty="0" smtClean="0">
-              <a:solidFill>
-                <a:srgbClr val="17B1AA"/>
-              </a:solidFill>
-            </a:endParaRPr>
           </a:p>
           <a:p>
             <a:pPr lvl="1"/>
@@ -5588,11 +5335,6 @@
               </a:rPr>
               <a:t>Homework </a:t>
             </a:r>
-            <a:endParaRPr lang="en-US" dirty="0" smtClean="0">
-              <a:solidFill>
-                <a:srgbClr val="17B1AA"/>
-              </a:solidFill>
-            </a:endParaRPr>
           </a:p>
           <a:p>
             <a:pPr lvl="1"/>
@@ -5626,10 +5368,9 @@
           <a:lstStyle/>
           <a:p>
             <a:r>
-              <a:rPr lang="en-US" smtClean="0"/>
+              <a:rPr lang="en-US"/>
               <a:t>Developed by TEALS in 2015  www.tealsk12.org</a:t>
             </a:r>
-            <a:endParaRPr lang="en-US"/>
           </a:p>
         </p:txBody>
       </p:sp>
@@ -5681,22 +5422,17 @@
           <a:lstStyle/>
           <a:p>
             <a:r>
-              <a:rPr lang="en-US" b="1" dirty="0" smtClean="0"/>
+              <a:rPr lang="en-US" b="1" dirty="0"/>
               <a:t>Lesson 3.17 </a:t>
             </a:r>
             <a:r>
-              <a:rPr lang="en-US" dirty="0" smtClean="0">
+              <a:rPr lang="en-US" dirty="0">
                 <a:solidFill>
                   <a:srgbClr val="17B1AA"/>
                 </a:solidFill>
               </a:rPr>
               <a:t>Finding and Fixing Errors</a:t>
             </a:r>
-            <a:endParaRPr lang="en-US" dirty="0">
-              <a:solidFill>
-                <a:srgbClr val="17B1AA"/>
-              </a:solidFill>
-            </a:endParaRPr>
           </a:p>
         </p:txBody>
       </p:sp>
@@ -5725,11 +5461,6 @@
               </a:rPr>
               <a:t>Objectives </a:t>
             </a:r>
-            <a:endParaRPr lang="en-US" dirty="0" smtClean="0">
-              <a:solidFill>
-                <a:srgbClr val="17B1AA"/>
-              </a:solidFill>
-            </a:endParaRPr>
           </a:p>
           <a:p>
             <a:pPr lvl="1"/>
@@ -5739,37 +5470,19 @@
             </a:r>
             <a:r>
               <a:rPr lang="en-US" dirty="0"/>
-              <a:t> errors in </a:t>
-            </a:r>
-            <a:r>
-              <a:rPr lang="en-US" dirty="0" smtClean="0"/>
-              <a:t>returned </a:t>
+              <a:t> errors in returned homework assignments</a:t>
+            </a:r>
+          </a:p>
+          <a:p>
+            <a:pPr lvl="1"/>
+            <a:r>
+              <a:rPr lang="en-US" b="1" dirty="0"/>
+              <a:t>Correct</a:t>
             </a:r>
             <a:r>
               <a:rPr lang="en-US" dirty="0"/>
-              <a:t>homework </a:t>
-            </a:r>
-            <a:r>
-              <a:rPr lang="en-US" dirty="0" smtClean="0"/>
-              <a:t>assignments</a:t>
-            </a:r>
-            <a:endParaRPr lang="en-US" dirty="0"/>
-          </a:p>
-          <a:p>
-            <a:pPr lvl="1"/>
-            <a:r>
-              <a:rPr lang="en-US" b="1" dirty="0"/>
-              <a:t>Correct</a:t>
-            </a:r>
-            <a:r>
-              <a:rPr lang="en-US" dirty="0"/>
-              <a:t> </a:t>
-            </a:r>
-            <a:r>
-              <a:rPr lang="en-US" dirty="0" smtClean="0"/>
-              <a:t>code</a:t>
-            </a:r>
-            <a:endParaRPr lang="en-US" dirty="0"/>
+              <a:t> code</a:t>
+            </a:r>
           </a:p>
           <a:p>
             <a:pPr marL="0" indent="0">
@@ -5786,11 +5499,6 @@
               </a:rPr>
               <a:t>Assessments </a:t>
             </a:r>
-            <a:endParaRPr lang="en-US" dirty="0" smtClean="0">
-              <a:solidFill>
-                <a:srgbClr val="17B1AA"/>
-              </a:solidFill>
-            </a:endParaRPr>
           </a:p>
           <a:p>
             <a:pPr lvl="1"/>
@@ -5818,11 +5526,6 @@
               </a:rPr>
               <a:t>Homework </a:t>
             </a:r>
-            <a:endParaRPr lang="en-US" dirty="0" smtClean="0">
-              <a:solidFill>
-                <a:srgbClr val="17B1AA"/>
-              </a:solidFill>
-            </a:endParaRPr>
           </a:p>
           <a:p>
             <a:pPr lvl="1"/>
@@ -5889,10 +5592,9 @@
           <a:lstStyle/>
           <a:p>
             <a:r>
-              <a:rPr lang="en-US" smtClean="0"/>
+              <a:rPr lang="en-US"/>
               <a:t>Developed by TEALS in 2015  www.tealsk12.org</a:t>
             </a:r>
-            <a:endParaRPr lang="en-US"/>
           </a:p>
         </p:txBody>
       </p:sp>
@@ -5942,22 +5644,17 @@
           <a:lstStyle/>
           <a:p>
             <a:r>
-              <a:rPr lang="en-US" b="1" dirty="0" smtClean="0"/>
+              <a:rPr lang="en-US" b="1" dirty="0"/>
               <a:t>Lesson 3.18 </a:t>
             </a:r>
             <a:r>
-              <a:rPr lang="en-US" dirty="0" smtClean="0">
+              <a:rPr lang="en-US" dirty="0">
                 <a:solidFill>
                   <a:srgbClr val="17B1AA"/>
                 </a:solidFill>
               </a:rPr>
               <a:t>Review</a:t>
             </a:r>
-            <a:endParaRPr lang="en-US" dirty="0">
-              <a:solidFill>
-                <a:srgbClr val="17B1AA"/>
-              </a:solidFill>
-            </a:endParaRPr>
           </a:p>
         </p:txBody>
       </p:sp>
@@ -5986,41 +5683,16 @@
               </a:rPr>
               <a:t>Objectives </a:t>
             </a:r>
-            <a:endParaRPr lang="en-US" dirty="0" smtClean="0">
-              <a:solidFill>
-                <a:srgbClr val="17B1AA"/>
-              </a:solidFill>
-            </a:endParaRPr>
-          </a:p>
-          <a:p>
-            <a:pPr lvl="1"/>
-            <a:r>
-              <a:rPr lang="en-US" b="1" dirty="0" smtClean="0"/>
+          </a:p>
+          <a:p>
+            <a:pPr lvl="1"/>
+            <a:r>
+              <a:rPr lang="en-US" b="1" dirty="0"/>
               <a:t>Identify</a:t>
             </a:r>
             <a:r>
-              <a:rPr lang="en-US" dirty="0" smtClean="0"/>
-              <a:t> </a:t>
-            </a:r>
-            <a:r>
               <a:rPr lang="en-US" dirty="0"/>
-              <a:t>weaknesses in </a:t>
-            </a:r>
-            <a:r>
-              <a:rPr lang="en-US" dirty="0" smtClean="0"/>
-              <a:t>Unit </a:t>
-            </a:r>
-            <a:r>
-              <a:rPr lang="en-US" dirty="0"/>
-              <a:t>2</a:t>
-            </a:r>
-            <a:r>
-              <a:rPr lang="en-US" dirty="0" smtClean="0"/>
-              <a:t> </a:t>
-            </a:r>
-            <a:r>
-              <a:rPr lang="en-US" dirty="0"/>
-              <a:t>knowledge.</a:t>
+              <a:t> weaknesses in Unit 2 knowledge.</a:t>
             </a:r>
           </a:p>
           <a:p>
@@ -6038,25 +5710,16 @@
               </a:rPr>
               <a:t>Assessments </a:t>
             </a:r>
-            <a:endParaRPr lang="en-US" dirty="0" smtClean="0">
-              <a:solidFill>
-                <a:srgbClr val="17B1AA"/>
-              </a:solidFill>
-            </a:endParaRPr>
-          </a:p>
-          <a:p>
-            <a:pPr lvl="1"/>
-            <a:r>
-              <a:rPr lang="en-US" b="1" dirty="0" smtClean="0"/>
+          </a:p>
+          <a:p>
+            <a:pPr lvl="1"/>
+            <a:r>
+              <a:rPr lang="en-US" b="1" dirty="0"/>
               <a:t>Create</a:t>
             </a:r>
             <a:r>
-              <a:rPr lang="en-US" dirty="0" smtClean="0"/>
-              <a:t> </a:t>
-            </a:r>
-            <a:r>
               <a:rPr lang="en-US" dirty="0"/>
-              <a:t>a personalized list of review topics to guide tonight’s study session.</a:t>
+              <a:t> a personalized list of review topics to guide tonight’s study session.</a:t>
             </a:r>
           </a:p>
           <a:p>
@@ -6074,25 +5737,16 @@
               </a:rPr>
               <a:t>Homework </a:t>
             </a:r>
-            <a:endParaRPr lang="en-US" dirty="0" smtClean="0">
-              <a:solidFill>
-                <a:srgbClr val="17B1AA"/>
-              </a:solidFill>
-            </a:endParaRPr>
-          </a:p>
-          <a:p>
-            <a:pPr lvl="1"/>
-            <a:r>
-              <a:rPr lang="en-US" b="1" dirty="0" smtClean="0"/>
+          </a:p>
+          <a:p>
+            <a:pPr lvl="1"/>
+            <a:r>
+              <a:rPr lang="en-US" b="1" dirty="0"/>
               <a:t>Study</a:t>
             </a:r>
             <a:r>
-              <a:rPr lang="en-US" dirty="0" smtClean="0"/>
-              <a:t> </a:t>
-            </a:r>
-            <a:r>
               <a:rPr lang="en-US" dirty="0"/>
-              <a:t>for tomorrow’s test!</a:t>
+              <a:t> for tomorrow’s test!</a:t>
             </a:r>
           </a:p>
           <a:p>
@@ -6116,10 +5770,9 @@
           <a:lstStyle/>
           <a:p>
             <a:r>
-              <a:rPr lang="en-US" smtClean="0"/>
+              <a:rPr lang="en-US"/>
               <a:t>Developed by TEALS in 2015  www.tealsk12.org</a:t>
             </a:r>
-            <a:endParaRPr lang="en-US"/>
           </a:p>
         </p:txBody>
       </p:sp>
@@ -6171,88 +5824,78 @@
           <a:lstStyle/>
           <a:p>
             <a:r>
-              <a:rPr lang="en-US" b="1" dirty="0" smtClean="0"/>
+              <a:rPr lang="en-US" b="1" dirty="0"/>
               <a:t>Lesson 3.1 </a:t>
             </a:r>
             <a:r>
-              <a:rPr lang="en-US" dirty="0" smtClean="0">
+              <a:rPr lang="en-US" dirty="0">
                 <a:solidFill>
                   <a:srgbClr val="17B1AA"/>
                 </a:solidFill>
               </a:rPr>
               <a:t>Parameters</a:t>
             </a:r>
+          </a:p>
+        </p:txBody>
+      </p:sp>
+      <p:sp>
+        <p:nvSpPr>
+          <p:cNvPr id="3" name="Content Placeholder 2"/>
+          <p:cNvSpPr>
+            <a:spLocks noGrp="1"/>
+          </p:cNvSpPr>
+          <p:nvPr>
+            <p:ph idx="1"/>
+          </p:nvPr>
+        </p:nvSpPr>
+        <p:spPr/>
+        <p:txBody>
+          <a:bodyPr>
+            <a:normAutofit fontScale="77500" lnSpcReduction="20000"/>
+          </a:bodyPr>
+          <a:lstStyle/>
+          <a:p>
+            <a:r>
+              <a:rPr lang="en-US" dirty="0">
+                <a:solidFill>
+                  <a:srgbClr val="17B1AA"/>
+                </a:solidFill>
+              </a:rPr>
+              <a:t>Objectives </a:t>
+            </a:r>
+          </a:p>
+          <a:p>
+            <a:pPr lvl="1"/>
+            <a:r>
+              <a:rPr lang="en-US" b="1" dirty="0"/>
+              <a:t>Correctly construct</a:t>
+            </a:r>
+            <a:r>
+              <a:rPr lang="en-US" dirty="0"/>
+              <a:t> formal and actual parameters (arguments).</a:t>
+            </a:r>
+          </a:p>
+          <a:p>
+            <a:pPr lvl="1"/>
+            <a:r>
+              <a:rPr lang="en-US" b="1" dirty="0"/>
+              <a:t>Predict</a:t>
+            </a:r>
+            <a:r>
+              <a:rPr lang="en-US" dirty="0"/>
+              <a:t> output of programs that use parameters</a:t>
+            </a:r>
+          </a:p>
+          <a:p>
             <a:endParaRPr lang="en-US" dirty="0">
               <a:solidFill>
                 <a:srgbClr val="17B1AA"/>
               </a:solidFill>
             </a:endParaRPr>
           </a:p>
-        </p:txBody>
-      </p:sp>
-      <p:sp>
-        <p:nvSpPr>
-          <p:cNvPr id="3" name="Content Placeholder 2"/>
-          <p:cNvSpPr>
-            <a:spLocks noGrp="1"/>
-          </p:cNvSpPr>
-          <p:nvPr>
-            <p:ph idx="1"/>
-          </p:nvPr>
-        </p:nvSpPr>
-        <p:spPr/>
-        <p:txBody>
-          <a:bodyPr>
-            <a:normAutofit fontScale="77500" lnSpcReduction="20000"/>
-          </a:bodyPr>
-          <a:lstStyle/>
           <a:p>
             <a:r>
               <a:rPr lang="en-US" dirty="0">
-                <a:solidFill>
-                  <a:srgbClr val="17B1AA"/>
-                </a:solidFill>
-              </a:rPr>
-              <a:t>Objectives </a:t>
-            </a:r>
-            <a:endParaRPr lang="en-US" dirty="0" smtClean="0">
-              <a:solidFill>
-                <a:srgbClr val="17B1AA"/>
-              </a:solidFill>
-            </a:endParaRPr>
-          </a:p>
-          <a:p>
-            <a:pPr lvl="1"/>
-            <a:r>
-              <a:rPr lang="en-US" b="1" dirty="0"/>
-              <a:t>Correctly construct</a:t>
-            </a:r>
-            <a:r>
-              <a:rPr lang="en-US" dirty="0"/>
-              <a:t> formal and actual parameters (arguments).</a:t>
-            </a:r>
-          </a:p>
-          <a:p>
-            <a:pPr lvl="1"/>
-            <a:r>
-              <a:rPr lang="en-US" b="1" dirty="0"/>
-              <a:t>Predict</a:t>
-            </a:r>
-            <a:r>
-              <a:rPr lang="en-US" dirty="0"/>
-              <a:t> output of programs that use parameters</a:t>
-            </a:r>
-          </a:p>
-          <a:p>
-            <a:endParaRPr lang="en-US" dirty="0" smtClean="0">
-              <a:solidFill>
-                <a:srgbClr val="17B1AA"/>
-              </a:solidFill>
-            </a:endParaRPr>
-          </a:p>
-          <a:p>
-            <a:r>
-              <a:rPr lang="en-US" dirty="0" smtClean="0">
                 <a:solidFill>
                   <a:srgbClr val="17B1AA"/>
                 </a:solidFill>
@@ -6272,17 +5915,6 @@
             </a:r>
           </a:p>
           <a:p>
-            <a:pPr lvl="1"/>
-            <a:r>
-              <a:rPr lang="en-US" b="1" dirty="0"/>
-              <a:t>Submit</a:t>
-            </a:r>
-            <a:r>
-              <a:rPr lang="en-US" dirty="0"/>
-              <a:t> Practice-It questions</a:t>
-            </a:r>
-          </a:p>
-          <a:p>
             <a:pPr marL="0" indent="0">
               <a:buNone/>
             </a:pPr>
@@ -6297,11 +5929,6 @@
               </a:rPr>
               <a:t>Homework </a:t>
             </a:r>
-            <a:endParaRPr lang="en-US" dirty="0" smtClean="0">
-              <a:solidFill>
-                <a:srgbClr val="17B1AA"/>
-              </a:solidFill>
-            </a:endParaRPr>
           </a:p>
           <a:p>
             <a:pPr lvl="1"/>
@@ -6311,15 +5938,7 @@
             </a:r>
             <a:r>
               <a:rPr lang="en-US" dirty="0"/>
-              <a:t> HW 3.1 “Limitations of Parameters” and “Multiple </a:t>
-            </a:r>
-            <a:r>
-              <a:rPr lang="en-US" dirty="0" smtClean="0"/>
-              <a:t>Parameters</a:t>
-            </a:r>
-            <a:r>
-              <a:rPr lang="en-US" dirty="0"/>
-              <a:t>”</a:t>
+              <a:t> HW 3.1 “Limitations of Parameters” and “Multiple Parameters”</a:t>
             </a:r>
           </a:p>
           <a:p>
@@ -6354,10 +5973,9 @@
           <a:lstStyle/>
           <a:p>
             <a:r>
-              <a:rPr lang="en-US" smtClean="0"/>
+              <a:rPr lang="en-US"/>
               <a:t>Developed by TEALS in 2015  www.tealsk12.org</a:t>
             </a:r>
-            <a:endParaRPr lang="en-US"/>
           </a:p>
         </p:txBody>
       </p:sp>
@@ -6409,22 +6027,17 @@
           <a:lstStyle/>
           <a:p>
             <a:r>
-              <a:rPr lang="en-US" b="1" dirty="0" smtClean="0"/>
+              <a:rPr lang="en-US" b="1" dirty="0"/>
               <a:t>Lesson 3.2 </a:t>
             </a:r>
             <a:r>
-              <a:rPr lang="en-US" dirty="0" smtClean="0">
+              <a:rPr lang="en-US" dirty="0">
                 <a:solidFill>
                   <a:srgbClr val="17B1AA"/>
                 </a:solidFill>
               </a:rPr>
               <a:t>Limitations of Parameters &amp; Multiple Parameters</a:t>
             </a:r>
-            <a:endParaRPr lang="en-US" dirty="0">
-              <a:solidFill>
-                <a:srgbClr val="17B1AA"/>
-              </a:solidFill>
-            </a:endParaRPr>
           </a:p>
         </p:txBody>
       </p:sp>
@@ -6453,11 +6066,6 @@
               </a:rPr>
               <a:t>Objectives </a:t>
             </a:r>
-            <a:endParaRPr lang="en-US" dirty="0" smtClean="0">
-              <a:solidFill>
-                <a:srgbClr val="17B1AA"/>
-              </a:solidFill>
-            </a:endParaRPr>
           </a:p>
           <a:p>
             <a:pPr lvl="1"/>
@@ -6485,11 +6093,6 @@
               </a:rPr>
               <a:t>Assessments </a:t>
             </a:r>
-            <a:endParaRPr lang="en-US" dirty="0" smtClean="0">
-              <a:solidFill>
-                <a:srgbClr val="17B1AA"/>
-              </a:solidFill>
-            </a:endParaRPr>
           </a:p>
           <a:p>
             <a:pPr lvl="1"/>
@@ -6515,11 +6118,6 @@
               </a:rPr>
               <a:t>Homework </a:t>
             </a:r>
-            <a:endParaRPr lang="en-US" dirty="0" smtClean="0">
-              <a:solidFill>
-                <a:srgbClr val="17B1AA"/>
-              </a:solidFill>
-            </a:endParaRPr>
           </a:p>
           <a:p>
             <a:pPr lvl="1"/>
@@ -6564,10 +6162,9 @@
           <a:lstStyle/>
           <a:p>
             <a:r>
-              <a:rPr lang="en-US" smtClean="0"/>
+              <a:rPr lang="en-US"/>
               <a:t>Developed by TEALS in 2015  www.tealsk12.org</a:t>
             </a:r>
-            <a:endParaRPr lang="en-US"/>
           </a:p>
         </p:txBody>
       </p:sp>
@@ -6619,77 +6216,67 @@
           <a:lstStyle/>
           <a:p>
             <a:r>
-              <a:rPr lang="en-US" b="1" dirty="0" smtClean="0"/>
+              <a:rPr lang="en-US" b="1" dirty="0"/>
               <a:t>Lesson 3.3 </a:t>
             </a:r>
             <a:r>
-              <a:rPr lang="en-US" dirty="0" smtClean="0">
+              <a:rPr lang="en-US" dirty="0">
                 <a:solidFill>
                   <a:srgbClr val="17B1AA"/>
                 </a:solidFill>
               </a:rPr>
               <a:t>Return Values</a:t>
             </a:r>
+          </a:p>
+        </p:txBody>
+      </p:sp>
+      <p:sp>
+        <p:nvSpPr>
+          <p:cNvPr id="3" name="Content Placeholder 2"/>
+          <p:cNvSpPr>
+            <a:spLocks noGrp="1"/>
+          </p:cNvSpPr>
+          <p:nvPr>
+            <p:ph idx="1"/>
+          </p:nvPr>
+        </p:nvSpPr>
+        <p:spPr/>
+        <p:txBody>
+          <a:bodyPr>
+            <a:normAutofit fontScale="92500" lnSpcReduction="10000"/>
+          </a:bodyPr>
+          <a:lstStyle/>
+          <a:p>
+            <a:r>
+              <a:rPr lang="en-US" dirty="0">
+                <a:solidFill>
+                  <a:srgbClr val="17B1AA"/>
+                </a:solidFill>
+              </a:rPr>
+              <a:t>Objectives </a:t>
+            </a:r>
+          </a:p>
+          <a:p>
+            <a:pPr lvl="1"/>
+            <a:r>
+              <a:rPr lang="en-US" b="1" dirty="0"/>
+              <a:t>Write</a:t>
+            </a:r>
+            <a:r>
+              <a:rPr lang="en-US" dirty="0"/>
+              <a:t> a program that returns values.</a:t>
+            </a:r>
+          </a:p>
+          <a:p>
             <a:endParaRPr lang="en-US" dirty="0">
               <a:solidFill>
                 <a:srgbClr val="17B1AA"/>
               </a:solidFill>
             </a:endParaRPr>
           </a:p>
-        </p:txBody>
-      </p:sp>
-      <p:sp>
-        <p:nvSpPr>
-          <p:cNvPr id="3" name="Content Placeholder 2"/>
-          <p:cNvSpPr>
-            <a:spLocks noGrp="1"/>
-          </p:cNvSpPr>
-          <p:nvPr>
-            <p:ph idx="1"/>
-          </p:nvPr>
-        </p:nvSpPr>
-        <p:spPr/>
-        <p:txBody>
-          <a:bodyPr>
-            <a:normAutofit fontScale="92500" lnSpcReduction="20000"/>
-          </a:bodyPr>
-          <a:lstStyle/>
           <a:p>
             <a:r>
               <a:rPr lang="en-US" dirty="0">
-                <a:solidFill>
-                  <a:srgbClr val="17B1AA"/>
-                </a:solidFill>
-              </a:rPr>
-              <a:t>Objectives </a:t>
-            </a:r>
-            <a:endParaRPr lang="en-US" dirty="0" smtClean="0">
-              <a:solidFill>
-                <a:srgbClr val="17B1AA"/>
-              </a:solidFill>
-            </a:endParaRPr>
-          </a:p>
-          <a:p>
-            <a:pPr lvl="1"/>
-            <a:r>
-              <a:rPr lang="en-US" b="1" dirty="0"/>
-              <a:t>Write</a:t>
-            </a:r>
-            <a:r>
-              <a:rPr lang="en-US" dirty="0"/>
-              <a:t> a program that returns values.</a:t>
-            </a:r>
-          </a:p>
-          <a:p>
-            <a:endParaRPr lang="en-US" dirty="0" smtClean="0">
-              <a:solidFill>
-                <a:srgbClr val="17B1AA"/>
-              </a:solidFill>
-            </a:endParaRPr>
-          </a:p>
-          <a:p>
-            <a:r>
-              <a:rPr lang="en-US" dirty="0" smtClean="0">
                 <a:solidFill>
                   <a:srgbClr val="17B1AA"/>
                 </a:solidFill>
@@ -6701,17 +6288,6 @@
             <a:pPr lvl="1"/>
             <a:r>
               <a:rPr lang="en-US" b="1" dirty="0"/>
-              <a:t>Complete</a:t>
-            </a:r>
-            <a:r>
-              <a:rPr lang="en-US" dirty="0"/>
-              <a:t> Practice-It questions</a:t>
-            </a:r>
-          </a:p>
-          <a:p>
-            <a:pPr lvl="1"/>
-            <a:r>
-              <a:rPr lang="en-US" b="1" dirty="0"/>
               <a:t>Write</a:t>
             </a:r>
             <a:r>
@@ -6734,11 +6310,6 @@
               </a:rPr>
               <a:t>Homework </a:t>
             </a:r>
-            <a:endParaRPr lang="en-US" dirty="0" smtClean="0">
-              <a:solidFill>
-                <a:srgbClr val="17B1AA"/>
-              </a:solidFill>
-            </a:endParaRPr>
           </a:p>
           <a:p>
             <a:pPr lvl="1"/>
@@ -6772,10 +6343,9 @@
           <a:lstStyle/>
           <a:p>
             <a:r>
-              <a:rPr lang="en-US" smtClean="0"/>
+              <a:rPr lang="en-US"/>
               <a:t>Developed by TEALS in 2015  www.tealsk12.org</a:t>
             </a:r>
-            <a:endParaRPr lang="en-US"/>
           </a:p>
         </p:txBody>
       </p:sp>
@@ -6827,77 +6397,67 @@
           <a:lstStyle/>
           <a:p>
             <a:r>
-              <a:rPr lang="en-US" b="1" dirty="0" smtClean="0"/>
+              <a:rPr lang="en-US" b="1" dirty="0"/>
               <a:t>Lesson 3.4 </a:t>
             </a:r>
             <a:r>
-              <a:rPr lang="en-US" dirty="0" smtClean="0">
+              <a:rPr lang="en-US" dirty="0">
                 <a:solidFill>
                   <a:srgbClr val="17B1AA"/>
                 </a:solidFill>
               </a:rPr>
               <a:t>Programming Project</a:t>
             </a:r>
+          </a:p>
+        </p:txBody>
+      </p:sp>
+      <p:sp>
+        <p:nvSpPr>
+          <p:cNvPr id="3" name="Content Placeholder 2"/>
+          <p:cNvSpPr>
+            <a:spLocks noGrp="1"/>
+          </p:cNvSpPr>
+          <p:nvPr>
+            <p:ph idx="1"/>
+          </p:nvPr>
+        </p:nvSpPr>
+        <p:spPr/>
+        <p:txBody>
+          <a:bodyPr>
+            <a:normAutofit fontScale="85000" lnSpcReduction="20000"/>
+          </a:bodyPr>
+          <a:lstStyle/>
+          <a:p>
+            <a:r>
+              <a:rPr lang="en-US" dirty="0">
+                <a:solidFill>
+                  <a:srgbClr val="17B1AA"/>
+                </a:solidFill>
+              </a:rPr>
+              <a:t>Objectives </a:t>
+            </a:r>
+          </a:p>
+          <a:p>
+            <a:pPr lvl="1"/>
+            <a:r>
+              <a:rPr lang="en-US" b="1" dirty="0"/>
+              <a:t>Write</a:t>
+            </a:r>
+            <a:r>
+              <a:rPr lang="en-US" dirty="0"/>
+              <a:t> a program that uses parameters, the math class, and returns values. </a:t>
+            </a:r>
+          </a:p>
+          <a:p>
             <a:endParaRPr lang="en-US" dirty="0">
               <a:solidFill>
                 <a:srgbClr val="17B1AA"/>
               </a:solidFill>
             </a:endParaRPr>
           </a:p>
-        </p:txBody>
-      </p:sp>
-      <p:sp>
-        <p:nvSpPr>
-          <p:cNvPr id="3" name="Content Placeholder 2"/>
-          <p:cNvSpPr>
-            <a:spLocks noGrp="1"/>
-          </p:cNvSpPr>
-          <p:nvPr>
-            <p:ph idx="1"/>
-          </p:nvPr>
-        </p:nvSpPr>
-        <p:spPr/>
-        <p:txBody>
-          <a:bodyPr>
-            <a:normAutofit fontScale="85000" lnSpcReduction="20000"/>
-          </a:bodyPr>
-          <a:lstStyle/>
           <a:p>
             <a:r>
               <a:rPr lang="en-US" dirty="0">
-                <a:solidFill>
-                  <a:srgbClr val="17B1AA"/>
-                </a:solidFill>
-              </a:rPr>
-              <a:t>Objectives </a:t>
-            </a:r>
-            <a:endParaRPr lang="en-US" dirty="0" smtClean="0">
-              <a:solidFill>
-                <a:srgbClr val="17B1AA"/>
-              </a:solidFill>
-            </a:endParaRPr>
-          </a:p>
-          <a:p>
-            <a:pPr lvl="1"/>
-            <a:r>
-              <a:rPr lang="en-US" b="1" dirty="0"/>
-              <a:t>Write</a:t>
-            </a:r>
-            <a:r>
-              <a:rPr lang="en-US" dirty="0"/>
-              <a:t> a program that uses parameters, the math class, and returns values. </a:t>
-            </a:r>
-          </a:p>
-          <a:p>
-            <a:endParaRPr lang="en-US" dirty="0" smtClean="0">
-              <a:solidFill>
-                <a:srgbClr val="17B1AA"/>
-              </a:solidFill>
-            </a:endParaRPr>
-          </a:p>
-          <a:p>
-            <a:r>
-              <a:rPr lang="en-US" dirty="0" smtClean="0">
                 <a:solidFill>
                   <a:srgbClr val="17B1AA"/>
                 </a:solidFill>
@@ -6939,11 +6499,6 @@
               </a:rPr>
               <a:t>Homework </a:t>
             </a:r>
-            <a:endParaRPr lang="en-US" dirty="0" smtClean="0">
-              <a:solidFill>
-                <a:srgbClr val="17B1AA"/>
-              </a:solidFill>
-            </a:endParaRPr>
           </a:p>
           <a:p>
             <a:pPr lvl="1"/>
@@ -6988,10 +6543,9 @@
           <a:lstStyle/>
           <a:p>
             <a:r>
-              <a:rPr lang="en-US" smtClean="0"/>
+              <a:rPr lang="en-US"/>
               <a:t>Developed by TEALS in 2015  www.tealsk12.org</a:t>
             </a:r>
-            <a:endParaRPr lang="en-US"/>
           </a:p>
         </p:txBody>
       </p:sp>
@@ -7043,22 +6597,17 @@
           <a:lstStyle/>
           <a:p>
             <a:r>
-              <a:rPr lang="en-US" b="1" dirty="0" smtClean="0"/>
+              <a:rPr lang="en-US" b="1" dirty="0"/>
               <a:t>Lesson 3.5 </a:t>
             </a:r>
             <a:r>
-              <a:rPr lang="en-US" dirty="0" smtClean="0">
+              <a:rPr lang="en-US" dirty="0">
                 <a:solidFill>
                   <a:srgbClr val="17B1AA"/>
                 </a:solidFill>
               </a:rPr>
               <a:t>Using Objects and String Processing</a:t>
             </a:r>
-            <a:endParaRPr lang="en-US" dirty="0">
-              <a:solidFill>
-                <a:srgbClr val="17B1AA"/>
-              </a:solidFill>
-            </a:endParaRPr>
           </a:p>
         </p:txBody>
       </p:sp>
@@ -7087,11 +6636,6 @@
               </a:rPr>
               <a:t>Objectives </a:t>
             </a:r>
-            <a:endParaRPr lang="en-US" dirty="0" smtClean="0">
-              <a:solidFill>
-                <a:srgbClr val="17B1AA"/>
-              </a:solidFill>
-            </a:endParaRPr>
           </a:p>
           <a:p>
             <a:pPr lvl="1"/>
@@ -7130,11 +6674,6 @@
               </a:rPr>
               <a:t>Assessments </a:t>
             </a:r>
-            <a:endParaRPr lang="en-US" dirty="0" smtClean="0">
-              <a:solidFill>
-                <a:srgbClr val="17B1AA"/>
-              </a:solidFill>
-            </a:endParaRPr>
           </a:p>
           <a:p>
             <a:pPr lvl="1"/>
@@ -7162,11 +6701,6 @@
               </a:rPr>
               <a:t>Homework </a:t>
             </a:r>
-            <a:endParaRPr lang="en-US" dirty="0" smtClean="0">
-              <a:solidFill>
-                <a:srgbClr val="17B1AA"/>
-              </a:solidFill>
-            </a:endParaRPr>
           </a:p>
           <a:p>
             <a:pPr lvl="1"/>
@@ -7211,10 +6745,9 @@
           <a:lstStyle/>
           <a:p>
             <a:r>
-              <a:rPr lang="en-US" smtClean="0"/>
+              <a:rPr lang="en-US"/>
               <a:t>Developed by TEALS in 2015  www.tealsk12.org</a:t>
             </a:r>
-            <a:endParaRPr lang="en-US"/>
           </a:p>
         </p:txBody>
       </p:sp>
@@ -7266,30 +6799,17 @@
           <a:lstStyle/>
           <a:p>
             <a:r>
-              <a:rPr lang="en-US" b="1" dirty="0" smtClean="0"/>
-              <a:t>Lesson </a:t>
-            </a:r>
-            <a:r>
-              <a:rPr lang="en-US" b="1" dirty="0"/>
-              <a:t>3</a:t>
-            </a:r>
-            <a:r>
-              <a:rPr lang="en-US" b="1" dirty="0" smtClean="0"/>
-              <a:t>.6 </a:t>
-            </a:r>
-            <a:r>
-              <a:rPr lang="en-US" dirty="0" smtClean="0">
+              <a:rPr lang="en-US" b="1" dirty="0"/>
+              <a:t>Lesson 3.6 </a:t>
+            </a:r>
+            <a:r>
+              <a:rPr lang="en-US" dirty="0">
                 <a:solidFill>
                   <a:srgbClr val="17B1AA"/>
                 </a:solidFill>
               </a:rPr>
               <a:t>Interactive Programs &amp; Scanner Objects</a:t>
             </a:r>
-            <a:endParaRPr lang="en-US" dirty="0">
-              <a:solidFill>
-                <a:srgbClr val="17B1AA"/>
-              </a:solidFill>
-            </a:endParaRPr>
           </a:p>
         </p:txBody>
       </p:sp>
@@ -7306,7 +6826,7 @@
         <p:spPr/>
         <p:txBody>
           <a:bodyPr>
-            <a:normAutofit fontScale="92500" lnSpcReduction="10000"/>
+            <a:normAutofit/>
           </a:bodyPr>
           <a:lstStyle/>
           <a:p>
@@ -7318,11 +6838,6 @@
               </a:rPr>
               <a:t>Objectives </a:t>
             </a:r>
-            <a:endParaRPr lang="en-US" dirty="0" smtClean="0">
-              <a:solidFill>
-                <a:srgbClr val="17B1AA"/>
-              </a:solidFill>
-            </a:endParaRPr>
           </a:p>
           <a:p>
             <a:pPr lvl="1"/>
@@ -7336,34 +6851,6 @@
             </a:r>
           </a:p>
           <a:p>
-            <a:endParaRPr lang="en-US" dirty="0" smtClean="0">
-              <a:solidFill>
-                <a:srgbClr val="17B1AA"/>
-              </a:solidFill>
-            </a:endParaRPr>
-          </a:p>
-          <a:p>
-            <a:r>
-              <a:rPr lang="en-US" dirty="0" smtClean="0">
-                <a:solidFill>
-                  <a:srgbClr val="17B1AA"/>
-                </a:solidFill>
-              </a:rPr>
-              <a:t>Assessments </a:t>
-            </a:r>
-          </a:p>
-          <a:p>
-            <a:pPr lvl="1"/>
-            <a:r>
-              <a:rPr lang="en-US" b="1" dirty="0"/>
-              <a:t>Complete</a:t>
-            </a:r>
-            <a:r>
-              <a:rPr lang="en-US" dirty="0"/>
-              <a:t> Practice-It problems</a:t>
-            </a:r>
-          </a:p>
-          <a:p>
             <a:pPr marL="0" indent="0">
               <a:buNone/>
             </a:pPr>
@@ -7378,11 +6865,6 @@
               </a:rPr>
               <a:t>Homework </a:t>
             </a:r>
-            <a:endParaRPr lang="en-US" dirty="0" smtClean="0">
-              <a:solidFill>
-                <a:srgbClr val="17B1AA"/>
-              </a:solidFill>
-            </a:endParaRPr>
           </a:p>
           <a:p>
             <a:pPr lvl="1"/>
@@ -7416,10 +6898,9 @@
           <a:lstStyle/>
           <a:p>
             <a:r>
-              <a:rPr lang="en-US" smtClean="0"/>
+              <a:rPr lang="en-US"/>
               <a:t>Developed by TEALS in 2015  www.tealsk12.org</a:t>
             </a:r>
-            <a:endParaRPr lang="en-US"/>
           </a:p>
         </p:txBody>
       </p:sp>
@@ -7471,22 +6952,17 @@
           <a:lstStyle/>
           <a:p>
             <a:r>
-              <a:rPr lang="en-US" b="1" dirty="0" smtClean="0"/>
+              <a:rPr lang="en-US" b="1" dirty="0"/>
               <a:t>Lesson 3.7 </a:t>
             </a:r>
             <a:r>
-              <a:rPr lang="en-US" dirty="0" smtClean="0">
+              <a:rPr lang="en-US" dirty="0">
                 <a:solidFill>
                   <a:srgbClr val="17B1AA"/>
                 </a:solidFill>
               </a:rPr>
               <a:t>Pokémon Battle Programming Project</a:t>
             </a:r>
-            <a:endParaRPr lang="en-US" dirty="0">
-              <a:solidFill>
-                <a:srgbClr val="17B1AA"/>
-              </a:solidFill>
-            </a:endParaRPr>
           </a:p>
         </p:txBody>
       </p:sp>
@@ -7515,11 +6991,6 @@
               </a:rPr>
               <a:t>Objectives </a:t>
             </a:r>
-            <a:endParaRPr lang="en-US" dirty="0" smtClean="0">
-              <a:solidFill>
-                <a:srgbClr val="17B1AA"/>
-              </a:solidFill>
-            </a:endParaRPr>
           </a:p>
           <a:p>
             <a:pPr lvl="1"/>
@@ -7547,11 +7018,6 @@
               </a:rPr>
               <a:t>Assessments </a:t>
             </a:r>
-            <a:endParaRPr lang="en-US" dirty="0" smtClean="0">
-              <a:solidFill>
-                <a:srgbClr val="17B1AA"/>
-              </a:solidFill>
-            </a:endParaRPr>
           </a:p>
           <a:p>
             <a:pPr lvl="1"/>
@@ -7579,11 +7045,6 @@
               </a:rPr>
               <a:t>Homework </a:t>
             </a:r>
-            <a:endParaRPr lang="en-US" dirty="0" smtClean="0">
-              <a:solidFill>
-                <a:srgbClr val="17B1AA"/>
-              </a:solidFill>
-            </a:endParaRPr>
           </a:p>
           <a:p>
             <a:pPr lvl="1"/>
@@ -7593,15 +7054,7 @@
             </a:r>
             <a:r>
               <a:rPr lang="en-US" dirty="0"/>
-              <a:t> </a:t>
-            </a:r>
-            <a:r>
-              <a:rPr lang="en-US" dirty="0" smtClean="0"/>
-              <a:t>class </a:t>
-            </a:r>
-            <a:r>
-              <a:rPr lang="en-US" dirty="0"/>
-              <a:t>notes since the last exam</a:t>
+              <a:t> class notes since the last exam</a:t>
             </a:r>
           </a:p>
           <a:p>
@@ -7625,10 +7078,9 @@
           <a:lstStyle/>
           <a:p>
             <a:r>
-              <a:rPr lang="en-US" smtClean="0"/>
+              <a:rPr lang="en-US"/>
               <a:t>Developed by TEALS in 2015  www.tealsk12.org</a:t>
             </a:r>
-            <a:endParaRPr lang="en-US"/>
           </a:p>
         </p:txBody>
       </p:sp>
@@ -7680,22 +7132,17 @@
           <a:lstStyle/>
           <a:p>
             <a:r>
-              <a:rPr lang="en-US" b="1" dirty="0" smtClean="0"/>
+              <a:rPr lang="en-US" b="1" dirty="0"/>
               <a:t>Lesson 3.8 </a:t>
             </a:r>
             <a:r>
-              <a:rPr lang="en-US" dirty="0" smtClean="0">
+              <a:rPr lang="en-US" dirty="0">
                 <a:solidFill>
                   <a:srgbClr val="17B1AA"/>
                 </a:solidFill>
               </a:rPr>
               <a:t>Finding and Fixing Errors</a:t>
             </a:r>
-            <a:endParaRPr lang="en-US" dirty="0">
-              <a:solidFill>
-                <a:srgbClr val="17B1AA"/>
-              </a:solidFill>
-            </a:endParaRPr>
           </a:p>
         </p:txBody>
       </p:sp>
@@ -7724,11 +7171,6 @@
               </a:rPr>
               <a:t>Objectives </a:t>
             </a:r>
-            <a:endParaRPr lang="en-US" dirty="0" smtClean="0">
-              <a:solidFill>
-                <a:srgbClr val="17B1AA"/>
-              </a:solidFill>
-            </a:endParaRPr>
           </a:p>
           <a:p>
             <a:pPr lvl="1"/>
@@ -7767,11 +7209,6 @@
               </a:rPr>
               <a:t>Assessments </a:t>
             </a:r>
-            <a:endParaRPr lang="en-US" dirty="0" smtClean="0">
-              <a:solidFill>
-                <a:srgbClr val="17B1AA"/>
-              </a:solidFill>
-            </a:endParaRPr>
           </a:p>
           <a:p>
             <a:pPr lvl="1"/>
@@ -7799,11 +7236,6 @@
               </a:rPr>
               <a:t>Homework </a:t>
             </a:r>
-            <a:endParaRPr lang="en-US" dirty="0" smtClean="0">
-              <a:solidFill>
-                <a:srgbClr val="17B1AA"/>
-              </a:solidFill>
-            </a:endParaRPr>
           </a:p>
           <a:p>
             <a:pPr lvl="1"/>
@@ -7848,10 +7280,9 @@
           <a:lstStyle/>
           <a:p>
             <a:r>
-              <a:rPr lang="en-US" smtClean="0"/>
+              <a:rPr lang="en-US"/>
               <a:t>Developed by TEALS in 2015  www.tealsk12.org</a:t>
             </a:r>
-            <a:endParaRPr lang="en-US"/>
           </a:p>
         </p:txBody>
       </p:sp>
@@ -8829,15 +8260,6 @@
 </file>
 
 <file path=customXml/item1.xml><?xml version="1.0" encoding="utf-8"?>
-<?mso-contentType ?>
-<FormTemplates xmlns="http://schemas.microsoft.com/sharepoint/v3/contenttype/forms">
-  <Display>DocumentLibraryForm</Display>
-  <Edit>DocumentLibraryForm</Edit>
-  <New>DocumentLibraryForm</New>
-</FormTemplates>
-</file>
-
-<file path=customXml/item2.xml><?xml version="1.0" encoding="utf-8"?>
 <ct:contentTypeSchema xmlns:ct="http://schemas.microsoft.com/office/2006/metadata/contentType" xmlns:ma="http://schemas.microsoft.com/office/2006/metadata/properties/metaAttributes" ct:_="" ma:_="" ma:contentTypeName="Document" ma:contentTypeID="0x010100BABADD3A0624AA4E97287821B8F4D7D6" ma:contentTypeVersion="3" ma:contentTypeDescription="Create a new document." ma:contentTypeScope="" ma:versionID="e0073545f5cddffb46c9fa8d01738dd8">
   <xsd:schema xmlns:xsd="http://www.w3.org/2001/XMLSchema" xmlns:xs="http://www.w3.org/2001/XMLSchema" xmlns:p="http://schemas.microsoft.com/office/2006/metadata/properties" xmlns:ns2="5edd459b-714d-42ed-b78f-512da7d1c14e" targetNamespace="http://schemas.microsoft.com/office/2006/metadata/properties" ma:root="true" ma:fieldsID="5b223eadad92f795ae696ccb91d8f218" ns2:_="">
     <xsd:import namespace="5edd459b-714d-42ed-b78f-512da7d1c14e"/>
@@ -8991,6 +8413,15 @@
 </ct:contentTypeSchema>
 </file>
 
+<file path=customXml/item2.xml><?xml version="1.0" encoding="utf-8"?>
+<?mso-contentType ?>
+<FormTemplates xmlns="http://schemas.microsoft.com/sharepoint/v3/contenttype/forms">
+  <Display>DocumentLibraryForm</Display>
+  <Edit>DocumentLibraryForm</Edit>
+  <New>DocumentLibraryForm</New>
+</FormTemplates>
+</file>
+
 <file path=customXml/item3.xml><?xml version="1.0" encoding="utf-8"?>
 <p:properties xmlns:p="http://schemas.microsoft.com/office/2006/metadata/properties" xmlns:xsi="http://www.w3.org/2001/XMLSchema-instance" xmlns:pc="http://schemas.microsoft.com/office/infopath/2007/PartnerControls">
   <documentManagement/>
@@ -8998,13 +8429,36 @@
 </file>
 
 <file path=customXml/itemProps1.xml><?xml version="1.0" encoding="utf-8"?>
-<ds:datastoreItem xmlns:ds="http://schemas.openxmlformats.org/officeDocument/2006/customXml" ds:itemID="{70D78ECC-FDF4-4C11-A424-1D9AAE16F532}"/>
+<ds:datastoreItem xmlns:ds="http://schemas.openxmlformats.org/officeDocument/2006/customXml" ds:itemID="{F13DC637-4389-46D2-BA79-1DECB4869A7A}">
+  <ds:schemaRefs>
+    <ds:schemaRef ds:uri="http://schemas.microsoft.com/office/2006/metadata/contentType"/>
+    <ds:schemaRef ds:uri="http://schemas.microsoft.com/office/2006/metadata/properties/metaAttributes"/>
+    <ds:schemaRef ds:uri="http://www.w3.org/2001/XMLSchema"/>
+    <ds:schemaRef ds:uri="http://schemas.microsoft.com/office/2006/metadata/properties"/>
+    <ds:schemaRef ds:uri="5edd459b-714d-42ed-b78f-512da7d1c14e"/>
+    <ds:schemaRef ds:uri="http://schemas.microsoft.com/office/2006/documentManagement/types"/>
+    <ds:schemaRef ds:uri="http://schemas.microsoft.com/office/infopath/2007/PartnerControls"/>
+    <ds:schemaRef ds:uri="http://schemas.openxmlformats.org/package/2006/metadata/core-properties"/>
+    <ds:schemaRef ds:uri="http://purl.org/dc/elements/1.1/"/>
+    <ds:schemaRef ds:uri="http://purl.org/dc/terms/"/>
+    <ds:schemaRef ds:uri="http://schemas.microsoft.com/internal/obd"/>
+  </ds:schemaRefs>
+</ds:datastoreItem>
 </file>
 
 <file path=customXml/itemProps2.xml><?xml version="1.0" encoding="utf-8"?>
-<ds:datastoreItem xmlns:ds="http://schemas.openxmlformats.org/officeDocument/2006/customXml" ds:itemID="{F13DC637-4389-46D2-BA79-1DECB4869A7A}"/>
+<ds:datastoreItem xmlns:ds="http://schemas.openxmlformats.org/officeDocument/2006/customXml" ds:itemID="{70D78ECC-FDF4-4C11-A424-1D9AAE16F532}">
+  <ds:schemaRefs>
+    <ds:schemaRef ds:uri="http://schemas.microsoft.com/sharepoint/v3/contenttype/forms"/>
+  </ds:schemaRefs>
+</ds:datastoreItem>
 </file>
 
 <file path=customXml/itemProps3.xml><?xml version="1.0" encoding="utf-8"?>
-<ds:datastoreItem xmlns:ds="http://schemas.openxmlformats.org/officeDocument/2006/customXml" ds:itemID="{17CCA4D4-5EDB-4DAA-9562-F5DE13985709}"/>
+<ds:datastoreItem xmlns:ds="http://schemas.openxmlformats.org/officeDocument/2006/customXml" ds:itemID="{17CCA4D4-5EDB-4DAA-9562-F5DE13985709}">
+  <ds:schemaRefs>
+    <ds:schemaRef ds:uri="http://schemas.microsoft.com/office/2006/metadata/properties"/>
+    <ds:schemaRef ds:uri="http://schemas.microsoft.com/office/infopath/2007/PartnerControls"/>
+  </ds:schemaRefs>
+</ds:datastoreItem>
 </file>
--- a/curriculum/Unit3/Unit 3 Slides.pptx
+++ b/curriculum/Unit3/Unit 3 Slides.pptx
@@ -2,34 +2,34 @@
 <file path=ppt/presentation.xml><?xml version="1.0" encoding="utf-8"?>
 <p:presentation xmlns:a="http://schemas.openxmlformats.org/drawingml/2006/main" xmlns:r="http://schemas.openxmlformats.org/officeDocument/2006/relationships" xmlns:p="http://schemas.openxmlformats.org/presentationml/2006/main" saveSubsetFonts="1" autoCompressPictures="0">
   <p:sldMasterIdLst>
-    <p:sldMasterId id="2147483648" r:id="rId4"/>
+    <p:sldMasterId id="2147483648" r:id="rId1"/>
   </p:sldMasterIdLst>
   <p:notesMasterIdLst>
-    <p:notesMasterId r:id="rId24"/>
+    <p:notesMasterId r:id="rId21"/>
   </p:notesMasterIdLst>
   <p:handoutMasterIdLst>
-    <p:handoutMasterId r:id="rId25"/>
+    <p:handoutMasterId r:id="rId22"/>
   </p:handoutMasterIdLst>
   <p:sldIdLst>
-    <p:sldId id="271" r:id="rId5"/>
-    <p:sldId id="282" r:id="rId6"/>
-    <p:sldId id="278" r:id="rId7"/>
-    <p:sldId id="279" r:id="rId8"/>
-    <p:sldId id="276" r:id="rId9"/>
-    <p:sldId id="277" r:id="rId10"/>
-    <p:sldId id="274" r:id="rId11"/>
-    <p:sldId id="275" r:id="rId12"/>
-    <p:sldId id="272" r:id="rId13"/>
-    <p:sldId id="280" r:id="rId14"/>
-    <p:sldId id="273" r:id="rId15"/>
-    <p:sldId id="281" r:id="rId16"/>
-    <p:sldId id="283" r:id="rId17"/>
-    <p:sldId id="284" r:id="rId18"/>
-    <p:sldId id="285" r:id="rId19"/>
-    <p:sldId id="286" r:id="rId20"/>
-    <p:sldId id="287" r:id="rId21"/>
-    <p:sldId id="288" r:id="rId22"/>
-    <p:sldId id="289" r:id="rId23"/>
+    <p:sldId id="271" r:id="rId2"/>
+    <p:sldId id="282" r:id="rId3"/>
+    <p:sldId id="278" r:id="rId4"/>
+    <p:sldId id="279" r:id="rId5"/>
+    <p:sldId id="276" r:id="rId6"/>
+    <p:sldId id="277" r:id="rId7"/>
+    <p:sldId id="274" r:id="rId8"/>
+    <p:sldId id="275" r:id="rId9"/>
+    <p:sldId id="272" r:id="rId10"/>
+    <p:sldId id="280" r:id="rId11"/>
+    <p:sldId id="273" r:id="rId12"/>
+    <p:sldId id="281" r:id="rId13"/>
+    <p:sldId id="283" r:id="rId14"/>
+    <p:sldId id="284" r:id="rId15"/>
+    <p:sldId id="285" r:id="rId16"/>
+    <p:sldId id="286" r:id="rId17"/>
+    <p:sldId id="287" r:id="rId18"/>
+    <p:sldId id="288" r:id="rId19"/>
+    <p:sldId id="289" r:id="rId20"/>
   </p:sldIdLst>
   <p:sldSz cx="9144000" cy="6858000" type="screen4x3"/>
   <p:notesSz cx="6858000" cy="9144000"/>
@@ -128,22 +128,6 @@
       </a:defRPr>
     </a:lvl9pPr>
   </p:defaultTextStyle>
-  <p:extLst>
-    <p:ext uri="{EFAFB233-063F-42B5-8137-9DF3F51BA10A}">
-      <p15:sldGuideLst xmlns:p15="http://schemas.microsoft.com/office/powerpoint/2012/main">
-        <p15:guide id="1" orient="horz" pos="2160">
-          <p15:clr>
-            <a:srgbClr val="A4A3A4"/>
-          </p15:clr>
-        </p15:guide>
-        <p15:guide id="2" pos="2880">
-          <p15:clr>
-            <a:srgbClr val="A4A3A4"/>
-          </p15:clr>
-        </p15:guide>
-      </p15:sldGuideLst>
-    </p:ext>
-  </p:extLst>
 </p:presentation>
 </file>
 
@@ -229,7 +213,7 @@
           <a:p>
             <a:fld id="{6D0754E3-E03E-ED44-9A59-706283C2F2CC}" type="datetimeFigureOut">
               <a:rPr lang="en-US" smtClean="0"/>
-              <a:t>2/18/2020</a:t>
+              <a:t>7/1/15</a:t>
             </a:fld>
             <a:endParaRPr lang="en-US"/>
           </a:p>
@@ -395,7 +379,7 @@
           <a:p>
             <a:fld id="{44996FB4-6AD2-FE4B-B45E-D44A9C110DAF}" type="datetimeFigureOut">
               <a:rPr lang="en-US" smtClean="0"/>
-              <a:t>2/18/2020</a:t>
+              <a:t>7/1/15</a:t>
             </a:fld>
             <a:endParaRPr lang="en-US"/>
           </a:p>
@@ -459,37 +443,38 @@
           <a:p>
             <a:pPr lvl="0"/>
             <a:r>
-              <a:rPr lang="en-US"/>
+              <a:rPr lang="en-US" smtClean="0"/>
               <a:t>Click to edit Master text styles</a:t>
             </a:r>
           </a:p>
           <a:p>
             <a:pPr lvl="1"/>
             <a:r>
-              <a:rPr lang="en-US"/>
+              <a:rPr lang="en-US" smtClean="0"/>
               <a:t>Second level</a:t>
             </a:r>
           </a:p>
           <a:p>
             <a:pPr lvl="2"/>
             <a:r>
-              <a:rPr lang="en-US"/>
+              <a:rPr lang="en-US" smtClean="0"/>
               <a:t>Third level</a:t>
             </a:r>
           </a:p>
           <a:p>
             <a:pPr lvl="3"/>
             <a:r>
-              <a:rPr lang="en-US"/>
+              <a:rPr lang="en-US" smtClean="0"/>
               <a:t>Fourth level</a:t>
             </a:r>
           </a:p>
           <a:p>
             <a:pPr lvl="4"/>
             <a:r>
-              <a:rPr lang="en-US"/>
+              <a:rPr lang="en-US" smtClean="0"/>
               <a:t>Fifth level</a:t>
             </a:r>
+            <a:endParaRPr lang="en-US"/>
           </a:p>
         </p:txBody>
       </p:sp>
@@ -701,9 +686,10 @@
           <a:lstStyle/>
           <a:p>
             <a:r>
-              <a:rPr lang="en-US"/>
+              <a:rPr lang="en-US" smtClean="0"/>
               <a:t>Click to edit Master title style</a:t>
             </a:r>
+            <a:endParaRPr lang="en-US"/>
           </a:p>
         </p:txBody>
       </p:sp>
@@ -819,9 +805,10 @@
           </a:lstStyle>
           <a:p>
             <a:r>
-              <a:rPr lang="en-US"/>
+              <a:rPr lang="en-US" smtClean="0"/>
               <a:t>Click to edit Master subtitle style</a:t>
             </a:r>
+            <a:endParaRPr lang="en-US"/>
           </a:p>
         </p:txBody>
       </p:sp>
@@ -842,7 +829,7 @@
           <a:p>
             <a:fld id="{34990CC2-A8CC-B149-BA8F-DDB0E524EE45}" type="datetime1">
               <a:rPr lang="en-US" smtClean="0"/>
-              <a:t>2/18/2020</a:t>
+              <a:t>7/1/15</a:t>
             </a:fld>
             <a:endParaRPr lang="en-US"/>
           </a:p>
@@ -864,9 +851,10 @@
           <a:lstStyle/>
           <a:p>
             <a:r>
-              <a:rPr lang="en-US"/>
+              <a:rPr lang="en-US" smtClean="0"/>
               <a:t>Developed by TEALS in 2015  www.tealsk12.org</a:t>
             </a:r>
+            <a:endParaRPr lang="en-US"/>
           </a:p>
         </p:txBody>
       </p:sp>
@@ -939,9 +927,10 @@
           <a:lstStyle/>
           <a:p>
             <a:r>
-              <a:rPr lang="en-US"/>
+              <a:rPr lang="en-US" smtClean="0"/>
               <a:t>Click to edit Master title style</a:t>
             </a:r>
+            <a:endParaRPr lang="en-US"/>
           </a:p>
         </p:txBody>
       </p:sp>
@@ -962,37 +951,38 @@
           <a:p>
             <a:pPr lvl="0"/>
             <a:r>
-              <a:rPr lang="en-US"/>
+              <a:rPr lang="en-US" smtClean="0"/>
               <a:t>Click to edit Master text styles</a:t>
             </a:r>
           </a:p>
           <a:p>
             <a:pPr lvl="1"/>
             <a:r>
-              <a:rPr lang="en-US"/>
+              <a:rPr lang="en-US" smtClean="0"/>
               <a:t>Second level</a:t>
             </a:r>
           </a:p>
           <a:p>
             <a:pPr lvl="2"/>
             <a:r>
-              <a:rPr lang="en-US"/>
+              <a:rPr lang="en-US" smtClean="0"/>
               <a:t>Third level</a:t>
             </a:r>
           </a:p>
           <a:p>
             <a:pPr lvl="3"/>
             <a:r>
-              <a:rPr lang="en-US"/>
+              <a:rPr lang="en-US" smtClean="0"/>
               <a:t>Fourth level</a:t>
             </a:r>
           </a:p>
           <a:p>
             <a:pPr lvl="4"/>
             <a:r>
-              <a:rPr lang="en-US"/>
+              <a:rPr lang="en-US" smtClean="0"/>
               <a:t>Fifth level</a:t>
             </a:r>
+            <a:endParaRPr lang="en-US"/>
           </a:p>
         </p:txBody>
       </p:sp>
@@ -1013,7 +1003,7 @@
           <a:p>
             <a:fld id="{96267D05-F6C2-F64A-9C7F-A94B43164B5C}" type="datetime1">
               <a:rPr lang="en-US" smtClean="0"/>
-              <a:t>2/18/2020</a:t>
+              <a:t>7/1/15</a:t>
             </a:fld>
             <a:endParaRPr lang="en-US"/>
           </a:p>
@@ -1035,9 +1025,10 @@
           <a:lstStyle/>
           <a:p>
             <a:r>
-              <a:rPr lang="en-US"/>
+              <a:rPr lang="en-US" smtClean="0"/>
               <a:t>Developed by TEALS in 2015  www.tealsk12.org</a:t>
             </a:r>
+            <a:endParaRPr lang="en-US"/>
           </a:p>
         </p:txBody>
       </p:sp>
@@ -1115,9 +1106,10 @@
           <a:lstStyle/>
           <a:p>
             <a:r>
-              <a:rPr lang="en-US"/>
+              <a:rPr lang="en-US" smtClean="0"/>
               <a:t>Click to edit Master title style</a:t>
             </a:r>
+            <a:endParaRPr lang="en-US"/>
           </a:p>
         </p:txBody>
       </p:sp>
@@ -1143,37 +1135,38 @@
           <a:p>
             <a:pPr lvl="0"/>
             <a:r>
-              <a:rPr lang="en-US"/>
+              <a:rPr lang="en-US" smtClean="0"/>
               <a:t>Click to edit Master text styles</a:t>
             </a:r>
           </a:p>
           <a:p>
             <a:pPr lvl="1"/>
             <a:r>
-              <a:rPr lang="en-US"/>
+              <a:rPr lang="en-US" smtClean="0"/>
               <a:t>Second level</a:t>
             </a:r>
           </a:p>
           <a:p>
             <a:pPr lvl="2"/>
             <a:r>
-              <a:rPr lang="en-US"/>
+              <a:rPr lang="en-US" smtClean="0"/>
               <a:t>Third level</a:t>
             </a:r>
           </a:p>
           <a:p>
             <a:pPr lvl="3"/>
             <a:r>
-              <a:rPr lang="en-US"/>
+              <a:rPr lang="en-US" smtClean="0"/>
               <a:t>Fourth level</a:t>
             </a:r>
           </a:p>
           <a:p>
             <a:pPr lvl="4"/>
             <a:r>
-              <a:rPr lang="en-US"/>
+              <a:rPr lang="en-US" smtClean="0"/>
               <a:t>Fifth level</a:t>
             </a:r>
+            <a:endParaRPr lang="en-US"/>
           </a:p>
         </p:txBody>
       </p:sp>
@@ -1194,7 +1187,7 @@
           <a:p>
             <a:fld id="{087C1978-9D0A-A345-9E84-F995A3601C8E}" type="datetime1">
               <a:rPr lang="en-US" smtClean="0"/>
-              <a:t>2/18/2020</a:t>
+              <a:t>7/1/15</a:t>
             </a:fld>
             <a:endParaRPr lang="en-US"/>
           </a:p>
@@ -1216,9 +1209,10 @@
           <a:lstStyle/>
           <a:p>
             <a:r>
-              <a:rPr lang="en-US"/>
+              <a:rPr lang="en-US" smtClean="0"/>
               <a:t>Developed by TEALS in 2015  www.tealsk12.org</a:t>
             </a:r>
+            <a:endParaRPr lang="en-US"/>
           </a:p>
         </p:txBody>
       </p:sp>
@@ -1291,9 +1285,10 @@
           <a:lstStyle/>
           <a:p>
             <a:r>
-              <a:rPr lang="en-US"/>
+              <a:rPr lang="en-US" smtClean="0"/>
               <a:t>Click to edit Master title style</a:t>
             </a:r>
+            <a:endParaRPr lang="en-US"/>
           </a:p>
         </p:txBody>
       </p:sp>
@@ -1314,37 +1309,38 @@
           <a:p>
             <a:pPr lvl="0"/>
             <a:r>
-              <a:rPr lang="en-US"/>
+              <a:rPr lang="en-US" smtClean="0"/>
               <a:t>Click to edit Master text styles</a:t>
             </a:r>
           </a:p>
           <a:p>
             <a:pPr lvl="1"/>
             <a:r>
-              <a:rPr lang="en-US"/>
+              <a:rPr lang="en-US" smtClean="0"/>
               <a:t>Second level</a:t>
             </a:r>
           </a:p>
           <a:p>
             <a:pPr lvl="2"/>
             <a:r>
-              <a:rPr lang="en-US"/>
+              <a:rPr lang="en-US" smtClean="0"/>
               <a:t>Third level</a:t>
             </a:r>
           </a:p>
           <a:p>
             <a:pPr lvl="3"/>
             <a:r>
-              <a:rPr lang="en-US"/>
+              <a:rPr lang="en-US" smtClean="0"/>
               <a:t>Fourth level</a:t>
             </a:r>
           </a:p>
           <a:p>
             <a:pPr lvl="4"/>
             <a:r>
-              <a:rPr lang="en-US"/>
+              <a:rPr lang="en-US" smtClean="0"/>
               <a:t>Fifth level</a:t>
             </a:r>
+            <a:endParaRPr lang="en-US"/>
           </a:p>
         </p:txBody>
       </p:sp>
@@ -1365,7 +1361,7 @@
           <a:p>
             <a:fld id="{620CD570-9DDA-524E-9F58-9DBC8D3A8C31}" type="datetime1">
               <a:rPr lang="en-US" smtClean="0"/>
-              <a:t>2/18/2020</a:t>
+              <a:t>7/1/15</a:t>
             </a:fld>
             <a:endParaRPr lang="en-US"/>
           </a:p>
@@ -1387,9 +1383,10 @@
           <a:lstStyle/>
           <a:p>
             <a:r>
-              <a:rPr lang="en-US"/>
+              <a:rPr lang="en-US" smtClean="0"/>
               <a:t>Developed by TEALS in 2015  www.tealsk12.org</a:t>
             </a:r>
+            <a:endParaRPr lang="en-US"/>
           </a:p>
         </p:txBody>
       </p:sp>
@@ -1471,9 +1468,10 @@
           </a:lstStyle>
           <a:p>
             <a:r>
-              <a:rPr lang="en-US"/>
+              <a:rPr lang="en-US" smtClean="0"/>
               <a:t>Click to edit Master title style</a:t>
             </a:r>
+            <a:endParaRPr lang="en-US"/>
           </a:p>
         </p:txBody>
       </p:sp>
@@ -1590,7 +1588,7 @@
           <a:p>
             <a:pPr lvl="0"/>
             <a:r>
-              <a:rPr lang="en-US"/>
+              <a:rPr lang="en-US" smtClean="0"/>
               <a:t>Click to edit Master text styles</a:t>
             </a:r>
           </a:p>
@@ -1613,7 +1611,7 @@
           <a:p>
             <a:fld id="{FEBAD56B-400E-5542-B4A1-CD46AB8B4D0E}" type="datetime1">
               <a:rPr lang="en-US" smtClean="0"/>
-              <a:t>2/18/2020</a:t>
+              <a:t>7/1/15</a:t>
             </a:fld>
             <a:endParaRPr lang="en-US"/>
           </a:p>
@@ -1635,9 +1633,10 @@
           <a:lstStyle/>
           <a:p>
             <a:r>
-              <a:rPr lang="en-US"/>
+              <a:rPr lang="en-US" smtClean="0"/>
               <a:t>Developed by TEALS in 2015  www.tealsk12.org</a:t>
             </a:r>
+            <a:endParaRPr lang="en-US"/>
           </a:p>
         </p:txBody>
       </p:sp>
@@ -1710,9 +1709,10 @@
           <a:lstStyle/>
           <a:p>
             <a:r>
-              <a:rPr lang="en-US"/>
+              <a:rPr lang="en-US" smtClean="0"/>
               <a:t>Click to edit Master title style</a:t>
             </a:r>
+            <a:endParaRPr lang="en-US"/>
           </a:p>
         </p:txBody>
       </p:sp>
@@ -1766,37 +1766,38 @@
           <a:p>
             <a:pPr lvl="0"/>
             <a:r>
-              <a:rPr lang="en-US"/>
+              <a:rPr lang="en-US" smtClean="0"/>
               <a:t>Click to edit Master text styles</a:t>
             </a:r>
           </a:p>
           <a:p>
             <a:pPr lvl="1"/>
             <a:r>
-              <a:rPr lang="en-US"/>
+              <a:rPr lang="en-US" smtClean="0"/>
               <a:t>Second level</a:t>
             </a:r>
           </a:p>
           <a:p>
             <a:pPr lvl="2"/>
             <a:r>
-              <a:rPr lang="en-US"/>
+              <a:rPr lang="en-US" smtClean="0"/>
               <a:t>Third level</a:t>
             </a:r>
           </a:p>
           <a:p>
             <a:pPr lvl="3"/>
             <a:r>
-              <a:rPr lang="en-US"/>
+              <a:rPr lang="en-US" smtClean="0"/>
               <a:t>Fourth level</a:t>
             </a:r>
           </a:p>
           <a:p>
             <a:pPr lvl="4"/>
             <a:r>
-              <a:rPr lang="en-US"/>
+              <a:rPr lang="en-US" smtClean="0"/>
               <a:t>Fifth level</a:t>
             </a:r>
+            <a:endParaRPr lang="en-US"/>
           </a:p>
         </p:txBody>
       </p:sp>
@@ -1850,37 +1851,38 @@
           <a:p>
             <a:pPr lvl="0"/>
             <a:r>
-              <a:rPr lang="en-US"/>
+              <a:rPr lang="en-US" smtClean="0"/>
               <a:t>Click to edit Master text styles</a:t>
             </a:r>
           </a:p>
           <a:p>
             <a:pPr lvl="1"/>
             <a:r>
-              <a:rPr lang="en-US"/>
+              <a:rPr lang="en-US" smtClean="0"/>
               <a:t>Second level</a:t>
             </a:r>
           </a:p>
           <a:p>
             <a:pPr lvl="2"/>
             <a:r>
-              <a:rPr lang="en-US"/>
+              <a:rPr lang="en-US" smtClean="0"/>
               <a:t>Third level</a:t>
             </a:r>
           </a:p>
           <a:p>
             <a:pPr lvl="3"/>
             <a:r>
-              <a:rPr lang="en-US"/>
+              <a:rPr lang="en-US" smtClean="0"/>
               <a:t>Fourth level</a:t>
             </a:r>
           </a:p>
           <a:p>
             <a:pPr lvl="4"/>
             <a:r>
-              <a:rPr lang="en-US"/>
+              <a:rPr lang="en-US" smtClean="0"/>
               <a:t>Fifth level</a:t>
             </a:r>
+            <a:endParaRPr lang="en-US"/>
           </a:p>
         </p:txBody>
       </p:sp>
@@ -1901,7 +1903,7 @@
           <a:p>
             <a:fld id="{43394E63-B418-1F4A-9C08-2548B9C5B3C1}" type="datetime1">
               <a:rPr lang="en-US" smtClean="0"/>
-              <a:t>2/18/2020</a:t>
+              <a:t>7/1/15</a:t>
             </a:fld>
             <a:endParaRPr lang="en-US"/>
           </a:p>
@@ -1923,9 +1925,10 @@
           <a:lstStyle/>
           <a:p>
             <a:r>
-              <a:rPr lang="en-US"/>
+              <a:rPr lang="en-US" smtClean="0"/>
               <a:t>Developed by TEALS in 2015  www.tealsk12.org</a:t>
             </a:r>
+            <a:endParaRPr lang="en-US"/>
           </a:p>
         </p:txBody>
       </p:sp>
@@ -2002,9 +2005,10 @@
           </a:lstStyle>
           <a:p>
             <a:r>
-              <a:rPr lang="en-US"/>
+              <a:rPr lang="en-US" smtClean="0"/>
               <a:t>Click to edit Master title style</a:t>
             </a:r>
+            <a:endParaRPr lang="en-US"/>
           </a:p>
         </p:txBody>
       </p:sp>
@@ -2067,7 +2071,7 @@
           <a:p>
             <a:pPr lvl="0"/>
             <a:r>
-              <a:rPr lang="en-US"/>
+              <a:rPr lang="en-US" smtClean="0"/>
               <a:t>Click to edit Master text styles</a:t>
             </a:r>
           </a:p>
@@ -2123,37 +2127,38 @@
           <a:p>
             <a:pPr lvl="0"/>
             <a:r>
-              <a:rPr lang="en-US"/>
+              <a:rPr lang="en-US" smtClean="0"/>
               <a:t>Click to edit Master text styles</a:t>
             </a:r>
           </a:p>
           <a:p>
             <a:pPr lvl="1"/>
             <a:r>
-              <a:rPr lang="en-US"/>
+              <a:rPr lang="en-US" smtClean="0"/>
               <a:t>Second level</a:t>
             </a:r>
           </a:p>
           <a:p>
             <a:pPr lvl="2"/>
             <a:r>
-              <a:rPr lang="en-US"/>
+              <a:rPr lang="en-US" smtClean="0"/>
               <a:t>Third level</a:t>
             </a:r>
           </a:p>
           <a:p>
             <a:pPr lvl="3"/>
             <a:r>
-              <a:rPr lang="en-US"/>
+              <a:rPr lang="en-US" smtClean="0"/>
               <a:t>Fourth level</a:t>
             </a:r>
           </a:p>
           <a:p>
             <a:pPr lvl="4"/>
             <a:r>
-              <a:rPr lang="en-US"/>
+              <a:rPr lang="en-US" smtClean="0"/>
               <a:t>Fifth level</a:t>
             </a:r>
+            <a:endParaRPr lang="en-US"/>
           </a:p>
         </p:txBody>
       </p:sp>
@@ -2216,7 +2221,7 @@
           <a:p>
             <a:pPr lvl="0"/>
             <a:r>
-              <a:rPr lang="en-US"/>
+              <a:rPr lang="en-US" smtClean="0"/>
               <a:t>Click to edit Master text styles</a:t>
             </a:r>
           </a:p>
@@ -2272,37 +2277,38 @@
           <a:p>
             <a:pPr lvl="0"/>
             <a:r>
-              <a:rPr lang="en-US"/>
+              <a:rPr lang="en-US" smtClean="0"/>
               <a:t>Click to edit Master text styles</a:t>
             </a:r>
           </a:p>
           <a:p>
             <a:pPr lvl="1"/>
             <a:r>
-              <a:rPr lang="en-US"/>
+              <a:rPr lang="en-US" smtClean="0"/>
               <a:t>Second level</a:t>
             </a:r>
           </a:p>
           <a:p>
             <a:pPr lvl="2"/>
             <a:r>
-              <a:rPr lang="en-US"/>
+              <a:rPr lang="en-US" smtClean="0"/>
               <a:t>Third level</a:t>
             </a:r>
           </a:p>
           <a:p>
             <a:pPr lvl="3"/>
             <a:r>
-              <a:rPr lang="en-US"/>
+              <a:rPr lang="en-US" smtClean="0"/>
               <a:t>Fourth level</a:t>
             </a:r>
           </a:p>
           <a:p>
             <a:pPr lvl="4"/>
             <a:r>
-              <a:rPr lang="en-US"/>
+              <a:rPr lang="en-US" smtClean="0"/>
               <a:t>Fifth level</a:t>
             </a:r>
+            <a:endParaRPr lang="en-US"/>
           </a:p>
         </p:txBody>
       </p:sp>
@@ -2323,7 +2329,7 @@
           <a:p>
             <a:fld id="{6F92EF41-DD41-C742-BC3B-970F41658B68}" type="datetime1">
               <a:rPr lang="en-US" smtClean="0"/>
-              <a:t>2/18/2020</a:t>
+              <a:t>7/1/15</a:t>
             </a:fld>
             <a:endParaRPr lang="en-US"/>
           </a:p>
@@ -2345,9 +2351,10 @@
           <a:lstStyle/>
           <a:p>
             <a:r>
-              <a:rPr lang="en-US"/>
+              <a:rPr lang="en-US" smtClean="0"/>
               <a:t>Developed by TEALS in 2015  www.tealsk12.org</a:t>
             </a:r>
+            <a:endParaRPr lang="en-US"/>
           </a:p>
         </p:txBody>
       </p:sp>
@@ -2420,9 +2427,10 @@
           <a:lstStyle/>
           <a:p>
             <a:r>
-              <a:rPr lang="en-US"/>
+              <a:rPr lang="en-US" smtClean="0"/>
               <a:t>Click to edit Master title style</a:t>
             </a:r>
+            <a:endParaRPr lang="en-US"/>
           </a:p>
         </p:txBody>
       </p:sp>
@@ -2443,7 +2451,7 @@
           <a:p>
             <a:fld id="{631009B9-6DC3-0349-8BB5-CE1E5B2C68D1}" type="datetime1">
               <a:rPr lang="en-US" smtClean="0"/>
-              <a:t>2/18/2020</a:t>
+              <a:t>7/1/15</a:t>
             </a:fld>
             <a:endParaRPr lang="en-US"/>
           </a:p>
@@ -2465,9 +2473,10 @@
           <a:lstStyle/>
           <a:p>
             <a:r>
-              <a:rPr lang="en-US"/>
+              <a:rPr lang="en-US" smtClean="0"/>
               <a:t>Developed by TEALS in 2015  www.tealsk12.org</a:t>
             </a:r>
+            <a:endParaRPr lang="en-US"/>
           </a:p>
         </p:txBody>
       </p:sp>
@@ -2541,7 +2550,7 @@
           <a:p>
             <a:fld id="{DBD68779-2025-B44F-AD23-DF62F9874F1B}" type="datetime1">
               <a:rPr lang="en-US" smtClean="0"/>
-              <a:t>2/18/2020</a:t>
+              <a:t>7/1/15</a:t>
             </a:fld>
             <a:endParaRPr lang="en-US"/>
           </a:p>
@@ -2563,9 +2572,10 @@
           <a:lstStyle/>
           <a:p>
             <a:r>
-              <a:rPr lang="en-US"/>
+              <a:rPr lang="en-US" smtClean="0"/>
               <a:t>Developed by TEALS in 2015  www.tealsk12.org</a:t>
             </a:r>
+            <a:endParaRPr lang="en-US"/>
           </a:p>
         </p:txBody>
       </p:sp>
@@ -2647,9 +2657,10 @@
           </a:lstStyle>
           <a:p>
             <a:r>
-              <a:rPr lang="en-US"/>
+              <a:rPr lang="en-US" smtClean="0"/>
               <a:t>Click to edit Master title style</a:t>
             </a:r>
+            <a:endParaRPr lang="en-US"/>
           </a:p>
         </p:txBody>
       </p:sp>
@@ -2703,37 +2714,38 @@
           <a:p>
             <a:pPr lvl="0"/>
             <a:r>
-              <a:rPr lang="en-US"/>
+              <a:rPr lang="en-US" smtClean="0"/>
               <a:t>Click to edit Master text styles</a:t>
             </a:r>
           </a:p>
           <a:p>
             <a:pPr lvl="1"/>
             <a:r>
-              <a:rPr lang="en-US"/>
+              <a:rPr lang="en-US" smtClean="0"/>
               <a:t>Second level</a:t>
             </a:r>
           </a:p>
           <a:p>
             <a:pPr lvl="2"/>
             <a:r>
-              <a:rPr lang="en-US"/>
+              <a:rPr lang="en-US" smtClean="0"/>
               <a:t>Third level</a:t>
             </a:r>
           </a:p>
           <a:p>
             <a:pPr lvl="3"/>
             <a:r>
-              <a:rPr lang="en-US"/>
+              <a:rPr lang="en-US" smtClean="0"/>
               <a:t>Fourth level</a:t>
             </a:r>
           </a:p>
           <a:p>
             <a:pPr lvl="4"/>
             <a:r>
-              <a:rPr lang="en-US"/>
+              <a:rPr lang="en-US" smtClean="0"/>
               <a:t>Fifth level</a:t>
             </a:r>
+            <a:endParaRPr lang="en-US"/>
           </a:p>
         </p:txBody>
       </p:sp>
@@ -2796,7 +2808,7 @@
           <a:p>
             <a:pPr lvl="0"/>
             <a:r>
-              <a:rPr lang="en-US"/>
+              <a:rPr lang="en-US" smtClean="0"/>
               <a:t>Click to edit Master text styles</a:t>
             </a:r>
           </a:p>
@@ -2819,7 +2831,7 @@
           <a:p>
             <a:fld id="{1C533E1B-B859-DB4E-86F0-BE8C9C0ABFF7}" type="datetime1">
               <a:rPr lang="en-US" smtClean="0"/>
-              <a:t>2/18/2020</a:t>
+              <a:t>7/1/15</a:t>
             </a:fld>
             <a:endParaRPr lang="en-US"/>
           </a:p>
@@ -2841,9 +2853,10 @@
           <a:lstStyle/>
           <a:p>
             <a:r>
-              <a:rPr lang="en-US"/>
+              <a:rPr lang="en-US" smtClean="0"/>
               <a:t>Developed by TEALS in 2015  www.tealsk12.org</a:t>
             </a:r>
+            <a:endParaRPr lang="en-US"/>
           </a:p>
         </p:txBody>
       </p:sp>
@@ -2925,9 +2938,10 @@
           </a:lstStyle>
           <a:p>
             <a:r>
-              <a:rPr lang="en-US"/>
+              <a:rPr lang="en-US" smtClean="0"/>
               <a:t>Click to edit Master title style</a:t>
             </a:r>
+            <a:endParaRPr lang="en-US"/>
           </a:p>
         </p:txBody>
       </p:sp>
@@ -3051,7 +3065,7 @@
           <a:p>
             <a:pPr lvl="0"/>
             <a:r>
-              <a:rPr lang="en-US"/>
+              <a:rPr lang="en-US" smtClean="0"/>
               <a:t>Click to edit Master text styles</a:t>
             </a:r>
           </a:p>
@@ -3074,7 +3088,7 @@
           <a:p>
             <a:fld id="{AC1EAEA1-8470-6B4A-8D60-97578450ABB9}" type="datetime1">
               <a:rPr lang="en-US" smtClean="0"/>
-              <a:t>2/18/2020</a:t>
+              <a:t>7/1/15</a:t>
             </a:fld>
             <a:endParaRPr lang="en-US"/>
           </a:p>
@@ -3096,9 +3110,10 @@
           <a:lstStyle/>
           <a:p>
             <a:r>
-              <a:rPr lang="en-US"/>
+              <a:rPr lang="en-US" smtClean="0"/>
               <a:t>Developed by TEALS in 2015  www.tealsk12.org</a:t>
             </a:r>
+            <a:endParaRPr lang="en-US"/>
           </a:p>
         </p:txBody>
       </p:sp>
@@ -3186,9 +3201,10 @@
           <a:lstStyle/>
           <a:p>
             <a:r>
-              <a:rPr lang="en-US"/>
+              <a:rPr lang="en-US" smtClean="0"/>
               <a:t>Click to edit Master title style</a:t>
             </a:r>
+            <a:endParaRPr lang="en-US"/>
           </a:p>
         </p:txBody>
       </p:sp>
@@ -3219,37 +3235,38 @@
           <a:p>
             <a:pPr lvl="0"/>
             <a:r>
-              <a:rPr lang="en-US"/>
+              <a:rPr lang="en-US" smtClean="0"/>
               <a:t>Click to edit Master text styles</a:t>
             </a:r>
           </a:p>
           <a:p>
             <a:pPr lvl="1"/>
             <a:r>
-              <a:rPr lang="en-US"/>
+              <a:rPr lang="en-US" smtClean="0"/>
               <a:t>Second level</a:t>
             </a:r>
           </a:p>
           <a:p>
             <a:pPr lvl="2"/>
             <a:r>
-              <a:rPr lang="en-US"/>
+              <a:rPr lang="en-US" smtClean="0"/>
               <a:t>Third level</a:t>
             </a:r>
           </a:p>
           <a:p>
             <a:pPr lvl="3"/>
             <a:r>
-              <a:rPr lang="en-US"/>
+              <a:rPr lang="en-US" smtClean="0"/>
               <a:t>Fourth level</a:t>
             </a:r>
           </a:p>
           <a:p>
             <a:pPr lvl="4"/>
             <a:r>
-              <a:rPr lang="en-US"/>
+              <a:rPr lang="en-US" smtClean="0"/>
               <a:t>Fifth level</a:t>
             </a:r>
+            <a:endParaRPr lang="en-US"/>
           </a:p>
         </p:txBody>
       </p:sp>
@@ -3288,7 +3305,7 @@
           <a:p>
             <a:fld id="{EB2A284D-251E-7046-B0B7-6A85726BD855}" type="datetime1">
               <a:rPr lang="en-US" smtClean="0"/>
-              <a:t>2/18/2020</a:t>
+              <a:t>7/1/15</a:t>
             </a:fld>
             <a:endParaRPr lang="en-US"/>
           </a:p>
@@ -3328,9 +3345,10 @@
           </a:lstStyle>
           <a:p>
             <a:r>
-              <a:rPr lang="en-US"/>
+              <a:rPr lang="en-US" smtClean="0"/>
               <a:t>Developed by TEALS in 2015  www.tealsk12.org</a:t>
             </a:r>
+            <a:endParaRPr lang="en-US"/>
           </a:p>
         </p:txBody>
       </p:sp>
@@ -3685,67 +3703,77 @@
           <a:lstStyle/>
           <a:p>
             <a:r>
-              <a:rPr lang="en-US" b="1" dirty="0"/>
+              <a:rPr lang="en-US" b="1" dirty="0" smtClean="0"/>
               <a:t>Lesson 3.0 </a:t>
             </a:r>
             <a:r>
-              <a:rPr lang="en-US" dirty="0">
+              <a:rPr lang="en-US" dirty="0" smtClean="0">
                 <a:solidFill>
                   <a:srgbClr val="17B1AA"/>
                 </a:solidFill>
               </a:rPr>
               <a:t>Test Review and Reteach</a:t>
             </a:r>
-          </a:p>
-        </p:txBody>
-      </p:sp>
-      <p:sp>
-        <p:nvSpPr>
-          <p:cNvPr id="3" name="Content Placeholder 2"/>
-          <p:cNvSpPr>
-            <a:spLocks noGrp="1"/>
-          </p:cNvSpPr>
-          <p:nvPr>
-            <p:ph idx="1"/>
-          </p:nvPr>
-        </p:nvSpPr>
-        <p:spPr/>
-        <p:txBody>
-          <a:bodyPr>
-            <a:normAutofit fontScale="92500" lnSpcReduction="20000"/>
-          </a:bodyPr>
-          <a:lstStyle/>
-          <a:p>
-            <a:r>
-              <a:rPr lang="en-US" dirty="0">
-                <a:solidFill>
-                  <a:srgbClr val="17B1AA"/>
-                </a:solidFill>
-              </a:rPr>
-              <a:t>Objectives </a:t>
-            </a:r>
-          </a:p>
-          <a:p>
-            <a:pPr lvl="1"/>
-            <a:r>
-              <a:rPr lang="en-US" b="1" dirty="0"/>
-              <a:t>Re-learn or strengthen</a:t>
-            </a:r>
-            <a:r>
-              <a:rPr lang="en-US" dirty="0"/>
-              <a:t> content knowledge and skills from Unit 2.</a:t>
-            </a:r>
-          </a:p>
-          <a:p>
             <a:endParaRPr lang="en-US" dirty="0">
               <a:solidFill>
                 <a:srgbClr val="17B1AA"/>
               </a:solidFill>
             </a:endParaRPr>
           </a:p>
+        </p:txBody>
+      </p:sp>
+      <p:sp>
+        <p:nvSpPr>
+          <p:cNvPr id="3" name="Content Placeholder 2"/>
+          <p:cNvSpPr>
+            <a:spLocks noGrp="1"/>
+          </p:cNvSpPr>
+          <p:nvPr>
+            <p:ph idx="1"/>
+          </p:nvPr>
+        </p:nvSpPr>
+        <p:spPr/>
+        <p:txBody>
+          <a:bodyPr>
+            <a:normAutofit fontScale="92500" lnSpcReduction="20000"/>
+          </a:bodyPr>
+          <a:lstStyle/>
           <a:p>
             <a:r>
               <a:rPr lang="en-US" dirty="0">
+                <a:solidFill>
+                  <a:srgbClr val="17B1AA"/>
+                </a:solidFill>
+              </a:rPr>
+              <a:t>Objectives </a:t>
+            </a:r>
+            <a:endParaRPr lang="en-US" dirty="0" smtClean="0">
+              <a:solidFill>
+                <a:srgbClr val="17B1AA"/>
+              </a:solidFill>
+            </a:endParaRPr>
+          </a:p>
+          <a:p>
+            <a:pPr lvl="1"/>
+            <a:r>
+              <a:rPr lang="en-US" b="1" dirty="0"/>
+              <a:t>Re-learn or strengthen</a:t>
+            </a:r>
+            <a:r>
+              <a:rPr lang="en-US" dirty="0"/>
+              <a:t> content knowledge and skills from Unit 2.</a:t>
+            </a:r>
+          </a:p>
+          <a:p>
+            <a:endParaRPr lang="en-US" dirty="0" smtClean="0">
+              <a:solidFill>
+                <a:srgbClr val="17B1AA"/>
+              </a:solidFill>
+            </a:endParaRPr>
+          </a:p>
+          <a:p>
+            <a:r>
+              <a:rPr lang="en-US" dirty="0" smtClean="0">
                 <a:solidFill>
                   <a:srgbClr val="17B1AA"/>
                 </a:solidFill>
@@ -3765,7 +3793,11 @@
             </a:r>
             <a:r>
               <a:rPr lang="en-US"/>
-              <a:t>updated corrections</a:t>
+              <a:t>updated </a:t>
+            </a:r>
+            <a:r>
+              <a:rPr lang="en-US" smtClean="0"/>
+              <a:t>corrections</a:t>
             </a:r>
           </a:p>
           <a:p>
@@ -3783,6 +3815,11 @@
               </a:rPr>
               <a:t>Homework </a:t>
             </a:r>
+            <a:endParaRPr lang="en-US" dirty="0" smtClean="0">
+              <a:solidFill>
+                <a:srgbClr val="17B1AA"/>
+              </a:solidFill>
+            </a:endParaRPr>
           </a:p>
           <a:p>
             <a:pPr lvl="1"/>
@@ -3798,11 +3835,11 @@
           <a:p>
             <a:pPr lvl="1"/>
             <a:r>
-              <a:rPr lang="en-US" b="1" dirty="0"/>
+              <a:rPr lang="en-US" b="1" dirty="0" smtClean="0"/>
               <a:t>Correct</a:t>
             </a:r>
             <a:r>
-              <a:rPr lang="en-US" dirty="0"/>
+              <a:rPr lang="en-US" dirty="0" smtClean="0"/>
               <a:t> any incorrect test answers by re-answering on a separate sheet of paper</a:t>
             </a:r>
             <a:endParaRPr lang="en-US" b="1" dirty="0"/>
@@ -3828,9 +3865,10 @@
           <a:lstStyle/>
           <a:p>
             <a:r>
-              <a:rPr lang="en-US"/>
+              <a:rPr lang="en-US" smtClean="0"/>
               <a:t>Developed by TEALS in 2015  www.tealsk12.org</a:t>
             </a:r>
+            <a:endParaRPr lang="en-US"/>
           </a:p>
         </p:txBody>
       </p:sp>
@@ -3882,78 +3920,88 @@
           <a:lstStyle/>
           <a:p>
             <a:r>
-              <a:rPr lang="en-US" b="1" dirty="0"/>
+              <a:rPr lang="en-US" b="1" dirty="0" smtClean="0"/>
               <a:t>Lesson 3.9 </a:t>
             </a:r>
             <a:r>
-              <a:rPr lang="en-US" dirty="0">
+              <a:rPr lang="en-US" dirty="0" smtClean="0">
                 <a:solidFill>
                   <a:srgbClr val="17B1AA"/>
                 </a:solidFill>
               </a:rPr>
               <a:t>Relational Operators &amp; if/else</a:t>
             </a:r>
-          </a:p>
-        </p:txBody>
-      </p:sp>
-      <p:sp>
-        <p:nvSpPr>
-          <p:cNvPr id="3" name="Content Placeholder 2"/>
-          <p:cNvSpPr>
-            <a:spLocks noGrp="1"/>
-          </p:cNvSpPr>
-          <p:nvPr>
-            <p:ph idx="1"/>
-          </p:nvPr>
-        </p:nvSpPr>
-        <p:spPr/>
-        <p:txBody>
-          <a:bodyPr>
-            <a:normAutofit fontScale="85000" lnSpcReduction="20000"/>
-          </a:bodyPr>
-          <a:lstStyle/>
-          <a:p>
-            <a:r>
-              <a:rPr lang="en-US" dirty="0">
-                <a:solidFill>
-                  <a:srgbClr val="17B1AA"/>
-                </a:solidFill>
-              </a:rPr>
-              <a:t>Objectives </a:t>
-            </a:r>
-          </a:p>
-          <a:p>
-            <a:pPr lvl="1"/>
-            <a:r>
-              <a:rPr lang="en-US" b="1" dirty="0"/>
-              <a:t>Evaluate</a:t>
-            </a:r>
-            <a:r>
-              <a:rPr lang="en-US" dirty="0"/>
-              <a:t> relational expressions</a:t>
-            </a:r>
-          </a:p>
-          <a:p>
-            <a:pPr lvl="1"/>
-            <a:r>
-              <a:rPr lang="en-US" b="1" dirty="0"/>
-              <a:t>Predict and trace</a:t>
-            </a:r>
-            <a:r>
-              <a:rPr lang="en-US" dirty="0"/>
-              <a:t> the flow of an if statement </a:t>
-            </a:r>
-          </a:p>
-          <a:p>
             <a:endParaRPr lang="en-US" dirty="0">
               <a:solidFill>
                 <a:srgbClr val="17B1AA"/>
               </a:solidFill>
             </a:endParaRPr>
           </a:p>
+        </p:txBody>
+      </p:sp>
+      <p:sp>
+        <p:nvSpPr>
+          <p:cNvPr id="3" name="Content Placeholder 2"/>
+          <p:cNvSpPr>
+            <a:spLocks noGrp="1"/>
+          </p:cNvSpPr>
+          <p:nvPr>
+            <p:ph idx="1"/>
+          </p:nvPr>
+        </p:nvSpPr>
+        <p:spPr/>
+        <p:txBody>
+          <a:bodyPr>
+            <a:normAutofit fontScale="85000" lnSpcReduction="20000"/>
+          </a:bodyPr>
+          <a:lstStyle/>
           <a:p>
             <a:r>
               <a:rPr lang="en-US" dirty="0">
+                <a:solidFill>
+                  <a:srgbClr val="17B1AA"/>
+                </a:solidFill>
+              </a:rPr>
+              <a:t>Objectives </a:t>
+            </a:r>
+            <a:endParaRPr lang="en-US" dirty="0" smtClean="0">
+              <a:solidFill>
+                <a:srgbClr val="17B1AA"/>
+              </a:solidFill>
+            </a:endParaRPr>
+          </a:p>
+          <a:p>
+            <a:pPr lvl="1"/>
+            <a:r>
+              <a:rPr lang="en-US" b="1" dirty="0"/>
+              <a:t>Evaluate</a:t>
+            </a:r>
+            <a:r>
+              <a:rPr lang="en-US" dirty="0"/>
+              <a:t> relational expressions</a:t>
+            </a:r>
+          </a:p>
+          <a:p>
+            <a:pPr lvl="1"/>
+            <a:r>
+              <a:rPr lang="en-US" b="1" dirty="0"/>
+              <a:t>Predict and trace</a:t>
+            </a:r>
+            <a:r>
+              <a:rPr lang="en-US" dirty="0"/>
+              <a:t> the flow of an if statement </a:t>
+            </a:r>
+          </a:p>
+          <a:p>
+            <a:endParaRPr lang="en-US" dirty="0" smtClean="0">
+              <a:solidFill>
+                <a:srgbClr val="17B1AA"/>
+              </a:solidFill>
+            </a:endParaRPr>
+          </a:p>
+          <a:p>
+            <a:r>
+              <a:rPr lang="en-US" dirty="0" smtClean="0">
                 <a:solidFill>
                   <a:srgbClr val="17B1AA"/>
                 </a:solidFill>
@@ -3992,11 +4040,11 @@
             <a:pPr marL="0" indent="0">
               <a:buNone/>
             </a:pPr>
-            <a:endParaRPr lang="en-US" dirty="0"/>
-          </a:p>
-          <a:p>
-            <a:r>
-              <a:rPr lang="en-US" dirty="0">
+            <a:endParaRPr lang="en-US" dirty="0" smtClean="0"/>
+          </a:p>
+          <a:p>
+            <a:r>
+              <a:rPr lang="en-US" dirty="0" smtClean="0">
                 <a:solidFill>
                   <a:srgbClr val="17B1AA"/>
                 </a:solidFill>
@@ -4047,9 +4095,10 @@
           <a:lstStyle/>
           <a:p>
             <a:r>
-              <a:rPr lang="en-US"/>
+              <a:rPr lang="en-US" smtClean="0"/>
               <a:t>Developed by TEALS in 2015  www.tealsk12.org</a:t>
             </a:r>
+            <a:endParaRPr lang="en-US"/>
           </a:p>
         </p:txBody>
       </p:sp>
@@ -4101,17 +4150,22 @@
           <a:lstStyle/>
           <a:p>
             <a:r>
-              <a:rPr lang="en-US" b="1" dirty="0"/>
+              <a:rPr lang="en-US" b="1" dirty="0" smtClean="0"/>
               <a:t>Lesson 3.10 </a:t>
             </a:r>
             <a:r>
-              <a:rPr lang="en-US" dirty="0">
+              <a:rPr lang="en-US" dirty="0" smtClean="0">
                 <a:solidFill>
                   <a:srgbClr val="17B1AA"/>
                 </a:solidFill>
               </a:rPr>
               <a:t>Nested if/else statements</a:t>
             </a:r>
+            <a:endParaRPr lang="en-US" dirty="0">
+              <a:solidFill>
+                <a:srgbClr val="17B1AA"/>
+              </a:solidFill>
+            </a:endParaRPr>
           </a:p>
         </p:txBody>
       </p:sp>
@@ -4128,12 +4182,12 @@
         <p:spPr/>
         <p:txBody>
           <a:bodyPr>
-            <a:normAutofit fontScale="85000" lnSpcReduction="20000"/>
+            <a:normAutofit fontScale="77500" lnSpcReduction="20000"/>
           </a:bodyPr>
           <a:lstStyle/>
           <a:p>
             <a:r>
-              <a:rPr lang="en-US" dirty="0">
+              <a:rPr lang="en-US" dirty="0" smtClean="0">
                 <a:solidFill>
                   <a:srgbClr val="17B1AA"/>
                 </a:solidFill>
@@ -4144,35 +4198,35 @@
           <a:p>
             <a:pPr lvl="1"/>
             <a:r>
-              <a:rPr lang="en-US" b="1" dirty="0"/>
+              <a:rPr lang="en-US" b="1" dirty="0" smtClean="0"/>
               <a:t>Choose</a:t>
             </a:r>
             <a:r>
-              <a:rPr lang="en-US" dirty="0"/>
+              <a:rPr lang="en-US" dirty="0" smtClean="0"/>
               <a:t> which if statements to use for different problems</a:t>
             </a:r>
           </a:p>
           <a:p>
             <a:pPr lvl="1"/>
             <a:r>
-              <a:rPr lang="en-US" b="1" dirty="0"/>
+              <a:rPr lang="en-US" b="1" dirty="0" smtClean="0"/>
               <a:t>Use</a:t>
             </a:r>
             <a:r>
-              <a:rPr lang="en-US" dirty="0"/>
+              <a:rPr lang="en-US" dirty="0" smtClean="0"/>
               <a:t> correct syntax for the different if statements</a:t>
             </a:r>
-            <a:endParaRPr lang="en-US" b="1" dirty="0"/>
+            <a:endParaRPr lang="en-US" b="1" dirty="0" smtClean="0"/>
           </a:p>
           <a:p>
             <a:pPr marL="0" indent="0">
               <a:buNone/>
             </a:pPr>
-            <a:endParaRPr lang="en-US" dirty="0"/>
-          </a:p>
-          <a:p>
-            <a:r>
-              <a:rPr lang="en-US" dirty="0">
+            <a:endParaRPr lang="en-US" dirty="0" smtClean="0"/>
+          </a:p>
+          <a:p>
+            <a:r>
+              <a:rPr lang="en-US" dirty="0" smtClean="0">
                 <a:solidFill>
                   <a:srgbClr val="17B1AA"/>
                 </a:solidFill>
@@ -4192,14 +4246,25 @@
             </a:r>
           </a:p>
           <a:p>
+            <a:pPr lvl="1"/>
+            <a:r>
+              <a:rPr lang="en-US" b="1" dirty="0"/>
+              <a:t>Submit</a:t>
+            </a:r>
+            <a:r>
+              <a:rPr lang="en-US" dirty="0"/>
+              <a:t> several Practice-It questions</a:t>
+            </a:r>
+          </a:p>
+          <a:p>
             <a:pPr marL="0" indent="0">
               <a:buNone/>
             </a:pPr>
-            <a:endParaRPr lang="en-US" dirty="0"/>
-          </a:p>
-          <a:p>
-            <a:r>
-              <a:rPr lang="en-US" dirty="0">
+            <a:endParaRPr lang="en-US" dirty="0" smtClean="0"/>
+          </a:p>
+          <a:p>
+            <a:r>
+              <a:rPr lang="en-US" dirty="0" smtClean="0">
                 <a:solidFill>
                   <a:srgbClr val="17B1AA"/>
                 </a:solidFill>
@@ -4250,9 +4315,10 @@
           <a:lstStyle/>
           <a:p>
             <a:r>
-              <a:rPr lang="en-US"/>
+              <a:rPr lang="en-US" smtClean="0"/>
               <a:t>Developed by TEALS in 2015  www.tealsk12.org</a:t>
             </a:r>
+            <a:endParaRPr lang="en-US"/>
           </a:p>
         </p:txBody>
       </p:sp>
@@ -4302,17 +4368,22 @@
           <a:lstStyle/>
           <a:p>
             <a:r>
-              <a:rPr lang="en-US" b="1" dirty="0"/>
+              <a:rPr lang="en-US" b="1" dirty="0" smtClean="0"/>
               <a:t>Lesson 3.11 </a:t>
             </a:r>
             <a:r>
-              <a:rPr lang="en-US" dirty="0">
+              <a:rPr lang="en-US" dirty="0" smtClean="0">
                 <a:solidFill>
                   <a:srgbClr val="17B1AA"/>
                 </a:solidFill>
               </a:rPr>
               <a:t>Reducing Redundancy</a:t>
             </a:r>
+            <a:endParaRPr lang="en-US" dirty="0">
+              <a:solidFill>
+                <a:srgbClr val="17B1AA"/>
+              </a:solidFill>
+            </a:endParaRPr>
           </a:p>
         </p:txBody>
       </p:sp>
@@ -4341,6 +4412,11 @@
               </a:rPr>
               <a:t>Objectives </a:t>
             </a:r>
+            <a:endParaRPr lang="en-US" dirty="0" smtClean="0">
+              <a:solidFill>
+                <a:srgbClr val="17B1AA"/>
+              </a:solidFill>
+            </a:endParaRPr>
           </a:p>
           <a:p>
             <a:pPr lvl="1"/>
@@ -4368,6 +4444,11 @@
               </a:rPr>
               <a:t>Assessments </a:t>
             </a:r>
+            <a:endParaRPr lang="en-US" dirty="0" smtClean="0">
+              <a:solidFill>
+                <a:srgbClr val="17B1AA"/>
+              </a:solidFill>
+            </a:endParaRPr>
           </a:p>
           <a:p>
             <a:pPr lvl="1"/>
@@ -4395,6 +4476,11 @@
               </a:rPr>
               <a:t>Homework </a:t>
             </a:r>
+            <a:endParaRPr lang="en-US" dirty="0" smtClean="0">
+              <a:solidFill>
+                <a:srgbClr val="17B1AA"/>
+              </a:solidFill>
+            </a:endParaRPr>
           </a:p>
           <a:p>
             <a:pPr lvl="1"/>
@@ -4415,12 +4501,17 @@
             </a:r>
             <a:r>
               <a:rPr lang="en-US" dirty="0"/>
-              <a:t> Chapter 4, excluding sections 4.3, 4.4, and 4.5</a:t>
-            </a:r>
-          </a:p>
-          <a:p>
+              <a:t> Chapter 4, excluding sections 4.3, 4.4, and </a:t>
+            </a:r>
+            <a:r>
+              <a:rPr lang="en-US" dirty="0" smtClean="0"/>
+              <a:t>4.5</a:t>
+            </a:r>
             <a:endParaRPr lang="en-US" dirty="0"/>
           </a:p>
+          <a:p>
+            <a:endParaRPr lang="en-US" dirty="0"/>
+          </a:p>
         </p:txBody>
       </p:sp>
       <p:sp>
@@ -4439,9 +4530,10 @@
           <a:lstStyle/>
           <a:p>
             <a:r>
-              <a:rPr lang="en-US"/>
+              <a:rPr lang="en-US" smtClean="0"/>
               <a:t>Developed by TEALS in 2015  www.tealsk12.org</a:t>
             </a:r>
+            <a:endParaRPr lang="en-US"/>
           </a:p>
         </p:txBody>
       </p:sp>
@@ -4491,17 +4583,22 @@
           <a:lstStyle/>
           <a:p>
             <a:r>
-              <a:rPr lang="en-US" b="1" dirty="0"/>
+              <a:rPr lang="en-US" b="1" dirty="0" smtClean="0"/>
               <a:t>Lesson 3.12 </a:t>
             </a:r>
             <a:r>
-              <a:rPr lang="en-US" dirty="0">
+              <a:rPr lang="en-US" dirty="0" smtClean="0">
                 <a:solidFill>
                   <a:srgbClr val="17B1AA"/>
                 </a:solidFill>
               </a:rPr>
               <a:t>Cumulative Algorithms</a:t>
             </a:r>
+            <a:endParaRPr lang="en-US" dirty="0">
+              <a:solidFill>
+                <a:srgbClr val="17B1AA"/>
+              </a:solidFill>
+            </a:endParaRPr>
           </a:p>
         </p:txBody>
       </p:sp>
@@ -4530,6 +4627,11 @@
               </a:rPr>
               <a:t>Objectives </a:t>
             </a:r>
+            <a:endParaRPr lang="en-US" dirty="0" smtClean="0">
+              <a:solidFill>
+                <a:srgbClr val="17B1AA"/>
+              </a:solidFill>
+            </a:endParaRPr>
           </a:p>
           <a:p>
             <a:pPr lvl="1"/>
@@ -4557,6 +4659,11 @@
               </a:rPr>
               <a:t>Assessments </a:t>
             </a:r>
+            <a:endParaRPr lang="en-US" dirty="0" smtClean="0">
+              <a:solidFill>
+                <a:srgbClr val="17B1AA"/>
+              </a:solidFill>
+            </a:endParaRPr>
           </a:p>
           <a:p>
             <a:pPr lvl="1"/>
@@ -4584,6 +4691,11 @@
               </a:rPr>
               <a:t>Homework </a:t>
             </a:r>
+            <a:endParaRPr lang="en-US" dirty="0" smtClean="0">
+              <a:solidFill>
+                <a:srgbClr val="17B1AA"/>
+              </a:solidFill>
+            </a:endParaRPr>
           </a:p>
           <a:p>
             <a:pPr lvl="1"/>
@@ -4628,9 +4740,10 @@
           <a:lstStyle/>
           <a:p>
             <a:r>
-              <a:rPr lang="en-US"/>
+              <a:rPr lang="en-US" smtClean="0"/>
               <a:t>Developed by TEALS in 2015  www.tealsk12.org</a:t>
             </a:r>
+            <a:endParaRPr lang="en-US"/>
           </a:p>
         </p:txBody>
       </p:sp>
@@ -4680,17 +4793,22 @@
           <a:lstStyle/>
           <a:p>
             <a:r>
-              <a:rPr lang="en-US" b="1" dirty="0"/>
+              <a:rPr lang="en-US" b="1" dirty="0" smtClean="0"/>
               <a:t>Lesson 3.13 </a:t>
             </a:r>
             <a:r>
-              <a:rPr lang="en-US" dirty="0">
+              <a:rPr lang="en-US" dirty="0" smtClean="0">
                 <a:solidFill>
                   <a:srgbClr val="17B1AA"/>
                 </a:solidFill>
               </a:rPr>
               <a:t>While Loops</a:t>
             </a:r>
+            <a:endParaRPr lang="en-US" dirty="0">
+              <a:solidFill>
+                <a:srgbClr val="17B1AA"/>
+              </a:solidFill>
+            </a:endParaRPr>
           </a:p>
         </p:txBody>
       </p:sp>
@@ -4707,7 +4825,7 @@
         <p:spPr/>
         <p:txBody>
           <a:bodyPr>
-            <a:normAutofit fontScale="92500" lnSpcReduction="10000"/>
+            <a:normAutofit fontScale="77500" lnSpcReduction="20000"/>
           </a:bodyPr>
           <a:lstStyle/>
           <a:p>
@@ -4719,6 +4837,11 @@
               </a:rPr>
               <a:t>Objectives </a:t>
             </a:r>
+            <a:endParaRPr lang="en-US" dirty="0" smtClean="0">
+              <a:solidFill>
+                <a:srgbClr val="17B1AA"/>
+              </a:solidFill>
+            </a:endParaRPr>
           </a:p>
           <a:p>
             <a:pPr lvl="1"/>
@@ -4769,8 +4892,45 @@
                   <a:srgbClr val="17B1AA"/>
                 </a:solidFill>
               </a:rPr>
+              <a:t>Assessments </a:t>
+            </a:r>
+            <a:endParaRPr lang="en-US" dirty="0" smtClean="0">
+              <a:solidFill>
+                <a:srgbClr val="17B1AA"/>
+              </a:solidFill>
+            </a:endParaRPr>
+          </a:p>
+          <a:p>
+            <a:pPr lvl="1"/>
+            <a:r>
+              <a:rPr lang="en-US" b="1" dirty="0"/>
+              <a:t>Complete</a:t>
+            </a:r>
+            <a:r>
+              <a:rPr lang="en-US" dirty="0"/>
+              <a:t> Practice-It questions</a:t>
+            </a:r>
+          </a:p>
+          <a:p>
+            <a:pPr marL="0" indent="0">
+              <a:buNone/>
+            </a:pPr>
+            <a:endParaRPr lang="en-US" dirty="0"/>
+          </a:p>
+          <a:p>
+            <a:r>
+              <a:rPr lang="en-US" dirty="0">
+                <a:solidFill>
+                  <a:srgbClr val="17B1AA"/>
+                </a:solidFill>
+              </a:rPr>
               <a:t>Homework </a:t>
             </a:r>
+            <a:endParaRPr lang="en-US" dirty="0" smtClean="0">
+              <a:solidFill>
+                <a:srgbClr val="17B1AA"/>
+              </a:solidFill>
+            </a:endParaRPr>
           </a:p>
           <a:p>
             <a:pPr lvl="1"/>
@@ -4815,9 +4975,10 @@
           <a:lstStyle/>
           <a:p>
             <a:r>
-              <a:rPr lang="en-US"/>
+              <a:rPr lang="en-US" smtClean="0"/>
               <a:t>Developed by TEALS in 2015  www.tealsk12.org</a:t>
             </a:r>
+            <a:endParaRPr lang="en-US"/>
           </a:p>
         </p:txBody>
       </p:sp>
@@ -4867,17 +5028,22 @@
           <a:lstStyle/>
           <a:p>
             <a:r>
-              <a:rPr lang="en-US" b="1" dirty="0"/>
+              <a:rPr lang="en-US" b="1" dirty="0" smtClean="0"/>
               <a:t>Lesson 3.14 </a:t>
             </a:r>
             <a:r>
-              <a:rPr lang="en-US" dirty="0">
+              <a:rPr lang="en-US" dirty="0" smtClean="0">
                 <a:solidFill>
                   <a:srgbClr val="17B1AA"/>
                 </a:solidFill>
               </a:rPr>
               <a:t>Random Numbers</a:t>
             </a:r>
+            <a:endParaRPr lang="en-US" dirty="0">
+              <a:solidFill>
+                <a:srgbClr val="17B1AA"/>
+              </a:solidFill>
+            </a:endParaRPr>
           </a:p>
         </p:txBody>
       </p:sp>
@@ -4894,7 +5060,7 @@
         <p:spPr/>
         <p:txBody>
           <a:bodyPr>
-            <a:normAutofit/>
+            <a:normAutofit fontScale="92500" lnSpcReduction="20000"/>
           </a:bodyPr>
           <a:lstStyle/>
           <a:p>
@@ -4906,6 +5072,11 @@
               </a:rPr>
               <a:t>Objectives </a:t>
             </a:r>
+            <a:endParaRPr lang="en-US" dirty="0" smtClean="0">
+              <a:solidFill>
+                <a:srgbClr val="17B1AA"/>
+              </a:solidFill>
+            </a:endParaRPr>
           </a:p>
           <a:p>
             <a:pPr lvl="1"/>
@@ -4931,8 +5102,45 @@
                   <a:srgbClr val="17B1AA"/>
                 </a:solidFill>
               </a:rPr>
+              <a:t>Assessments </a:t>
+            </a:r>
+            <a:endParaRPr lang="en-US" dirty="0" smtClean="0">
+              <a:solidFill>
+                <a:srgbClr val="17B1AA"/>
+              </a:solidFill>
+            </a:endParaRPr>
+          </a:p>
+          <a:p>
+            <a:pPr lvl="1"/>
+            <a:r>
+              <a:rPr lang="en-US" b="1" dirty="0"/>
+              <a:t>Complete</a:t>
+            </a:r>
+            <a:r>
+              <a:rPr lang="en-US" dirty="0"/>
+              <a:t> Practice-It questions</a:t>
+            </a:r>
+          </a:p>
+          <a:p>
+            <a:pPr marL="0" indent="0">
+              <a:buNone/>
+            </a:pPr>
+            <a:endParaRPr lang="en-US" dirty="0"/>
+          </a:p>
+          <a:p>
+            <a:r>
+              <a:rPr lang="en-US" dirty="0">
+                <a:solidFill>
+                  <a:srgbClr val="17B1AA"/>
+                </a:solidFill>
+              </a:rPr>
               <a:t>Homework </a:t>
             </a:r>
+            <a:endParaRPr lang="en-US" dirty="0" smtClean="0">
+              <a:solidFill>
+                <a:srgbClr val="17B1AA"/>
+              </a:solidFill>
+            </a:endParaRPr>
           </a:p>
           <a:p>
             <a:pPr lvl="1"/>
@@ -4977,9 +5185,10 @@
           <a:lstStyle/>
           <a:p>
             <a:r>
-              <a:rPr lang="en-US"/>
+              <a:rPr lang="en-US" smtClean="0"/>
               <a:t>Developed by TEALS in 2015  www.tealsk12.org</a:t>
             </a:r>
+            <a:endParaRPr lang="en-US"/>
           </a:p>
         </p:txBody>
       </p:sp>
@@ -5031,17 +5240,22 @@
           <a:lstStyle/>
           <a:p>
             <a:r>
-              <a:rPr lang="en-US" b="1" dirty="0"/>
+              <a:rPr lang="en-US" b="1" dirty="0" smtClean="0"/>
               <a:t>Lesson 3.15 </a:t>
             </a:r>
             <a:r>
-              <a:rPr lang="en-US" dirty="0">
+              <a:rPr lang="en-US" dirty="0" smtClean="0">
                 <a:solidFill>
                   <a:srgbClr val="17B1AA"/>
                 </a:solidFill>
               </a:rPr>
               <a:t>Fencepost &amp; Sentinel Loops</a:t>
             </a:r>
+            <a:endParaRPr lang="en-US" dirty="0">
+              <a:solidFill>
+                <a:srgbClr val="17B1AA"/>
+              </a:solidFill>
+            </a:endParaRPr>
           </a:p>
         </p:txBody>
       </p:sp>
@@ -5070,6 +5284,11 @@
               </a:rPr>
               <a:t>Objectives </a:t>
             </a:r>
+            <a:endParaRPr lang="en-US" dirty="0" smtClean="0">
+              <a:solidFill>
+                <a:srgbClr val="17B1AA"/>
+              </a:solidFill>
+            </a:endParaRPr>
           </a:p>
           <a:p>
             <a:pPr lvl="1"/>
@@ -5108,6 +5327,11 @@
               </a:rPr>
               <a:t>Assessments </a:t>
             </a:r>
+            <a:endParaRPr lang="en-US" dirty="0" smtClean="0">
+              <a:solidFill>
+                <a:srgbClr val="17B1AA"/>
+              </a:solidFill>
+            </a:endParaRPr>
           </a:p>
           <a:p>
             <a:pPr lvl="1"/>
@@ -5117,7 +5341,15 @@
             </a:r>
             <a:r>
               <a:rPr lang="en-US" dirty="0"/>
-              <a:t> a mini-lesson explaining the relationship between parameters and values stored in memory</a:t>
+              <a:t> a mini-lesson explaining the relationship </a:t>
+            </a:r>
+            <a:r>
+              <a:rPr lang="en-US" dirty="0" smtClean="0"/>
+              <a:t>between </a:t>
+            </a:r>
+            <a:r>
+              <a:rPr lang="en-US" dirty="0"/>
+              <a:t>parameters and values stored in memory</a:t>
             </a:r>
           </a:p>
           <a:p>
@@ -5135,6 +5367,11 @@
               </a:rPr>
               <a:t>Homework </a:t>
             </a:r>
+            <a:endParaRPr lang="en-US" dirty="0" smtClean="0">
+              <a:solidFill>
+                <a:srgbClr val="17B1AA"/>
+              </a:solidFill>
+            </a:endParaRPr>
           </a:p>
           <a:p>
             <a:pPr lvl="1"/>
@@ -5190,9 +5427,10 @@
           <a:lstStyle/>
           <a:p>
             <a:r>
-              <a:rPr lang="en-US"/>
+              <a:rPr lang="en-US" smtClean="0"/>
               <a:t>Developed by TEALS in 2015  www.tealsk12.org</a:t>
             </a:r>
+            <a:endParaRPr lang="en-US"/>
           </a:p>
         </p:txBody>
       </p:sp>
@@ -5242,17 +5480,22 @@
           <a:lstStyle/>
           <a:p>
             <a:r>
-              <a:rPr lang="en-US" b="1" dirty="0"/>
+              <a:rPr lang="en-US" b="1" dirty="0" smtClean="0"/>
               <a:t>Lesson 3.16 </a:t>
             </a:r>
             <a:r>
-              <a:rPr lang="en-US" dirty="0">
+              <a:rPr lang="en-US" dirty="0" smtClean="0">
                 <a:solidFill>
                   <a:srgbClr val="17B1AA"/>
                 </a:solidFill>
               </a:rPr>
               <a:t>Boolean Logic</a:t>
             </a:r>
+            <a:endParaRPr lang="en-US" dirty="0">
+              <a:solidFill>
+                <a:srgbClr val="17B1AA"/>
+              </a:solidFill>
+            </a:endParaRPr>
           </a:p>
         </p:txBody>
       </p:sp>
@@ -5281,6 +5524,11 @@
               </a:rPr>
               <a:t>Objectives </a:t>
             </a:r>
+            <a:endParaRPr lang="en-US" dirty="0" smtClean="0">
+              <a:solidFill>
+                <a:srgbClr val="17B1AA"/>
+              </a:solidFill>
+            </a:endParaRPr>
           </a:p>
           <a:p>
             <a:pPr lvl="1"/>
@@ -5308,6 +5556,11 @@
               </a:rPr>
               <a:t>Assessments </a:t>
             </a:r>
+            <a:endParaRPr lang="en-US" dirty="0" smtClean="0">
+              <a:solidFill>
+                <a:srgbClr val="17B1AA"/>
+              </a:solidFill>
+            </a:endParaRPr>
           </a:p>
           <a:p>
             <a:pPr lvl="1"/>
@@ -5335,6 +5588,11 @@
               </a:rPr>
               <a:t>Homework </a:t>
             </a:r>
+            <a:endParaRPr lang="en-US" dirty="0" smtClean="0">
+              <a:solidFill>
+                <a:srgbClr val="17B1AA"/>
+              </a:solidFill>
+            </a:endParaRPr>
           </a:p>
           <a:p>
             <a:pPr lvl="1"/>
@@ -5368,9 +5626,10 @@
           <a:lstStyle/>
           <a:p>
             <a:r>
-              <a:rPr lang="en-US"/>
+              <a:rPr lang="en-US" smtClean="0"/>
               <a:t>Developed by TEALS in 2015  www.tealsk12.org</a:t>
             </a:r>
+            <a:endParaRPr lang="en-US"/>
           </a:p>
         </p:txBody>
       </p:sp>
@@ -5422,17 +5681,22 @@
           <a:lstStyle/>
           <a:p>
             <a:r>
-              <a:rPr lang="en-US" b="1" dirty="0"/>
+              <a:rPr lang="en-US" b="1" dirty="0" smtClean="0"/>
               <a:t>Lesson 3.17 </a:t>
             </a:r>
             <a:r>
-              <a:rPr lang="en-US" dirty="0">
+              <a:rPr lang="en-US" dirty="0" smtClean="0">
                 <a:solidFill>
                   <a:srgbClr val="17B1AA"/>
                 </a:solidFill>
               </a:rPr>
               <a:t>Finding and Fixing Errors</a:t>
             </a:r>
+            <a:endParaRPr lang="en-US" dirty="0">
+              <a:solidFill>
+                <a:srgbClr val="17B1AA"/>
+              </a:solidFill>
+            </a:endParaRPr>
           </a:p>
         </p:txBody>
       </p:sp>
@@ -5461,6 +5725,11 @@
               </a:rPr>
               <a:t>Objectives </a:t>
             </a:r>
+            <a:endParaRPr lang="en-US" dirty="0" smtClean="0">
+              <a:solidFill>
+                <a:srgbClr val="17B1AA"/>
+              </a:solidFill>
+            </a:endParaRPr>
           </a:p>
           <a:p>
             <a:pPr lvl="1"/>
@@ -5470,8 +5739,21 @@
             </a:r>
             <a:r>
               <a:rPr lang="en-US" dirty="0"/>
-              <a:t> errors in returned homework assignments</a:t>
-            </a:r>
+              <a:t> errors in </a:t>
+            </a:r>
+            <a:r>
+              <a:rPr lang="en-US" dirty="0" smtClean="0"/>
+              <a:t>returned </a:t>
+            </a:r>
+            <a:r>
+              <a:rPr lang="en-US" dirty="0"/>
+              <a:t>homework </a:t>
+            </a:r>
+            <a:r>
+              <a:rPr lang="en-US" dirty="0" smtClean="0"/>
+              <a:t>assignments</a:t>
+            </a:r>
+            <a:endParaRPr lang="en-US" dirty="0"/>
           </a:p>
           <a:p>
             <a:pPr lvl="1"/>
@@ -5481,8 +5763,13 @@
             </a:r>
             <a:r>
               <a:rPr lang="en-US" dirty="0"/>
-              <a:t> code</a:t>
-            </a:r>
+              <a:t> </a:t>
+            </a:r>
+            <a:r>
+              <a:rPr lang="en-US" dirty="0" smtClean="0"/>
+              <a:t>code</a:t>
+            </a:r>
+            <a:endParaRPr lang="en-US" dirty="0"/>
           </a:p>
           <a:p>
             <a:pPr marL="0" indent="0">
@@ -5499,6 +5786,11 @@
               </a:rPr>
               <a:t>Assessments </a:t>
             </a:r>
+            <a:endParaRPr lang="en-US" dirty="0" smtClean="0">
+              <a:solidFill>
+                <a:srgbClr val="17B1AA"/>
+              </a:solidFill>
+            </a:endParaRPr>
           </a:p>
           <a:p>
             <a:pPr lvl="1"/>
@@ -5526,6 +5818,11 @@
               </a:rPr>
               <a:t>Homework </a:t>
             </a:r>
+            <a:endParaRPr lang="en-US" dirty="0" smtClean="0">
+              <a:solidFill>
+                <a:srgbClr val="17B1AA"/>
+              </a:solidFill>
+            </a:endParaRPr>
           </a:p>
           <a:p>
             <a:pPr lvl="1"/>
@@ -5592,9 +5889,10 @@
           <a:lstStyle/>
           <a:p>
             <a:r>
-              <a:rPr lang="en-US"/>
+              <a:rPr lang="en-US" smtClean="0"/>
               <a:t>Developed by TEALS in 2015  www.tealsk12.org</a:t>
             </a:r>
+            <a:endParaRPr lang="en-US"/>
           </a:p>
         </p:txBody>
       </p:sp>
@@ -5644,17 +5942,22 @@
           <a:lstStyle/>
           <a:p>
             <a:r>
-              <a:rPr lang="en-US" b="1" dirty="0"/>
+              <a:rPr lang="en-US" b="1" dirty="0" smtClean="0"/>
               <a:t>Lesson 3.18 </a:t>
             </a:r>
             <a:r>
-              <a:rPr lang="en-US" dirty="0">
+              <a:rPr lang="en-US" dirty="0" smtClean="0">
                 <a:solidFill>
                   <a:srgbClr val="17B1AA"/>
                 </a:solidFill>
               </a:rPr>
               <a:t>Review</a:t>
             </a:r>
+            <a:endParaRPr lang="en-US" dirty="0">
+              <a:solidFill>
+                <a:srgbClr val="17B1AA"/>
+              </a:solidFill>
+            </a:endParaRPr>
           </a:p>
         </p:txBody>
       </p:sp>
@@ -5683,16 +5986,41 @@
               </a:rPr>
               <a:t>Objectives </a:t>
             </a:r>
-          </a:p>
-          <a:p>
-            <a:pPr lvl="1"/>
-            <a:r>
-              <a:rPr lang="en-US" b="1" dirty="0"/>
+            <a:endParaRPr lang="en-US" dirty="0" smtClean="0">
+              <a:solidFill>
+                <a:srgbClr val="17B1AA"/>
+              </a:solidFill>
+            </a:endParaRPr>
+          </a:p>
+          <a:p>
+            <a:pPr lvl="1"/>
+            <a:r>
+              <a:rPr lang="en-US" b="1" dirty="0" smtClean="0"/>
               <a:t>Identify</a:t>
             </a:r>
             <a:r>
-              <a:rPr lang="en-US" dirty="0"/>
-              <a:t> weaknesses in Unit 2 knowledge.</a:t>
+              <a:rPr lang="en-US" dirty="0" smtClean="0"/>
+              <a:t> </a:t>
+            </a:r>
+            <a:r>
+              <a:rPr lang="en-US" dirty="0"/>
+              <a:t>weaknesses in </a:t>
+            </a:r>
+            <a:r>
+              <a:rPr lang="en-US" dirty="0" smtClean="0"/>
+              <a:t>Unit </a:t>
+            </a:r>
+            <a:r>
+              <a:rPr lang="en-US" dirty="0"/>
+              <a:t>2</a:t>
+            </a:r>
+            <a:r>
+              <a:rPr lang="en-US" dirty="0" smtClean="0"/>
+              <a:t> </a:t>
+            </a:r>
+            <a:r>
+              <a:rPr lang="en-US" dirty="0"/>
+              <a:t>knowledge.</a:t>
             </a:r>
           </a:p>
           <a:p>
@@ -5710,16 +6038,25 @@
               </a:rPr>
               <a:t>Assessments </a:t>
             </a:r>
-          </a:p>
-          <a:p>
-            <a:pPr lvl="1"/>
-            <a:r>
-              <a:rPr lang="en-US" b="1" dirty="0"/>
+            <a:endParaRPr lang="en-US" dirty="0" smtClean="0">
+              <a:solidFill>
+                <a:srgbClr val="17B1AA"/>
+              </a:solidFill>
+            </a:endParaRPr>
+          </a:p>
+          <a:p>
+            <a:pPr lvl="1"/>
+            <a:r>
+              <a:rPr lang="en-US" b="1" dirty="0" smtClean="0"/>
               <a:t>Create</a:t>
             </a:r>
             <a:r>
-              <a:rPr lang="en-US" dirty="0"/>
-              <a:t> a personalized list of review topics to guide tonight’s study session.</a:t>
+              <a:rPr lang="en-US" dirty="0" smtClean="0"/>
+              <a:t> </a:t>
+            </a:r>
+            <a:r>
+              <a:rPr lang="en-US" dirty="0"/>
+              <a:t>a personalized list of review topics to guide tonight’s study session.</a:t>
             </a:r>
           </a:p>
           <a:p>
@@ -5737,16 +6074,25 @@
               </a:rPr>
               <a:t>Homework </a:t>
             </a:r>
-          </a:p>
-          <a:p>
-            <a:pPr lvl="1"/>
-            <a:r>
-              <a:rPr lang="en-US" b="1" dirty="0"/>
+            <a:endParaRPr lang="en-US" dirty="0" smtClean="0">
+              <a:solidFill>
+                <a:srgbClr val="17B1AA"/>
+              </a:solidFill>
+            </a:endParaRPr>
+          </a:p>
+          <a:p>
+            <a:pPr lvl="1"/>
+            <a:r>
+              <a:rPr lang="en-US" b="1" dirty="0" smtClean="0"/>
               <a:t>Study</a:t>
             </a:r>
             <a:r>
-              <a:rPr lang="en-US" dirty="0"/>
-              <a:t> for tomorrow’s test!</a:t>
+              <a:rPr lang="en-US" dirty="0" smtClean="0"/>
+              <a:t> </a:t>
+            </a:r>
+            <a:r>
+              <a:rPr lang="en-US" dirty="0"/>
+              <a:t>for tomorrow’s test!</a:t>
             </a:r>
           </a:p>
           <a:p>
@@ -5770,9 +6116,10 @@
           <a:lstStyle/>
           <a:p>
             <a:r>
-              <a:rPr lang="en-US"/>
+              <a:rPr lang="en-US" smtClean="0"/>
               <a:t>Developed by TEALS in 2015  www.tealsk12.org</a:t>
             </a:r>
+            <a:endParaRPr lang="en-US"/>
           </a:p>
         </p:txBody>
       </p:sp>
@@ -5824,78 +6171,88 @@
           <a:lstStyle/>
           <a:p>
             <a:r>
-              <a:rPr lang="en-US" b="1" dirty="0"/>
+              <a:rPr lang="en-US" b="1" dirty="0" smtClean="0"/>
               <a:t>Lesson 3.1 </a:t>
             </a:r>
             <a:r>
-              <a:rPr lang="en-US" dirty="0">
+              <a:rPr lang="en-US" dirty="0" smtClean="0">
                 <a:solidFill>
                   <a:srgbClr val="17B1AA"/>
                 </a:solidFill>
               </a:rPr>
               <a:t>Parameters</a:t>
             </a:r>
-          </a:p>
-        </p:txBody>
-      </p:sp>
-      <p:sp>
-        <p:nvSpPr>
-          <p:cNvPr id="3" name="Content Placeholder 2"/>
-          <p:cNvSpPr>
-            <a:spLocks noGrp="1"/>
-          </p:cNvSpPr>
-          <p:nvPr>
-            <p:ph idx="1"/>
-          </p:nvPr>
-        </p:nvSpPr>
-        <p:spPr/>
-        <p:txBody>
-          <a:bodyPr>
-            <a:normAutofit fontScale="77500" lnSpcReduction="20000"/>
-          </a:bodyPr>
-          <a:lstStyle/>
-          <a:p>
-            <a:r>
-              <a:rPr lang="en-US" dirty="0">
-                <a:solidFill>
-                  <a:srgbClr val="17B1AA"/>
-                </a:solidFill>
-              </a:rPr>
-              <a:t>Objectives </a:t>
-            </a:r>
-          </a:p>
-          <a:p>
-            <a:pPr lvl="1"/>
-            <a:r>
-              <a:rPr lang="en-US" b="1" dirty="0"/>
-              <a:t>Correctly construct</a:t>
-            </a:r>
-            <a:r>
-              <a:rPr lang="en-US" dirty="0"/>
-              <a:t> formal and actual parameters (arguments).</a:t>
-            </a:r>
-          </a:p>
-          <a:p>
-            <a:pPr lvl="1"/>
-            <a:r>
-              <a:rPr lang="en-US" b="1" dirty="0"/>
-              <a:t>Predict</a:t>
-            </a:r>
-            <a:r>
-              <a:rPr lang="en-US" dirty="0"/>
-              <a:t> output of programs that use parameters</a:t>
-            </a:r>
-          </a:p>
-          <a:p>
             <a:endParaRPr lang="en-US" dirty="0">
               <a:solidFill>
                 <a:srgbClr val="17B1AA"/>
               </a:solidFill>
             </a:endParaRPr>
           </a:p>
+        </p:txBody>
+      </p:sp>
+      <p:sp>
+        <p:nvSpPr>
+          <p:cNvPr id="3" name="Content Placeholder 2"/>
+          <p:cNvSpPr>
+            <a:spLocks noGrp="1"/>
+          </p:cNvSpPr>
+          <p:nvPr>
+            <p:ph idx="1"/>
+          </p:nvPr>
+        </p:nvSpPr>
+        <p:spPr/>
+        <p:txBody>
+          <a:bodyPr>
+            <a:normAutofit fontScale="77500" lnSpcReduction="20000"/>
+          </a:bodyPr>
+          <a:lstStyle/>
           <a:p>
             <a:r>
               <a:rPr lang="en-US" dirty="0">
+                <a:solidFill>
+                  <a:srgbClr val="17B1AA"/>
+                </a:solidFill>
+              </a:rPr>
+              <a:t>Objectives </a:t>
+            </a:r>
+            <a:endParaRPr lang="en-US" dirty="0" smtClean="0">
+              <a:solidFill>
+                <a:srgbClr val="17B1AA"/>
+              </a:solidFill>
+            </a:endParaRPr>
+          </a:p>
+          <a:p>
+            <a:pPr lvl="1"/>
+            <a:r>
+              <a:rPr lang="en-US" b="1" dirty="0"/>
+              <a:t>Correctly construct</a:t>
+            </a:r>
+            <a:r>
+              <a:rPr lang="en-US" dirty="0"/>
+              <a:t> formal and actual parameters (arguments).</a:t>
+            </a:r>
+          </a:p>
+          <a:p>
+            <a:pPr lvl="1"/>
+            <a:r>
+              <a:rPr lang="en-US" b="1" dirty="0"/>
+              <a:t>Predict</a:t>
+            </a:r>
+            <a:r>
+              <a:rPr lang="en-US" dirty="0"/>
+              <a:t> output of programs that use parameters</a:t>
+            </a:r>
+          </a:p>
+          <a:p>
+            <a:endParaRPr lang="en-US" dirty="0" smtClean="0">
+              <a:solidFill>
+                <a:srgbClr val="17B1AA"/>
+              </a:solidFill>
+            </a:endParaRPr>
+          </a:p>
+          <a:p>
+            <a:r>
+              <a:rPr lang="en-US" dirty="0" smtClean="0">
                 <a:solidFill>
                   <a:srgbClr val="17B1AA"/>
                 </a:solidFill>
@@ -5915,6 +6272,17 @@
             </a:r>
           </a:p>
           <a:p>
+            <a:pPr lvl="1"/>
+            <a:r>
+              <a:rPr lang="en-US" b="1" dirty="0"/>
+              <a:t>Submit</a:t>
+            </a:r>
+            <a:r>
+              <a:rPr lang="en-US" dirty="0"/>
+              <a:t> Practice-It questions</a:t>
+            </a:r>
+          </a:p>
+          <a:p>
             <a:pPr marL="0" indent="0">
               <a:buNone/>
             </a:pPr>
@@ -5929,6 +6297,11 @@
               </a:rPr>
               <a:t>Homework </a:t>
             </a:r>
+            <a:endParaRPr lang="en-US" dirty="0" smtClean="0">
+              <a:solidFill>
+                <a:srgbClr val="17B1AA"/>
+              </a:solidFill>
+            </a:endParaRPr>
           </a:p>
           <a:p>
             <a:pPr lvl="1"/>
@@ -5938,7 +6311,15 @@
             </a:r>
             <a:r>
               <a:rPr lang="en-US" dirty="0"/>
-              <a:t> HW 3.1 “Limitations of Parameters” and “Multiple Parameters”</a:t>
+              <a:t> HW 3.1 “Limitations of Parameters” and “Multiple </a:t>
+            </a:r>
+            <a:r>
+              <a:rPr lang="en-US" dirty="0" smtClean="0"/>
+              <a:t>Parameters</a:t>
+            </a:r>
+            <a:r>
+              <a:rPr lang="en-US" dirty="0"/>
+              <a:t>”</a:t>
             </a:r>
           </a:p>
           <a:p>
@@ -5973,9 +6354,10 @@
           <a:lstStyle/>
           <a:p>
             <a:r>
-              <a:rPr lang="en-US"/>
+              <a:rPr lang="en-US" smtClean="0"/>
               <a:t>Developed by TEALS in 2015  www.tealsk12.org</a:t>
             </a:r>
+            <a:endParaRPr lang="en-US"/>
           </a:p>
         </p:txBody>
       </p:sp>
@@ -6027,17 +6409,22 @@
           <a:lstStyle/>
           <a:p>
             <a:r>
-              <a:rPr lang="en-US" b="1" dirty="0"/>
+              <a:rPr lang="en-US" b="1" dirty="0" smtClean="0"/>
               <a:t>Lesson 3.2 </a:t>
             </a:r>
             <a:r>
-              <a:rPr lang="en-US" dirty="0">
+              <a:rPr lang="en-US" dirty="0" smtClean="0">
                 <a:solidFill>
                   <a:srgbClr val="17B1AA"/>
                 </a:solidFill>
               </a:rPr>
               <a:t>Limitations of Parameters &amp; Multiple Parameters</a:t>
             </a:r>
+            <a:endParaRPr lang="en-US" dirty="0">
+              <a:solidFill>
+                <a:srgbClr val="17B1AA"/>
+              </a:solidFill>
+            </a:endParaRPr>
           </a:p>
         </p:txBody>
       </p:sp>
@@ -6066,6 +6453,11 @@
               </a:rPr>
               <a:t>Objectives </a:t>
             </a:r>
+            <a:endParaRPr lang="en-US" dirty="0" smtClean="0">
+              <a:solidFill>
+                <a:srgbClr val="17B1AA"/>
+              </a:solidFill>
+            </a:endParaRPr>
           </a:p>
           <a:p>
             <a:pPr lvl="1"/>
@@ -6093,6 +6485,11 @@
               </a:rPr>
               <a:t>Assessments </a:t>
             </a:r>
+            <a:endParaRPr lang="en-US" dirty="0" smtClean="0">
+              <a:solidFill>
+                <a:srgbClr val="17B1AA"/>
+              </a:solidFill>
+            </a:endParaRPr>
           </a:p>
           <a:p>
             <a:pPr lvl="1"/>
@@ -6118,6 +6515,11 @@
               </a:rPr>
               <a:t>Homework </a:t>
             </a:r>
+            <a:endParaRPr lang="en-US" dirty="0" smtClean="0">
+              <a:solidFill>
+                <a:srgbClr val="17B1AA"/>
+              </a:solidFill>
+            </a:endParaRPr>
           </a:p>
           <a:p>
             <a:pPr lvl="1"/>
@@ -6162,9 +6564,10 @@
           <a:lstStyle/>
           <a:p>
             <a:r>
-              <a:rPr lang="en-US"/>
+              <a:rPr lang="en-US" smtClean="0"/>
               <a:t>Developed by TEALS in 2015  www.tealsk12.org</a:t>
             </a:r>
+            <a:endParaRPr lang="en-US"/>
           </a:p>
         </p:txBody>
       </p:sp>
@@ -6216,67 +6619,77 @@
           <a:lstStyle/>
           <a:p>
             <a:r>
-              <a:rPr lang="en-US" b="1" dirty="0"/>
+              <a:rPr lang="en-US" b="1" dirty="0" smtClean="0"/>
               <a:t>Lesson 3.3 </a:t>
             </a:r>
             <a:r>
-              <a:rPr lang="en-US" dirty="0">
+              <a:rPr lang="en-US" dirty="0" smtClean="0">
                 <a:solidFill>
                   <a:srgbClr val="17B1AA"/>
                 </a:solidFill>
               </a:rPr>
               <a:t>Return Values</a:t>
             </a:r>
-          </a:p>
-        </p:txBody>
-      </p:sp>
-      <p:sp>
-        <p:nvSpPr>
-          <p:cNvPr id="3" name="Content Placeholder 2"/>
-          <p:cNvSpPr>
-            <a:spLocks noGrp="1"/>
-          </p:cNvSpPr>
-          <p:nvPr>
-            <p:ph idx="1"/>
-          </p:nvPr>
-        </p:nvSpPr>
-        <p:spPr/>
-        <p:txBody>
-          <a:bodyPr>
-            <a:normAutofit fontScale="92500" lnSpcReduction="10000"/>
-          </a:bodyPr>
-          <a:lstStyle/>
-          <a:p>
-            <a:r>
-              <a:rPr lang="en-US" dirty="0">
-                <a:solidFill>
-                  <a:srgbClr val="17B1AA"/>
-                </a:solidFill>
-              </a:rPr>
-              <a:t>Objectives </a:t>
-            </a:r>
-          </a:p>
-          <a:p>
-            <a:pPr lvl="1"/>
-            <a:r>
-              <a:rPr lang="en-US" b="1" dirty="0"/>
-              <a:t>Write</a:t>
-            </a:r>
-            <a:r>
-              <a:rPr lang="en-US" dirty="0"/>
-              <a:t> a program that returns values.</a:t>
-            </a:r>
-          </a:p>
-          <a:p>
             <a:endParaRPr lang="en-US" dirty="0">
               <a:solidFill>
                 <a:srgbClr val="17B1AA"/>
               </a:solidFill>
             </a:endParaRPr>
           </a:p>
+        </p:txBody>
+      </p:sp>
+      <p:sp>
+        <p:nvSpPr>
+          <p:cNvPr id="3" name="Content Placeholder 2"/>
+          <p:cNvSpPr>
+            <a:spLocks noGrp="1"/>
+          </p:cNvSpPr>
+          <p:nvPr>
+            <p:ph idx="1"/>
+          </p:nvPr>
+        </p:nvSpPr>
+        <p:spPr/>
+        <p:txBody>
+          <a:bodyPr>
+            <a:normAutofit fontScale="92500" lnSpcReduction="20000"/>
+          </a:bodyPr>
+          <a:lstStyle/>
           <a:p>
             <a:r>
               <a:rPr lang="en-US" dirty="0">
+                <a:solidFill>
+                  <a:srgbClr val="17B1AA"/>
+                </a:solidFill>
+              </a:rPr>
+              <a:t>Objectives </a:t>
+            </a:r>
+            <a:endParaRPr lang="en-US" dirty="0" smtClean="0">
+              <a:solidFill>
+                <a:srgbClr val="17B1AA"/>
+              </a:solidFill>
+            </a:endParaRPr>
+          </a:p>
+          <a:p>
+            <a:pPr lvl="1"/>
+            <a:r>
+              <a:rPr lang="en-US" b="1" dirty="0"/>
+              <a:t>Write</a:t>
+            </a:r>
+            <a:r>
+              <a:rPr lang="en-US" dirty="0"/>
+              <a:t> a program that returns values.</a:t>
+            </a:r>
+          </a:p>
+          <a:p>
+            <a:endParaRPr lang="en-US" dirty="0" smtClean="0">
+              <a:solidFill>
+                <a:srgbClr val="17B1AA"/>
+              </a:solidFill>
+            </a:endParaRPr>
+          </a:p>
+          <a:p>
+            <a:r>
+              <a:rPr lang="en-US" dirty="0" smtClean="0">
                 <a:solidFill>
                   <a:srgbClr val="17B1AA"/>
                 </a:solidFill>
@@ -6288,6 +6701,17 @@
             <a:pPr lvl="1"/>
             <a:r>
               <a:rPr lang="en-US" b="1" dirty="0"/>
+              <a:t>Complete</a:t>
+            </a:r>
+            <a:r>
+              <a:rPr lang="en-US" dirty="0"/>
+              <a:t> Practice-It questions</a:t>
+            </a:r>
+          </a:p>
+          <a:p>
+            <a:pPr lvl="1"/>
+            <a:r>
+              <a:rPr lang="en-US" b="1" dirty="0"/>
               <a:t>Write</a:t>
             </a:r>
             <a:r>
@@ -6310,6 +6734,11 @@
               </a:rPr>
               <a:t>Homework </a:t>
             </a:r>
+            <a:endParaRPr lang="en-US" dirty="0" smtClean="0">
+              <a:solidFill>
+                <a:srgbClr val="17B1AA"/>
+              </a:solidFill>
+            </a:endParaRPr>
           </a:p>
           <a:p>
             <a:pPr lvl="1"/>
@@ -6343,9 +6772,10 @@
           <a:lstStyle/>
           <a:p>
             <a:r>
-              <a:rPr lang="en-US"/>
+              <a:rPr lang="en-US" smtClean="0"/>
               <a:t>Developed by TEALS in 2015  www.tealsk12.org</a:t>
             </a:r>
+            <a:endParaRPr lang="en-US"/>
           </a:p>
         </p:txBody>
       </p:sp>
@@ -6397,67 +6827,77 @@
           <a:lstStyle/>
           <a:p>
             <a:r>
-              <a:rPr lang="en-US" b="1" dirty="0"/>
+              <a:rPr lang="en-US" b="1" dirty="0" smtClean="0"/>
               <a:t>Lesson 3.4 </a:t>
             </a:r>
             <a:r>
-              <a:rPr lang="en-US" dirty="0">
+              <a:rPr lang="en-US" dirty="0" smtClean="0">
                 <a:solidFill>
                   <a:srgbClr val="17B1AA"/>
                 </a:solidFill>
               </a:rPr>
               <a:t>Programming Project</a:t>
             </a:r>
-          </a:p>
-        </p:txBody>
-      </p:sp>
-      <p:sp>
-        <p:nvSpPr>
-          <p:cNvPr id="3" name="Content Placeholder 2"/>
-          <p:cNvSpPr>
-            <a:spLocks noGrp="1"/>
-          </p:cNvSpPr>
-          <p:nvPr>
-            <p:ph idx="1"/>
-          </p:nvPr>
-        </p:nvSpPr>
-        <p:spPr/>
-        <p:txBody>
-          <a:bodyPr>
-            <a:normAutofit fontScale="85000" lnSpcReduction="20000"/>
-          </a:bodyPr>
-          <a:lstStyle/>
-          <a:p>
-            <a:r>
-              <a:rPr lang="en-US" dirty="0">
-                <a:solidFill>
-                  <a:srgbClr val="17B1AA"/>
-                </a:solidFill>
-              </a:rPr>
-              <a:t>Objectives </a:t>
-            </a:r>
-          </a:p>
-          <a:p>
-            <a:pPr lvl="1"/>
-            <a:r>
-              <a:rPr lang="en-US" b="1" dirty="0"/>
-              <a:t>Write</a:t>
-            </a:r>
-            <a:r>
-              <a:rPr lang="en-US" dirty="0"/>
-              <a:t> a program that uses parameters, the math class, and returns values. </a:t>
-            </a:r>
-          </a:p>
-          <a:p>
             <a:endParaRPr lang="en-US" dirty="0">
               <a:solidFill>
                 <a:srgbClr val="17B1AA"/>
               </a:solidFill>
             </a:endParaRPr>
           </a:p>
+        </p:txBody>
+      </p:sp>
+      <p:sp>
+        <p:nvSpPr>
+          <p:cNvPr id="3" name="Content Placeholder 2"/>
+          <p:cNvSpPr>
+            <a:spLocks noGrp="1"/>
+          </p:cNvSpPr>
+          <p:nvPr>
+            <p:ph idx="1"/>
+          </p:nvPr>
+        </p:nvSpPr>
+        <p:spPr/>
+        <p:txBody>
+          <a:bodyPr>
+            <a:normAutofit fontScale="85000" lnSpcReduction="20000"/>
+          </a:bodyPr>
+          <a:lstStyle/>
           <a:p>
             <a:r>
               <a:rPr lang="en-US" dirty="0">
+                <a:solidFill>
+                  <a:srgbClr val="17B1AA"/>
+                </a:solidFill>
+              </a:rPr>
+              <a:t>Objectives </a:t>
+            </a:r>
+            <a:endParaRPr lang="en-US" dirty="0" smtClean="0">
+              <a:solidFill>
+                <a:srgbClr val="17B1AA"/>
+              </a:solidFill>
+            </a:endParaRPr>
+          </a:p>
+          <a:p>
+            <a:pPr lvl="1"/>
+            <a:r>
+              <a:rPr lang="en-US" b="1" dirty="0"/>
+              <a:t>Write</a:t>
+            </a:r>
+            <a:r>
+              <a:rPr lang="en-US" dirty="0"/>
+              <a:t> a program that uses parameters, the math class, and returns values. </a:t>
+            </a:r>
+          </a:p>
+          <a:p>
+            <a:endParaRPr lang="en-US" dirty="0" smtClean="0">
+              <a:solidFill>
+                <a:srgbClr val="17B1AA"/>
+              </a:solidFill>
+            </a:endParaRPr>
+          </a:p>
+          <a:p>
+            <a:r>
+              <a:rPr lang="en-US" dirty="0" smtClean="0">
                 <a:solidFill>
                   <a:srgbClr val="17B1AA"/>
                 </a:solidFill>
@@ -6499,6 +6939,11 @@
               </a:rPr>
               <a:t>Homework </a:t>
             </a:r>
+            <a:endParaRPr lang="en-US" dirty="0" smtClean="0">
+              <a:solidFill>
+                <a:srgbClr val="17B1AA"/>
+              </a:solidFill>
+            </a:endParaRPr>
           </a:p>
           <a:p>
             <a:pPr lvl="1"/>
@@ -6543,9 +6988,10 @@
           <a:lstStyle/>
           <a:p>
             <a:r>
-              <a:rPr lang="en-US"/>
+              <a:rPr lang="en-US" smtClean="0"/>
               <a:t>Developed by TEALS in 2015  www.tealsk12.org</a:t>
             </a:r>
+            <a:endParaRPr lang="en-US"/>
           </a:p>
         </p:txBody>
       </p:sp>
@@ -6597,17 +7043,22 @@
           <a:lstStyle/>
           <a:p>
             <a:r>
-              <a:rPr lang="en-US" b="1" dirty="0"/>
+              <a:rPr lang="en-US" b="1" dirty="0" smtClean="0"/>
               <a:t>Lesson 3.5 </a:t>
             </a:r>
             <a:r>
-              <a:rPr lang="en-US" dirty="0">
+              <a:rPr lang="en-US" dirty="0" smtClean="0">
                 <a:solidFill>
                   <a:srgbClr val="17B1AA"/>
                 </a:solidFill>
               </a:rPr>
               <a:t>Using Objects and String Processing</a:t>
             </a:r>
+            <a:endParaRPr lang="en-US" dirty="0">
+              <a:solidFill>
+                <a:srgbClr val="17B1AA"/>
+              </a:solidFill>
+            </a:endParaRPr>
           </a:p>
         </p:txBody>
       </p:sp>
@@ -6636,6 +7087,11 @@
               </a:rPr>
               <a:t>Objectives </a:t>
             </a:r>
+            <a:endParaRPr lang="en-US" dirty="0" smtClean="0">
+              <a:solidFill>
+                <a:srgbClr val="17B1AA"/>
+              </a:solidFill>
+            </a:endParaRPr>
           </a:p>
           <a:p>
             <a:pPr lvl="1"/>
@@ -6674,6 +7130,11 @@
               </a:rPr>
               <a:t>Assessments </a:t>
             </a:r>
+            <a:endParaRPr lang="en-US" dirty="0" smtClean="0">
+              <a:solidFill>
+                <a:srgbClr val="17B1AA"/>
+              </a:solidFill>
+            </a:endParaRPr>
           </a:p>
           <a:p>
             <a:pPr lvl="1"/>
@@ -6701,6 +7162,11 @@
               </a:rPr>
               <a:t>Homework </a:t>
             </a:r>
+            <a:endParaRPr lang="en-US" dirty="0" smtClean="0">
+              <a:solidFill>
+                <a:srgbClr val="17B1AA"/>
+              </a:solidFill>
+            </a:endParaRPr>
           </a:p>
           <a:p>
             <a:pPr lvl="1"/>
@@ -6745,9 +7211,10 @@
           <a:lstStyle/>
           <a:p>
             <a:r>
-              <a:rPr lang="en-US"/>
+              <a:rPr lang="en-US" smtClean="0"/>
               <a:t>Developed by TEALS in 2015  www.tealsk12.org</a:t>
             </a:r>
+            <a:endParaRPr lang="en-US"/>
           </a:p>
         </p:txBody>
       </p:sp>
@@ -6799,17 +7266,30 @@
           <a:lstStyle/>
           <a:p>
             <a:r>
+              <a:rPr lang="en-US" b="1" dirty="0" smtClean="0"/>
+              <a:t>Lesson </a:t>
+            </a:r>
+            <a:r>
               <a:rPr lang="en-US" b="1" dirty="0"/>
-              <a:t>Lesson 3.6 </a:t>
-            </a:r>
-            <a:r>
-              <a:rPr lang="en-US" dirty="0">
+              <a:t>3</a:t>
+            </a:r>
+            <a:r>
+              <a:rPr lang="en-US" b="1" dirty="0" smtClean="0"/>
+              <a:t>.6 </a:t>
+            </a:r>
+            <a:r>
+              <a:rPr lang="en-US" dirty="0" smtClean="0">
                 <a:solidFill>
                   <a:srgbClr val="17B1AA"/>
                 </a:solidFill>
               </a:rPr>
               <a:t>Interactive Programs &amp; Scanner Objects</a:t>
             </a:r>
+            <a:endParaRPr lang="en-US" dirty="0">
+              <a:solidFill>
+                <a:srgbClr val="17B1AA"/>
+              </a:solidFill>
+            </a:endParaRPr>
           </a:p>
         </p:txBody>
       </p:sp>
@@ -6826,7 +7306,7 @@
         <p:spPr/>
         <p:txBody>
           <a:bodyPr>
-            <a:normAutofit/>
+            <a:normAutofit fontScale="92500" lnSpcReduction="10000"/>
           </a:bodyPr>
           <a:lstStyle/>
           <a:p>
@@ -6838,6 +7318,11 @@
               </a:rPr>
               <a:t>Objectives </a:t>
             </a:r>
+            <a:endParaRPr lang="en-US" dirty="0" smtClean="0">
+              <a:solidFill>
+                <a:srgbClr val="17B1AA"/>
+              </a:solidFill>
+            </a:endParaRPr>
           </a:p>
           <a:p>
             <a:pPr lvl="1"/>
@@ -6851,6 +7336,34 @@
             </a:r>
           </a:p>
           <a:p>
+            <a:endParaRPr lang="en-US" dirty="0" smtClean="0">
+              <a:solidFill>
+                <a:srgbClr val="17B1AA"/>
+              </a:solidFill>
+            </a:endParaRPr>
+          </a:p>
+          <a:p>
+            <a:r>
+              <a:rPr lang="en-US" dirty="0" smtClean="0">
+                <a:solidFill>
+                  <a:srgbClr val="17B1AA"/>
+                </a:solidFill>
+              </a:rPr>
+              <a:t>Assessments </a:t>
+            </a:r>
+          </a:p>
+          <a:p>
+            <a:pPr lvl="1"/>
+            <a:r>
+              <a:rPr lang="en-US" b="1" dirty="0"/>
+              <a:t>Complete</a:t>
+            </a:r>
+            <a:r>
+              <a:rPr lang="en-US" dirty="0"/>
+              <a:t> Practice-It problems</a:t>
+            </a:r>
+          </a:p>
+          <a:p>
             <a:pPr marL="0" indent="0">
               <a:buNone/>
             </a:pPr>
@@ -6865,6 +7378,11 @@
               </a:rPr>
               <a:t>Homework </a:t>
             </a:r>
+            <a:endParaRPr lang="en-US" dirty="0" smtClean="0">
+              <a:solidFill>
+                <a:srgbClr val="17B1AA"/>
+              </a:solidFill>
+            </a:endParaRPr>
           </a:p>
           <a:p>
             <a:pPr lvl="1"/>
@@ -6898,9 +7416,10 @@
           <a:lstStyle/>
           <a:p>
             <a:r>
-              <a:rPr lang="en-US"/>
+              <a:rPr lang="en-US" smtClean="0"/>
               <a:t>Developed by TEALS in 2015  www.tealsk12.org</a:t>
             </a:r>
+            <a:endParaRPr lang="en-US"/>
           </a:p>
         </p:txBody>
       </p:sp>
@@ -6952,17 +7471,22 @@
           <a:lstStyle/>
           <a:p>
             <a:r>
-              <a:rPr lang="en-US" b="1" dirty="0"/>
+              <a:rPr lang="en-US" b="1" dirty="0" smtClean="0"/>
               <a:t>Lesson 3.7 </a:t>
             </a:r>
             <a:r>
-              <a:rPr lang="en-US" dirty="0">
+              <a:rPr lang="en-US" dirty="0" smtClean="0">
                 <a:solidFill>
                   <a:srgbClr val="17B1AA"/>
                 </a:solidFill>
               </a:rPr>
               <a:t>Pokémon Battle Programming Project</a:t>
             </a:r>
+            <a:endParaRPr lang="en-US" dirty="0">
+              <a:solidFill>
+                <a:srgbClr val="17B1AA"/>
+              </a:solidFill>
+            </a:endParaRPr>
           </a:p>
         </p:txBody>
       </p:sp>
@@ -6991,6 +7515,11 @@
               </a:rPr>
               <a:t>Objectives </a:t>
             </a:r>
+            <a:endParaRPr lang="en-US" dirty="0" smtClean="0">
+              <a:solidFill>
+                <a:srgbClr val="17B1AA"/>
+              </a:solidFill>
+            </a:endParaRPr>
           </a:p>
           <a:p>
             <a:pPr lvl="1"/>
@@ -7018,6 +7547,11 @@
               </a:rPr>
               <a:t>Assessments </a:t>
             </a:r>
+            <a:endParaRPr lang="en-US" dirty="0" smtClean="0">
+              <a:solidFill>
+                <a:srgbClr val="17B1AA"/>
+              </a:solidFill>
+            </a:endParaRPr>
           </a:p>
           <a:p>
             <a:pPr lvl="1"/>
@@ -7045,6 +7579,11 @@
               </a:rPr>
               <a:t>Homework </a:t>
             </a:r>
+            <a:endParaRPr lang="en-US" dirty="0" smtClean="0">
+              <a:solidFill>
+                <a:srgbClr val="17B1AA"/>
+              </a:solidFill>
+            </a:endParaRPr>
           </a:p>
           <a:p>
             <a:pPr lvl="1"/>
@@ -7054,7 +7593,15 @@
             </a:r>
             <a:r>
               <a:rPr lang="en-US" dirty="0"/>
-              <a:t> class notes since the last exam</a:t>
+              <a:t> </a:t>
+            </a:r>
+            <a:r>
+              <a:rPr lang="en-US" dirty="0" smtClean="0"/>
+              <a:t>class </a:t>
+            </a:r>
+            <a:r>
+              <a:rPr lang="en-US" dirty="0"/>
+              <a:t>notes since the last exam</a:t>
             </a:r>
           </a:p>
           <a:p>
@@ -7078,9 +7625,10 @@
           <a:lstStyle/>
           <a:p>
             <a:r>
-              <a:rPr lang="en-US"/>
+              <a:rPr lang="en-US" smtClean="0"/>
               <a:t>Developed by TEALS in 2015  www.tealsk12.org</a:t>
             </a:r>
+            <a:endParaRPr lang="en-US"/>
           </a:p>
         </p:txBody>
       </p:sp>
@@ -7132,17 +7680,22 @@
           <a:lstStyle/>
           <a:p>
             <a:r>
-              <a:rPr lang="en-US" b="1" dirty="0"/>
+              <a:rPr lang="en-US" b="1" dirty="0" smtClean="0"/>
               <a:t>Lesson 3.8 </a:t>
             </a:r>
             <a:r>
-              <a:rPr lang="en-US" dirty="0">
+              <a:rPr lang="en-US" dirty="0" smtClean="0">
                 <a:solidFill>
                   <a:srgbClr val="17B1AA"/>
                 </a:solidFill>
               </a:rPr>
               <a:t>Finding and Fixing Errors</a:t>
             </a:r>
+            <a:endParaRPr lang="en-US" dirty="0">
+              <a:solidFill>
+                <a:srgbClr val="17B1AA"/>
+              </a:solidFill>
+            </a:endParaRPr>
           </a:p>
         </p:txBody>
       </p:sp>
@@ -7171,6 +7724,11 @@
               </a:rPr>
               <a:t>Objectives </a:t>
             </a:r>
+            <a:endParaRPr lang="en-US" dirty="0" smtClean="0">
+              <a:solidFill>
+                <a:srgbClr val="17B1AA"/>
+              </a:solidFill>
+            </a:endParaRPr>
           </a:p>
           <a:p>
             <a:pPr lvl="1"/>
@@ -7209,6 +7767,11 @@
               </a:rPr>
               <a:t>Assessments </a:t>
             </a:r>
+            <a:endParaRPr lang="en-US" dirty="0" smtClean="0">
+              <a:solidFill>
+                <a:srgbClr val="17B1AA"/>
+              </a:solidFill>
+            </a:endParaRPr>
           </a:p>
           <a:p>
             <a:pPr lvl="1"/>
@@ -7236,6 +7799,11 @@
               </a:rPr>
               <a:t>Homework </a:t>
             </a:r>
+            <a:endParaRPr lang="en-US" dirty="0" smtClean="0">
+              <a:solidFill>
+                <a:srgbClr val="17B1AA"/>
+              </a:solidFill>
+            </a:endParaRPr>
           </a:p>
           <a:p>
             <a:pPr lvl="1"/>
@@ -7280,9 +7848,10 @@
           <a:lstStyle/>
           <a:p>
             <a:r>
-              <a:rPr lang="en-US"/>
+              <a:rPr lang="en-US" smtClean="0"/>
               <a:t>Developed by TEALS in 2015  www.tealsk12.org</a:t>
             </a:r>
+            <a:endParaRPr lang="en-US"/>
           </a:p>
         </p:txBody>
       </p:sp>
@@ -8260,18 +8829,37 @@
 </file>
 
 <file path=customXml/item1.xml><?xml version="1.0" encoding="utf-8"?>
-<ct:contentTypeSchema xmlns:ct="http://schemas.microsoft.com/office/2006/metadata/contentType" xmlns:ma="http://schemas.microsoft.com/office/2006/metadata/properties/metaAttributes" ct:_="" ma:_="" ma:contentTypeName="Document" ma:contentTypeID="0x010100BABADD3A0624AA4E97287821B8F4D7D6" ma:contentTypeVersion="3" ma:contentTypeDescription="Create a new document." ma:contentTypeScope="" ma:versionID="e0073545f5cddffb46c9fa8d01738dd8">
-  <xsd:schema xmlns:xsd="http://www.w3.org/2001/XMLSchema" xmlns:xs="http://www.w3.org/2001/XMLSchema" xmlns:p="http://schemas.microsoft.com/office/2006/metadata/properties" xmlns:ns2="5edd459b-714d-42ed-b78f-512da7d1c14e" targetNamespace="http://schemas.microsoft.com/office/2006/metadata/properties" ma:root="true" ma:fieldsID="5b223eadad92f795ae696ccb91d8f218" ns2:_="">
-    <xsd:import namespace="5edd459b-714d-42ed-b78f-512da7d1c14e"/>
+<?mso-contentType ?>
+<FormTemplates xmlns="http://schemas.microsoft.com/sharepoint/v3/contenttype/forms">
+  <Display>DocumentLibraryForm</Display>
+  <Edit>DocumentLibraryForm</Edit>
+  <New>DocumentLibraryForm</New>
+</FormTemplates>
+</file>
+
+<file path=customXml/item2.xml><?xml version="1.0" encoding="utf-8"?>
+<ct:contentTypeSchema xmlns:ct="http://schemas.microsoft.com/office/2006/metadata/contentType" xmlns:ma="http://schemas.microsoft.com/office/2006/metadata/properties/metaAttributes" ct:_="" ma:_="" ma:contentTypeName="Document" ma:contentTypeID="0x01010011E83E049C87AC4AB56F27089B4ACA55" ma:contentTypeVersion="12" ma:contentTypeDescription="Create a new document." ma:contentTypeScope="" ma:versionID="1178fe99ddca204d3fc8224f4ed0acf8">
+  <xsd:schema xmlns:xsd="http://www.w3.org/2001/XMLSchema" xmlns:xs="http://www.w3.org/2001/XMLSchema" xmlns:p="http://schemas.microsoft.com/office/2006/metadata/properties" xmlns:ns2="be898649-fe57-4b08-9fd4-31fc752880e3" xmlns:ns3="6f430b7c-f2e9-4385-9cb2-4dd06cc2317e" targetNamespace="http://schemas.microsoft.com/office/2006/metadata/properties" ma:root="true" ma:fieldsID="05a700af6660b82c6e85ae510b7169e9" ns2:_="" ns3:_="">
+    <xsd:import namespace="be898649-fe57-4b08-9fd4-31fc752880e3"/>
+    <xsd:import namespace="6f430b7c-f2e9-4385-9cb2-4dd06cc2317e"/>
     <xsd:element name="properties">
       <xsd:complexType>
         <xsd:sequence>
           <xsd:element name="documentManagement">
             <xsd:complexType>
               <xsd:all>
-                <xsd:element ref="ns2:SharedWithUsers" minOccurs="0"/>
-                <xsd:element ref="ns2:SharedWithDetails" minOccurs="0"/>
-                <xsd:element ref="ns2:SharingHintHash" minOccurs="0"/>
+                <xsd:element ref="ns2:MediaServiceMetadata" minOccurs="0"/>
+                <xsd:element ref="ns2:MediaServiceFastMetadata" minOccurs="0"/>
+                <xsd:element ref="ns2:MediaServiceAutoTags" minOccurs="0"/>
+                <xsd:element ref="ns2:MediaServiceDateTaken" minOccurs="0"/>
+                <xsd:element ref="ns3:SharedWithUsers" minOccurs="0"/>
+                <xsd:element ref="ns3:SharedWithDetails" minOccurs="0"/>
+                <xsd:element ref="ns2:MediaServiceLocation" minOccurs="0"/>
+                <xsd:element ref="ns2:MediaServiceOCR" minOccurs="0"/>
+                <xsd:element ref="ns2:MediaServiceEventHashCode" minOccurs="0"/>
+                <xsd:element ref="ns2:MediaServiceGenerationTime" minOccurs="0"/>
+                <xsd:element ref="ns2:MediaServiceAutoKeyPoints" minOccurs="0"/>
+                <xsd:element ref="ns2:MediaServiceKeyPoints" minOccurs="0"/>
               </xsd:all>
             </xsd:complexType>
           </xsd:element>
@@ -8279,10 +8867,68 @@
       </xsd:complexType>
     </xsd:element>
   </xsd:schema>
-  <xsd:schema xmlns:xsd="http://www.w3.org/2001/XMLSchema" xmlns:xs="http://www.w3.org/2001/XMLSchema" xmlns:dms="http://schemas.microsoft.com/office/2006/documentManagement/types" xmlns:pc="http://schemas.microsoft.com/office/infopath/2007/PartnerControls" targetNamespace="5edd459b-714d-42ed-b78f-512da7d1c14e" elementFormDefault="qualified">
+  <xsd:schema xmlns:xsd="http://www.w3.org/2001/XMLSchema" xmlns:xs="http://www.w3.org/2001/XMLSchema" xmlns:dms="http://schemas.microsoft.com/office/2006/documentManagement/types" xmlns:pc="http://schemas.microsoft.com/office/infopath/2007/PartnerControls" targetNamespace="be898649-fe57-4b08-9fd4-31fc752880e3" elementFormDefault="qualified">
     <xsd:import namespace="http://schemas.microsoft.com/office/2006/documentManagement/types"/>
     <xsd:import namespace="http://schemas.microsoft.com/office/infopath/2007/PartnerControls"/>
-    <xsd:element name="SharedWithUsers" ma:index="8" nillable="true" ma:displayName="Shared With" ma:internalName="SharedWithUsers" ma:readOnly="true">
+    <xsd:element name="MediaServiceMetadata" ma:index="8" nillable="true" ma:displayName="MediaServiceMetadata" ma:description="" ma:hidden="true" ma:internalName="MediaServiceMetadata" ma:readOnly="true">
+      <xsd:simpleType>
+        <xsd:restriction base="dms:Note"/>
+      </xsd:simpleType>
+    </xsd:element>
+    <xsd:element name="MediaServiceFastMetadata" ma:index="9" nillable="true" ma:displayName="MediaServiceFastMetadata" ma:description="" ma:hidden="true" ma:internalName="MediaServiceFastMetadata" ma:readOnly="true">
+      <xsd:simpleType>
+        <xsd:restriction base="dms:Note"/>
+      </xsd:simpleType>
+    </xsd:element>
+    <xsd:element name="MediaServiceAutoTags" ma:index="10" nillable="true" ma:displayName="MediaServiceAutoTags" ma:description="" ma:internalName="MediaServiceAutoTags" ma:readOnly="true">
+      <xsd:simpleType>
+        <xsd:restriction base="dms:Text"/>
+      </xsd:simpleType>
+    </xsd:element>
+    <xsd:element name="MediaServiceDateTaken" ma:index="11" nillable="true" ma:displayName="MediaServiceDateTaken" ma:description="" ma:hidden="true" ma:internalName="MediaServiceDateTaken" ma:readOnly="true">
+      <xsd:simpleType>
+        <xsd:restriction base="dms:Text"/>
+      </xsd:simpleType>
+    </xsd:element>
+    <xsd:element name="MediaServiceLocation" ma:index="14" nillable="true" ma:displayName="MediaServiceLocation" ma:internalName="MediaServiceLocation" ma:readOnly="true">
+      <xsd:simpleType>
+        <xsd:restriction base="dms:Text"/>
+      </xsd:simpleType>
+    </xsd:element>
+    <xsd:element name="MediaServiceOCR" ma:index="15" nillable="true" ma:displayName="MediaServiceOCR" ma:internalName="MediaServiceOCR" ma:readOnly="true">
+      <xsd:simpleType>
+        <xsd:restriction base="dms:Note">
+          <xsd:maxLength value="255"/>
+        </xsd:restriction>
+      </xsd:simpleType>
+    </xsd:element>
+    <xsd:element name="MediaServiceEventHashCode" ma:index="16" nillable="true" ma:displayName="MediaServiceEventHashCode" ma:hidden="true" ma:internalName="MediaServiceEventHashCode" ma:readOnly="true">
+      <xsd:simpleType>
+        <xsd:restriction base="dms:Text"/>
+      </xsd:simpleType>
+    </xsd:element>
+    <xsd:element name="MediaServiceGenerationTime" ma:index="17" nillable="true" ma:displayName="MediaServiceGenerationTime" ma:hidden="true" ma:internalName="MediaServiceGenerationTime" ma:readOnly="true">
+      <xsd:simpleType>
+        <xsd:restriction base="dms:Text"/>
+      </xsd:simpleType>
+    </xsd:element>
+    <xsd:element name="MediaServiceAutoKeyPoints" ma:index="18" nillable="true" ma:displayName="MediaServiceAutoKeyPoints" ma:hidden="true" ma:internalName="MediaServiceAutoKeyPoints" ma:readOnly="true">
+      <xsd:simpleType>
+        <xsd:restriction base="dms:Note"/>
+      </xsd:simpleType>
+    </xsd:element>
+    <xsd:element name="MediaServiceKeyPoints" ma:index="19" nillable="true" ma:displayName="KeyPoints" ma:internalName="MediaServiceKeyPoints" ma:readOnly="true">
+      <xsd:simpleType>
+        <xsd:restriction base="dms:Note">
+          <xsd:maxLength value="255"/>
+        </xsd:restriction>
+      </xsd:simpleType>
+    </xsd:element>
+  </xsd:schema>
+  <xsd:schema xmlns:xsd="http://www.w3.org/2001/XMLSchema" xmlns:xs="http://www.w3.org/2001/XMLSchema" xmlns:dms="http://schemas.microsoft.com/office/2006/documentManagement/types" xmlns:pc="http://schemas.microsoft.com/office/infopath/2007/PartnerControls" targetNamespace="6f430b7c-f2e9-4385-9cb2-4dd06cc2317e" elementFormDefault="qualified">
+    <xsd:import namespace="http://schemas.microsoft.com/office/2006/documentManagement/types"/>
+    <xsd:import namespace="http://schemas.microsoft.com/office/infopath/2007/PartnerControls"/>
+    <xsd:element name="SharedWithUsers" ma:index="12" nillable="true" ma:displayName="Shared With" ma:internalName="SharedWithUsers" ma:readOnly="true">
       <xsd:complexType>
         <xsd:complexContent>
           <xsd:extension base="dms:UserMulti">
@@ -8301,16 +8947,11 @@
         </xsd:complexContent>
       </xsd:complexType>
     </xsd:element>
-    <xsd:element name="SharedWithDetails" ma:index="9" nillable="true" ma:displayName="Shared With Details" ma:internalName="SharedWithDetails" ma:readOnly="true">
+    <xsd:element name="SharedWithDetails" ma:index="13" nillable="true" ma:displayName="Shared With Details" ma:internalName="SharedWithDetails" ma:readOnly="true">
       <xsd:simpleType>
         <xsd:restriction base="dms:Note">
           <xsd:maxLength value="255"/>
         </xsd:restriction>
-      </xsd:simpleType>
-    </xsd:element>
-    <xsd:element name="SharingHintHash" ma:index="10" nillable="true" ma:displayName="Sharing Hint Hash" ma:internalName="SharingHintHash" ma:readOnly="true">
-      <xsd:simpleType>
-        <xsd:restriction base="dms:Text"/>
       </xsd:simpleType>
     </xsd:element>
   </xsd:schema>
@@ -8413,15 +9054,6 @@
 </ct:contentTypeSchema>
 </file>
 
-<file path=customXml/item2.xml><?xml version="1.0" encoding="utf-8"?>
-<?mso-contentType ?>
-<FormTemplates xmlns="http://schemas.microsoft.com/sharepoint/v3/contenttype/forms">
-  <Display>DocumentLibraryForm</Display>
-  <Edit>DocumentLibraryForm</Edit>
-  <New>DocumentLibraryForm</New>
-</FormTemplates>
-</file>
-
 <file path=customXml/item3.xml><?xml version="1.0" encoding="utf-8"?>
 <p:properties xmlns:p="http://schemas.microsoft.com/office/2006/metadata/properties" xmlns:xsi="http://www.w3.org/2001/XMLSchema-instance" xmlns:pc="http://schemas.microsoft.com/office/infopath/2007/PartnerControls">
   <documentManagement/>
@@ -8429,36 +9061,13 @@
 </file>
 
 <file path=customXml/itemProps1.xml><?xml version="1.0" encoding="utf-8"?>
-<ds:datastoreItem xmlns:ds="http://schemas.openxmlformats.org/officeDocument/2006/customXml" ds:itemID="{F13DC637-4389-46D2-BA79-1DECB4869A7A}">
-  <ds:schemaRefs>
-    <ds:schemaRef ds:uri="http://schemas.microsoft.com/office/2006/metadata/contentType"/>
-    <ds:schemaRef ds:uri="http://schemas.microsoft.com/office/2006/metadata/properties/metaAttributes"/>
-    <ds:schemaRef ds:uri="http://www.w3.org/2001/XMLSchema"/>
-    <ds:schemaRef ds:uri="http://schemas.microsoft.com/office/2006/metadata/properties"/>
-    <ds:schemaRef ds:uri="5edd459b-714d-42ed-b78f-512da7d1c14e"/>
-    <ds:schemaRef ds:uri="http://schemas.microsoft.com/office/2006/documentManagement/types"/>
-    <ds:schemaRef ds:uri="http://schemas.microsoft.com/office/infopath/2007/PartnerControls"/>
-    <ds:schemaRef ds:uri="http://schemas.openxmlformats.org/package/2006/metadata/core-properties"/>
-    <ds:schemaRef ds:uri="http://purl.org/dc/elements/1.1/"/>
-    <ds:schemaRef ds:uri="http://purl.org/dc/terms/"/>
-    <ds:schemaRef ds:uri="http://schemas.microsoft.com/internal/obd"/>
-  </ds:schemaRefs>
-</ds:datastoreItem>
+<ds:datastoreItem xmlns:ds="http://schemas.openxmlformats.org/officeDocument/2006/customXml" ds:itemID="{70D78ECC-FDF4-4C11-A424-1D9AAE16F532}"/>
 </file>
 
 <file path=customXml/itemProps2.xml><?xml version="1.0" encoding="utf-8"?>
-<ds:datastoreItem xmlns:ds="http://schemas.openxmlformats.org/officeDocument/2006/customXml" ds:itemID="{70D78ECC-FDF4-4C11-A424-1D9AAE16F532}">
-  <ds:schemaRefs>
-    <ds:schemaRef ds:uri="http://schemas.microsoft.com/sharepoint/v3/contenttype/forms"/>
-  </ds:schemaRefs>
-</ds:datastoreItem>
+<ds:datastoreItem xmlns:ds="http://schemas.openxmlformats.org/officeDocument/2006/customXml" ds:itemID="{3DB6B4A6-3367-4E92-898B-3E0D287810B1}"/>
 </file>
 
 <file path=customXml/itemProps3.xml><?xml version="1.0" encoding="utf-8"?>
-<ds:datastoreItem xmlns:ds="http://schemas.openxmlformats.org/officeDocument/2006/customXml" ds:itemID="{17CCA4D4-5EDB-4DAA-9562-F5DE13985709}">
-  <ds:schemaRefs>
-    <ds:schemaRef ds:uri="http://schemas.microsoft.com/office/2006/metadata/properties"/>
-    <ds:schemaRef ds:uri="http://schemas.microsoft.com/office/infopath/2007/PartnerControls"/>
-  </ds:schemaRefs>
-</ds:datastoreItem>
+<ds:datastoreItem xmlns:ds="http://schemas.openxmlformats.org/officeDocument/2006/customXml" ds:itemID="{17CCA4D4-5EDB-4DAA-9562-F5DE13985709}"/>
 </file>
--- a/curriculum/Unit3/Unit 3 Slides.pptx
+++ b/curriculum/Unit3/Unit 3 Slides.pptx
@@ -2,34 +2,34 @@
 <file path=ppt/presentation.xml><?xml version="1.0" encoding="utf-8"?>
 <p:presentation xmlns:a="http://schemas.openxmlformats.org/drawingml/2006/main" xmlns:r="http://schemas.openxmlformats.org/officeDocument/2006/relationships" xmlns:p="http://schemas.openxmlformats.org/presentationml/2006/main" saveSubsetFonts="1" autoCompressPictures="0">
   <p:sldMasterIdLst>
-    <p:sldMasterId id="2147483648" r:id="rId1"/>
+    <p:sldMasterId id="2147483648" r:id="rId4"/>
   </p:sldMasterIdLst>
   <p:notesMasterIdLst>
-    <p:notesMasterId r:id="rId21"/>
+    <p:notesMasterId r:id="rId24"/>
   </p:notesMasterIdLst>
   <p:handoutMasterIdLst>
-    <p:handoutMasterId r:id="rId22"/>
+    <p:handoutMasterId r:id="rId25"/>
   </p:handoutMasterIdLst>
   <p:sldIdLst>
-    <p:sldId id="271" r:id="rId2"/>
-    <p:sldId id="282" r:id="rId3"/>
-    <p:sldId id="278" r:id="rId4"/>
-    <p:sldId id="279" r:id="rId5"/>
-    <p:sldId id="276" r:id="rId6"/>
-    <p:sldId id="277" r:id="rId7"/>
-    <p:sldId id="274" r:id="rId8"/>
-    <p:sldId id="275" r:id="rId9"/>
-    <p:sldId id="272" r:id="rId10"/>
-    <p:sldId id="280" r:id="rId11"/>
-    <p:sldId id="273" r:id="rId12"/>
-    <p:sldId id="281" r:id="rId13"/>
-    <p:sldId id="283" r:id="rId14"/>
-    <p:sldId id="284" r:id="rId15"/>
-    <p:sldId id="285" r:id="rId16"/>
-    <p:sldId id="286" r:id="rId17"/>
-    <p:sldId id="287" r:id="rId18"/>
-    <p:sldId id="288" r:id="rId19"/>
-    <p:sldId id="289" r:id="rId20"/>
+    <p:sldId id="271" r:id="rId5"/>
+    <p:sldId id="282" r:id="rId6"/>
+    <p:sldId id="278" r:id="rId7"/>
+    <p:sldId id="279" r:id="rId8"/>
+    <p:sldId id="276" r:id="rId9"/>
+    <p:sldId id="277" r:id="rId10"/>
+    <p:sldId id="274" r:id="rId11"/>
+    <p:sldId id="275" r:id="rId12"/>
+    <p:sldId id="272" r:id="rId13"/>
+    <p:sldId id="280" r:id="rId14"/>
+    <p:sldId id="273" r:id="rId15"/>
+    <p:sldId id="281" r:id="rId16"/>
+    <p:sldId id="283" r:id="rId17"/>
+    <p:sldId id="284" r:id="rId18"/>
+    <p:sldId id="285" r:id="rId19"/>
+    <p:sldId id="286" r:id="rId20"/>
+    <p:sldId id="287" r:id="rId21"/>
+    <p:sldId id="288" r:id="rId22"/>
+    <p:sldId id="289" r:id="rId23"/>
   </p:sldIdLst>
   <p:sldSz cx="9144000" cy="6858000" type="screen4x3"/>
   <p:notesSz cx="6858000" cy="9144000"/>
@@ -128,6 +128,22 @@
       </a:defRPr>
     </a:lvl9pPr>
   </p:defaultTextStyle>
+  <p:extLst>
+    <p:ext uri="{EFAFB233-063F-42B5-8137-9DF3F51BA10A}">
+      <p15:sldGuideLst xmlns:p15="http://schemas.microsoft.com/office/powerpoint/2012/main">
+        <p15:guide id="1" orient="horz" pos="2160">
+          <p15:clr>
+            <a:srgbClr val="A4A3A4"/>
+          </p15:clr>
+        </p15:guide>
+        <p15:guide id="2" pos="2880">
+          <p15:clr>
+            <a:srgbClr val="A4A3A4"/>
+          </p15:clr>
+        </p15:guide>
+      </p15:sldGuideLst>
+    </p:ext>
+  </p:extLst>
 </p:presentation>
 </file>
 
@@ -213,7 +229,7 @@
           <a:p>
             <a:fld id="{6D0754E3-E03E-ED44-9A59-706283C2F2CC}" type="datetimeFigureOut">
               <a:rPr lang="en-US" smtClean="0"/>
-              <a:t>7/1/15</a:t>
+              <a:t>2/18/2020</a:t>
             </a:fld>
             <a:endParaRPr lang="en-US"/>
           </a:p>
@@ -379,7 +395,7 @@
           <a:p>
             <a:fld id="{44996FB4-6AD2-FE4B-B45E-D44A9C110DAF}" type="datetimeFigureOut">
               <a:rPr lang="en-US" smtClean="0"/>
-              <a:t>7/1/15</a:t>
+              <a:t>2/18/2020</a:t>
             </a:fld>
             <a:endParaRPr lang="en-US"/>
           </a:p>
@@ -443,38 +459,37 @@
           <a:p>
             <a:pPr lvl="0"/>
             <a:r>
-              <a:rPr lang="en-US" smtClean="0"/>
+              <a:rPr lang="en-US"/>
               <a:t>Click to edit Master text styles</a:t>
             </a:r>
           </a:p>
           <a:p>
             <a:pPr lvl="1"/>
             <a:r>
-              <a:rPr lang="en-US" smtClean="0"/>
+              <a:rPr lang="en-US"/>
               <a:t>Second level</a:t>
             </a:r>
           </a:p>
           <a:p>
             <a:pPr lvl="2"/>
             <a:r>
-              <a:rPr lang="en-US" smtClean="0"/>
+              <a:rPr lang="en-US"/>
               <a:t>Third level</a:t>
             </a:r>
           </a:p>
           <a:p>
             <a:pPr lvl="3"/>
             <a:r>
-              <a:rPr lang="en-US" smtClean="0"/>
+              <a:rPr lang="en-US"/>
               <a:t>Fourth level</a:t>
             </a:r>
           </a:p>
           <a:p>
             <a:pPr lvl="4"/>
             <a:r>
-              <a:rPr lang="en-US" smtClean="0"/>
+              <a:rPr lang="en-US"/>
               <a:t>Fifth level</a:t>
             </a:r>
-            <a:endParaRPr lang="en-US"/>
           </a:p>
         </p:txBody>
       </p:sp>
@@ -686,10 +701,9 @@
           <a:lstStyle/>
           <a:p>
             <a:r>
-              <a:rPr lang="en-US" smtClean="0"/>
+              <a:rPr lang="en-US"/>
               <a:t>Click to edit Master title style</a:t>
             </a:r>
-            <a:endParaRPr lang="en-US"/>
           </a:p>
         </p:txBody>
       </p:sp>
@@ -805,10 +819,9 @@
           </a:lstStyle>
           <a:p>
             <a:r>
-              <a:rPr lang="en-US" smtClean="0"/>
+              <a:rPr lang="en-US"/>
               <a:t>Click to edit Master subtitle style</a:t>
             </a:r>
-            <a:endParaRPr lang="en-US"/>
           </a:p>
         </p:txBody>
       </p:sp>
@@ -829,7 +842,7 @@
           <a:p>
             <a:fld id="{34990CC2-A8CC-B149-BA8F-DDB0E524EE45}" type="datetime1">
               <a:rPr lang="en-US" smtClean="0"/>
-              <a:t>7/1/15</a:t>
+              <a:t>2/18/2020</a:t>
             </a:fld>
             <a:endParaRPr lang="en-US"/>
           </a:p>
@@ -851,10 +864,9 @@
           <a:lstStyle/>
           <a:p>
             <a:r>
-              <a:rPr lang="en-US" smtClean="0"/>
+              <a:rPr lang="en-US"/>
               <a:t>Developed by TEALS in 2015  www.tealsk12.org</a:t>
             </a:r>
-            <a:endParaRPr lang="en-US"/>
           </a:p>
         </p:txBody>
       </p:sp>
@@ -927,10 +939,9 @@
           <a:lstStyle/>
           <a:p>
             <a:r>
-              <a:rPr lang="en-US" smtClean="0"/>
+              <a:rPr lang="en-US"/>
               <a:t>Click to edit Master title style</a:t>
             </a:r>
-            <a:endParaRPr lang="en-US"/>
           </a:p>
         </p:txBody>
       </p:sp>
@@ -951,38 +962,37 @@
           <a:p>
             <a:pPr lvl="0"/>
             <a:r>
-              <a:rPr lang="en-US" smtClean="0"/>
+              <a:rPr lang="en-US"/>
               <a:t>Click to edit Master text styles</a:t>
             </a:r>
           </a:p>
           <a:p>
             <a:pPr lvl="1"/>
             <a:r>
-              <a:rPr lang="en-US" smtClean="0"/>
+              <a:rPr lang="en-US"/>
               <a:t>Second level</a:t>
             </a:r>
           </a:p>
           <a:p>
             <a:pPr lvl="2"/>
             <a:r>
-              <a:rPr lang="en-US" smtClean="0"/>
+              <a:rPr lang="en-US"/>
               <a:t>Third level</a:t>
             </a:r>
           </a:p>
           <a:p>
             <a:pPr lvl="3"/>
             <a:r>
-              <a:rPr lang="en-US" smtClean="0"/>
+              <a:rPr lang="en-US"/>
               <a:t>Fourth level</a:t>
             </a:r>
           </a:p>
           <a:p>
             <a:pPr lvl="4"/>
             <a:r>
-              <a:rPr lang="en-US" smtClean="0"/>
+              <a:rPr lang="en-US"/>
               <a:t>Fifth level</a:t>
             </a:r>
-            <a:endParaRPr lang="en-US"/>
           </a:p>
         </p:txBody>
       </p:sp>
@@ -1003,7 +1013,7 @@
           <a:p>
             <a:fld id="{96267D05-F6C2-F64A-9C7F-A94B43164B5C}" type="datetime1">
               <a:rPr lang="en-US" smtClean="0"/>
-              <a:t>7/1/15</a:t>
+              <a:t>2/18/2020</a:t>
             </a:fld>
             <a:endParaRPr lang="en-US"/>
           </a:p>
@@ -1025,10 +1035,9 @@
           <a:lstStyle/>
           <a:p>
             <a:r>
-              <a:rPr lang="en-US" smtClean="0"/>
+              <a:rPr lang="en-US"/>
               <a:t>Developed by TEALS in 2015  www.tealsk12.org</a:t>
             </a:r>
-            <a:endParaRPr lang="en-US"/>
           </a:p>
         </p:txBody>
       </p:sp>
@@ -1106,10 +1115,9 @@
           <a:lstStyle/>
           <a:p>
             <a:r>
-              <a:rPr lang="en-US" smtClean="0"/>
+              <a:rPr lang="en-US"/>
               <a:t>Click to edit Master title style</a:t>
             </a:r>
-            <a:endParaRPr lang="en-US"/>
           </a:p>
         </p:txBody>
       </p:sp>
@@ -1135,38 +1143,37 @@
           <a:p>
             <a:pPr lvl="0"/>
             <a:r>
-              <a:rPr lang="en-US" smtClean="0"/>
+              <a:rPr lang="en-US"/>
               <a:t>Click to edit Master text styles</a:t>
             </a:r>
           </a:p>
           <a:p>
             <a:pPr lvl="1"/>
             <a:r>
-              <a:rPr lang="en-US" smtClean="0"/>
+              <a:rPr lang="en-US"/>
               <a:t>Second level</a:t>
             </a:r>
           </a:p>
           <a:p>
             <a:pPr lvl="2"/>
             <a:r>
-              <a:rPr lang="en-US" smtClean="0"/>
+              <a:rPr lang="en-US"/>
               <a:t>Third level</a:t>
             </a:r>
           </a:p>
           <a:p>
             <a:pPr lvl="3"/>
             <a:r>
-              <a:rPr lang="en-US" smtClean="0"/>
+              <a:rPr lang="en-US"/>
               <a:t>Fourth level</a:t>
             </a:r>
           </a:p>
           <a:p>
             <a:pPr lvl="4"/>
             <a:r>
-              <a:rPr lang="en-US" smtClean="0"/>
+              <a:rPr lang="en-US"/>
               <a:t>Fifth level</a:t>
             </a:r>
-            <a:endParaRPr lang="en-US"/>
           </a:p>
         </p:txBody>
       </p:sp>
@@ -1187,7 +1194,7 @@
           <a:p>
             <a:fld id="{087C1978-9D0A-A345-9E84-F995A3601C8E}" type="datetime1">
               <a:rPr lang="en-US" smtClean="0"/>
-              <a:t>7/1/15</a:t>
+              <a:t>2/18/2020</a:t>
             </a:fld>
             <a:endParaRPr lang="en-US"/>
           </a:p>
@@ -1209,10 +1216,9 @@
           <a:lstStyle/>
           <a:p>
             <a:r>
-              <a:rPr lang="en-US" smtClean="0"/>
+              <a:rPr lang="en-US"/>
               <a:t>Developed by TEALS in 2015  www.tealsk12.org</a:t>
             </a:r>
-            <a:endParaRPr lang="en-US"/>
           </a:p>
         </p:txBody>
       </p:sp>
@@ -1285,10 +1291,9 @@
           <a:lstStyle/>
           <a:p>
             <a:r>
-              <a:rPr lang="en-US" smtClean="0"/>
+              <a:rPr lang="en-US"/>
               <a:t>Click to edit Master title style</a:t>
             </a:r>
-            <a:endParaRPr lang="en-US"/>
           </a:p>
         </p:txBody>
       </p:sp>
@@ -1309,38 +1314,37 @@
           <a:p>
             <a:pPr lvl="0"/>
             <a:r>
-              <a:rPr lang="en-US" smtClean="0"/>
+              <a:rPr lang="en-US"/>
               <a:t>Click to edit Master text styles</a:t>
             </a:r>
           </a:p>
           <a:p>
             <a:pPr lvl="1"/>
             <a:r>
-              <a:rPr lang="en-US" smtClean="0"/>
+              <a:rPr lang="en-US"/>
               <a:t>Second level</a:t>
             </a:r>
           </a:p>
           <a:p>
             <a:pPr lvl="2"/>
             <a:r>
-              <a:rPr lang="en-US" smtClean="0"/>
+              <a:rPr lang="en-US"/>
               <a:t>Third level</a:t>
             </a:r>
           </a:p>
           <a:p>
             <a:pPr lvl="3"/>
             <a:r>
-              <a:rPr lang="en-US" smtClean="0"/>
+              <a:rPr lang="en-US"/>
               <a:t>Fourth level</a:t>
             </a:r>
           </a:p>
           <a:p>
             <a:pPr lvl="4"/>
             <a:r>
-              <a:rPr lang="en-US" smtClean="0"/>
+              <a:rPr lang="en-US"/>
               <a:t>Fifth level</a:t>
             </a:r>
-            <a:endParaRPr lang="en-US"/>
           </a:p>
         </p:txBody>
       </p:sp>
@@ -1361,7 +1365,7 @@
           <a:p>
             <a:fld id="{620CD570-9DDA-524E-9F58-9DBC8D3A8C31}" type="datetime1">
               <a:rPr lang="en-US" smtClean="0"/>
-              <a:t>7/1/15</a:t>
+              <a:t>2/18/2020</a:t>
             </a:fld>
             <a:endParaRPr lang="en-US"/>
           </a:p>
@@ -1383,10 +1387,9 @@
           <a:lstStyle/>
           <a:p>
             <a:r>
-              <a:rPr lang="en-US" smtClean="0"/>
+              <a:rPr lang="en-US"/>
               <a:t>Developed by TEALS in 2015  www.tealsk12.org</a:t>
             </a:r>
-            <a:endParaRPr lang="en-US"/>
           </a:p>
         </p:txBody>
       </p:sp>
@@ -1468,10 +1471,9 @@
           </a:lstStyle>
           <a:p>
             <a:r>
-              <a:rPr lang="en-US" smtClean="0"/>
+              <a:rPr lang="en-US"/>
               <a:t>Click to edit Master title style</a:t>
             </a:r>
-            <a:endParaRPr lang="en-US"/>
           </a:p>
         </p:txBody>
       </p:sp>
@@ -1588,7 +1590,7 @@
           <a:p>
             <a:pPr lvl="0"/>
             <a:r>
-              <a:rPr lang="en-US" smtClean="0"/>
+              <a:rPr lang="en-US"/>
               <a:t>Click to edit Master text styles</a:t>
             </a:r>
           </a:p>
@@ -1611,7 +1613,7 @@
           <a:p>
             <a:fld id="{FEBAD56B-400E-5542-B4A1-CD46AB8B4D0E}" type="datetime1">
               <a:rPr lang="en-US" smtClean="0"/>
-              <a:t>7/1/15</a:t>
+              <a:t>2/18/2020</a:t>
             </a:fld>
             <a:endParaRPr lang="en-US"/>
           </a:p>
@@ -1633,10 +1635,9 @@
           <a:lstStyle/>
           <a:p>
             <a:r>
-              <a:rPr lang="en-US" smtClean="0"/>
+              <a:rPr lang="en-US"/>
               <a:t>Developed by TEALS in 2015  www.tealsk12.org</a:t>
             </a:r>
-            <a:endParaRPr lang="en-US"/>
           </a:p>
         </p:txBody>
       </p:sp>
@@ -1709,10 +1710,9 @@
           <a:lstStyle/>
           <a:p>
             <a:r>
-              <a:rPr lang="en-US" smtClean="0"/>
+              <a:rPr lang="en-US"/>
               <a:t>Click to edit Master title style</a:t>
             </a:r>
-            <a:endParaRPr lang="en-US"/>
           </a:p>
         </p:txBody>
       </p:sp>
@@ -1766,38 +1766,37 @@
           <a:p>
             <a:pPr lvl="0"/>
             <a:r>
-              <a:rPr lang="en-US" smtClean="0"/>
+              <a:rPr lang="en-US"/>
               <a:t>Click to edit Master text styles</a:t>
             </a:r>
           </a:p>
           <a:p>
             <a:pPr lvl="1"/>
             <a:r>
-              <a:rPr lang="en-US" smtClean="0"/>
+              <a:rPr lang="en-US"/>
               <a:t>Second level</a:t>
             </a:r>
           </a:p>
           <a:p>
             <a:pPr lvl="2"/>
             <a:r>
-              <a:rPr lang="en-US" smtClean="0"/>
+              <a:rPr lang="en-US"/>
               <a:t>Third level</a:t>
             </a:r>
           </a:p>
           <a:p>
             <a:pPr lvl="3"/>
             <a:r>
-              <a:rPr lang="en-US" smtClean="0"/>
+              <a:rPr lang="en-US"/>
               <a:t>Fourth level</a:t>
             </a:r>
           </a:p>
           <a:p>
             <a:pPr lvl="4"/>
             <a:r>
-              <a:rPr lang="en-US" smtClean="0"/>
+              <a:rPr lang="en-US"/>
               <a:t>Fifth level</a:t>
             </a:r>
-            <a:endParaRPr lang="en-US"/>
           </a:p>
         </p:txBody>
       </p:sp>
@@ -1851,38 +1850,37 @@
           <a:p>
             <a:pPr lvl="0"/>
             <a:r>
-              <a:rPr lang="en-US" smtClean="0"/>
+              <a:rPr lang="en-US"/>
               <a:t>Click to edit Master text styles</a:t>
             </a:r>
           </a:p>
           <a:p>
             <a:pPr lvl="1"/>
             <a:r>
-              <a:rPr lang="en-US" smtClean="0"/>
+              <a:rPr lang="en-US"/>
               <a:t>Second level</a:t>
             </a:r>
           </a:p>
           <a:p>
             <a:pPr lvl="2"/>
             <a:r>
-              <a:rPr lang="en-US" smtClean="0"/>
+              <a:rPr lang="en-US"/>
               <a:t>Third level</a:t>
             </a:r>
           </a:p>
           <a:p>
             <a:pPr lvl="3"/>
             <a:r>
-              <a:rPr lang="en-US" smtClean="0"/>
+              <a:rPr lang="en-US"/>
               <a:t>Fourth level</a:t>
             </a:r>
           </a:p>
           <a:p>
             <a:pPr lvl="4"/>
             <a:r>
-              <a:rPr lang="en-US" smtClean="0"/>
+              <a:rPr lang="en-US"/>
               <a:t>Fifth level</a:t>
             </a:r>
-            <a:endParaRPr lang="en-US"/>
           </a:p>
         </p:txBody>
       </p:sp>
@@ -1903,7 +1901,7 @@
           <a:p>
             <a:fld id="{43394E63-B418-1F4A-9C08-2548B9C5B3C1}" type="datetime1">
               <a:rPr lang="en-US" smtClean="0"/>
-              <a:t>7/1/15</a:t>
+              <a:t>2/18/2020</a:t>
             </a:fld>
             <a:endParaRPr lang="en-US"/>
           </a:p>
@@ -1925,10 +1923,9 @@
           <a:lstStyle/>
           <a:p>
             <a:r>
-              <a:rPr lang="en-US" smtClean="0"/>
+              <a:rPr lang="en-US"/>
               <a:t>Developed by TEALS in 2015  www.tealsk12.org</a:t>
             </a:r>
-            <a:endParaRPr lang="en-US"/>
           </a:p>
         </p:txBody>
       </p:sp>
@@ -2005,10 +2002,9 @@
           </a:lstStyle>
           <a:p>
             <a:r>
-              <a:rPr lang="en-US" smtClean="0"/>
+              <a:rPr lang="en-US"/>
               <a:t>Click to edit Master title style</a:t>
             </a:r>
-            <a:endParaRPr lang="en-US"/>
           </a:p>
         </p:txBody>
       </p:sp>
@@ -2071,7 +2067,7 @@
           <a:p>
             <a:pPr lvl="0"/>
             <a:r>
-              <a:rPr lang="en-US" smtClean="0"/>
+              <a:rPr lang="en-US"/>
               <a:t>Click to edit Master text styles</a:t>
             </a:r>
           </a:p>
@@ -2127,38 +2123,37 @@
           <a:p>
             <a:pPr lvl="0"/>
             <a:r>
-              <a:rPr lang="en-US" smtClean="0"/>
+              <a:rPr lang="en-US"/>
               <a:t>Click to edit Master text styles</a:t>
             </a:r>
           </a:p>
           <a:p>
             <a:pPr lvl="1"/>
             <a:r>
-              <a:rPr lang="en-US" smtClean="0"/>
+              <a:rPr lang="en-US"/>
               <a:t>Second level</a:t>
             </a:r>
           </a:p>
           <a:p>
             <a:pPr lvl="2"/>
             <a:r>
-              <a:rPr lang="en-US" smtClean="0"/>
+              <a:rPr lang="en-US"/>
               <a:t>Third level</a:t>
             </a:r>
           </a:p>
           <a:p>
             <a:pPr lvl="3"/>
             <a:r>
-              <a:rPr lang="en-US" smtClean="0"/>
+              <a:rPr lang="en-US"/>
               <a:t>Fourth level</a:t>
             </a:r>
           </a:p>
           <a:p>
             <a:pPr lvl="4"/>
             <a:r>
-              <a:rPr lang="en-US" smtClean="0"/>
+              <a:rPr lang="en-US"/>
               <a:t>Fifth level</a:t>
             </a:r>
-            <a:endParaRPr lang="en-US"/>
           </a:p>
         </p:txBody>
       </p:sp>
@@ -2221,7 +2216,7 @@
           <a:p>
             <a:pPr lvl="0"/>
             <a:r>
-              <a:rPr lang="en-US" smtClean="0"/>
+              <a:rPr lang="en-US"/>
               <a:t>Click to edit Master text styles</a:t>
             </a:r>
           </a:p>
@@ -2277,38 +2272,37 @@
           <a:p>
             <a:pPr lvl="0"/>
             <a:r>
-              <a:rPr lang="en-US" smtClean="0"/>
+              <a:rPr lang="en-US"/>
               <a:t>Click to edit Master text styles</a:t>
             </a:r>
           </a:p>
           <a:p>
             <a:pPr lvl="1"/>
             <a:r>
-              <a:rPr lang="en-US" smtClean="0"/>
+              <a:rPr lang="en-US"/>
               <a:t>Second level</a:t>
             </a:r>
           </a:p>
           <a:p>
             <a:pPr lvl="2"/>
             <a:r>
-              <a:rPr lang="en-US" smtClean="0"/>
+              <a:rPr lang="en-US"/>
               <a:t>Third level</a:t>
             </a:r>
           </a:p>
           <a:p>
             <a:pPr lvl="3"/>
             <a:r>
-              <a:rPr lang="en-US" smtClean="0"/>
+              <a:rPr lang="en-US"/>
               <a:t>Fourth level</a:t>
             </a:r>
           </a:p>
           <a:p>
             <a:pPr lvl="4"/>
             <a:r>
-              <a:rPr lang="en-US" smtClean="0"/>
+              <a:rPr lang="en-US"/>
               <a:t>Fifth level</a:t>
             </a:r>
-            <a:endParaRPr lang="en-US"/>
           </a:p>
         </p:txBody>
       </p:sp>
@@ -2329,7 +2323,7 @@
           <a:p>
             <a:fld id="{6F92EF41-DD41-C742-BC3B-970F41658B68}" type="datetime1">
               <a:rPr lang="en-US" smtClean="0"/>
-              <a:t>7/1/15</a:t>
+              <a:t>2/18/2020</a:t>
             </a:fld>
             <a:endParaRPr lang="en-US"/>
           </a:p>
@@ -2351,10 +2345,9 @@
           <a:lstStyle/>
           <a:p>
             <a:r>
-              <a:rPr lang="en-US" smtClean="0"/>
+              <a:rPr lang="en-US"/>
               <a:t>Developed by TEALS in 2015  www.tealsk12.org</a:t>
             </a:r>
-            <a:endParaRPr lang="en-US"/>
           </a:p>
         </p:txBody>
       </p:sp>
@@ -2427,10 +2420,9 @@
           <a:lstStyle/>
           <a:p>
             <a:r>
-              <a:rPr lang="en-US" smtClean="0"/>
+              <a:rPr lang="en-US"/>
               <a:t>Click to edit Master title style</a:t>
             </a:r>
-            <a:endParaRPr lang="en-US"/>
           </a:p>
         </p:txBody>
       </p:sp>
@@ -2451,7 +2443,7 @@
           <a:p>
             <a:fld id="{631009B9-6DC3-0349-8BB5-CE1E5B2C68D1}" type="datetime1">
               <a:rPr lang="en-US" smtClean="0"/>
-              <a:t>7/1/15</a:t>
+              <a:t>2/18/2020</a:t>
             </a:fld>
             <a:endParaRPr lang="en-US"/>
           </a:p>
@@ -2473,10 +2465,9 @@
           <a:lstStyle/>
           <a:p>
             <a:r>
-              <a:rPr lang="en-US" smtClean="0"/>
+              <a:rPr lang="en-US"/>
               <a:t>Developed by TEALS in 2015  www.tealsk12.org</a:t>
             </a:r>
-            <a:endParaRPr lang="en-US"/>
           </a:p>
         </p:txBody>
       </p:sp>
@@ -2550,7 +2541,7 @@
           <a:p>
             <a:fld id="{DBD68779-2025-B44F-AD23-DF62F9874F1B}" type="datetime1">
               <a:rPr lang="en-US" smtClean="0"/>
-              <a:t>7/1/15</a:t>
+              <a:t>2/18/2020</a:t>
             </a:fld>
             <a:endParaRPr lang="en-US"/>
           </a:p>
@@ -2572,10 +2563,9 @@
           <a:lstStyle/>
           <a:p>
             <a:r>
-              <a:rPr lang="en-US" smtClean="0"/>
+              <a:rPr lang="en-US"/>
               <a:t>Developed by TEALS in 2015  www.tealsk12.org</a:t>
             </a:r>
-            <a:endParaRPr lang="en-US"/>
           </a:p>
         </p:txBody>
       </p:sp>
@@ -2657,10 +2647,9 @@
           </a:lstStyle>
           <a:p>
             <a:r>
-              <a:rPr lang="en-US" smtClean="0"/>
+              <a:rPr lang="en-US"/>
               <a:t>Click to edit Master title style</a:t>
             </a:r>
-            <a:endParaRPr lang="en-US"/>
           </a:p>
         </p:txBody>
       </p:sp>
@@ -2714,38 +2703,37 @@
           <a:p>
             <a:pPr lvl="0"/>
             <a:r>
-              <a:rPr lang="en-US" smtClean="0"/>
+              <a:rPr lang="en-US"/>
               <a:t>Click to edit Master text styles</a:t>
             </a:r>
           </a:p>
           <a:p>
             <a:pPr lvl="1"/>
             <a:r>
-              <a:rPr lang="en-US" smtClean="0"/>
+              <a:rPr lang="en-US"/>
               <a:t>Second level</a:t>
             </a:r>
           </a:p>
           <a:p>
             <a:pPr lvl="2"/>
             <a:r>
-              <a:rPr lang="en-US" smtClean="0"/>
+              <a:rPr lang="en-US"/>
               <a:t>Third level</a:t>
             </a:r>
           </a:p>
           <a:p>
             <a:pPr lvl="3"/>
             <a:r>
-              <a:rPr lang="en-US" smtClean="0"/>
+              <a:rPr lang="en-US"/>
               <a:t>Fourth level</a:t>
             </a:r>
           </a:p>
           <a:p>
             <a:pPr lvl="4"/>
             <a:r>
-              <a:rPr lang="en-US" smtClean="0"/>
+              <a:rPr lang="en-US"/>
               <a:t>Fifth level</a:t>
             </a:r>
-            <a:endParaRPr lang="en-US"/>
           </a:p>
         </p:txBody>
       </p:sp>
@@ -2808,7 +2796,7 @@
           <a:p>
             <a:pPr lvl="0"/>
             <a:r>
-              <a:rPr lang="en-US" smtClean="0"/>
+              <a:rPr lang="en-US"/>
               <a:t>Click to edit Master text styles</a:t>
             </a:r>
           </a:p>
@@ -2831,7 +2819,7 @@
           <a:p>
             <a:fld id="{1C533E1B-B859-DB4E-86F0-BE8C9C0ABFF7}" type="datetime1">
               <a:rPr lang="en-US" smtClean="0"/>
-              <a:t>7/1/15</a:t>
+              <a:t>2/18/2020</a:t>
             </a:fld>
             <a:endParaRPr lang="en-US"/>
           </a:p>
@@ -2853,10 +2841,9 @@
           <a:lstStyle/>
           <a:p>
             <a:r>
-              <a:rPr lang="en-US" smtClean="0"/>
+              <a:rPr lang="en-US"/>
               <a:t>Developed by TEALS in 2015  www.tealsk12.org</a:t>
             </a:r>
-            <a:endParaRPr lang="en-US"/>
           </a:p>
         </p:txBody>
       </p:sp>
@@ -2938,10 +2925,9 @@
           </a:lstStyle>
           <a:p>
             <a:r>
-              <a:rPr lang="en-US" smtClean="0"/>
+              <a:rPr lang="en-US"/>
               <a:t>Click to edit Master title style</a:t>
             </a:r>
-            <a:endParaRPr lang="en-US"/>
           </a:p>
         </p:txBody>
       </p:sp>
@@ -3065,7 +3051,7 @@
           <a:p>
             <a:pPr lvl="0"/>
             <a:r>
-              <a:rPr lang="en-US" smtClean="0"/>
+              <a:rPr lang="en-US"/>
               <a:t>Click to edit Master text styles</a:t>
             </a:r>
           </a:p>
@@ -3088,7 +3074,7 @@
           <a:p>
             <a:fld id="{AC1EAEA1-8470-6B4A-8D60-97578450ABB9}" type="datetime1">
               <a:rPr lang="en-US" smtClean="0"/>
-              <a:t>7/1/15</a:t>
+              <a:t>2/18/2020</a:t>
             </a:fld>
             <a:endParaRPr lang="en-US"/>
           </a:p>
@@ -3110,10 +3096,9 @@
           <a:lstStyle/>
           <a:p>
             <a:r>
-              <a:rPr lang="en-US" smtClean="0"/>
+              <a:rPr lang="en-US"/>
               <a:t>Developed by TEALS in 2015  www.tealsk12.org</a:t>
             </a:r>
-            <a:endParaRPr lang="en-US"/>
           </a:p>
         </p:txBody>
       </p:sp>
@@ -3201,10 +3186,9 @@
           <a:lstStyle/>
           <a:p>
             <a:r>
-              <a:rPr lang="en-US" smtClean="0"/>
+              <a:rPr lang="en-US"/>
               <a:t>Click to edit Master title style</a:t>
             </a:r>
-            <a:endParaRPr lang="en-US"/>
           </a:p>
         </p:txBody>
       </p:sp>
@@ -3235,38 +3219,37 @@
           <a:p>
             <a:pPr lvl="0"/>
             <a:r>
-              <a:rPr lang="en-US" smtClean="0"/>
+              <a:rPr lang="en-US"/>
               <a:t>Click to edit Master text styles</a:t>
             </a:r>
           </a:p>
           <a:p>
             <a:pPr lvl="1"/>
             <a:r>
-              <a:rPr lang="en-US" smtClean="0"/>
+              <a:rPr lang="en-US"/>
               <a:t>Second level</a:t>
             </a:r>
           </a:p>
           <a:p>
             <a:pPr lvl="2"/>
             <a:r>
-              <a:rPr lang="en-US" smtClean="0"/>
+              <a:rPr lang="en-US"/>
               <a:t>Third level</a:t>
             </a:r>
           </a:p>
           <a:p>
             <a:pPr lvl="3"/>
             <a:r>
-              <a:rPr lang="en-US" smtClean="0"/>
+              <a:rPr lang="en-US"/>
               <a:t>Fourth level</a:t>
             </a:r>
           </a:p>
           <a:p>
             <a:pPr lvl="4"/>
             <a:r>
-              <a:rPr lang="en-US" smtClean="0"/>
+              <a:rPr lang="en-US"/>
               <a:t>Fifth level</a:t>
             </a:r>
-            <a:endParaRPr lang="en-US"/>
           </a:p>
         </p:txBody>
       </p:sp>
@@ -3305,7 +3288,7 @@
           <a:p>
             <a:fld id="{EB2A284D-251E-7046-B0B7-6A85726BD855}" type="datetime1">
               <a:rPr lang="en-US" smtClean="0"/>
-              <a:t>7/1/15</a:t>
+              <a:t>2/18/2020</a:t>
             </a:fld>
             <a:endParaRPr lang="en-US"/>
           </a:p>
@@ -3345,10 +3328,9 @@
           </a:lstStyle>
           <a:p>
             <a:r>
-              <a:rPr lang="en-US" smtClean="0"/>
+              <a:rPr lang="en-US"/>
               <a:t>Developed by TEALS in 2015  www.tealsk12.org</a:t>
             </a:r>
-            <a:endParaRPr lang="en-US"/>
           </a:p>
         </p:txBody>
       </p:sp>
@@ -3703,77 +3685,67 @@
           <a:lstStyle/>
           <a:p>
             <a:r>
-              <a:rPr lang="en-US" b="1" dirty="0" smtClean="0"/>
+              <a:rPr lang="en-US" b="1" dirty="0"/>
               <a:t>Lesson 3.0 </a:t>
             </a:r>
             <a:r>
-              <a:rPr lang="en-US" dirty="0" smtClean="0">
+              <a:rPr lang="en-US" dirty="0">
                 <a:solidFill>
                   <a:srgbClr val="17B1AA"/>
                 </a:solidFill>
               </a:rPr>
               <a:t>Test Review and Reteach</a:t>
             </a:r>
+          </a:p>
+        </p:txBody>
+      </p:sp>
+      <p:sp>
+        <p:nvSpPr>
+          <p:cNvPr id="3" name="Content Placeholder 2"/>
+          <p:cNvSpPr>
+            <a:spLocks noGrp="1"/>
+          </p:cNvSpPr>
+          <p:nvPr>
+            <p:ph idx="1"/>
+          </p:nvPr>
+        </p:nvSpPr>
+        <p:spPr/>
+        <p:txBody>
+          <a:bodyPr>
+            <a:normAutofit fontScale="92500" lnSpcReduction="20000"/>
+          </a:bodyPr>
+          <a:lstStyle/>
+          <a:p>
+            <a:r>
+              <a:rPr lang="en-US" dirty="0">
+                <a:solidFill>
+                  <a:srgbClr val="17B1AA"/>
+                </a:solidFill>
+              </a:rPr>
+              <a:t>Objectives </a:t>
+            </a:r>
+          </a:p>
+          <a:p>
+            <a:pPr lvl="1"/>
+            <a:r>
+              <a:rPr lang="en-US" b="1" dirty="0"/>
+              <a:t>Re-learn or strengthen</a:t>
+            </a:r>
+            <a:r>
+              <a:rPr lang="en-US" dirty="0"/>
+              <a:t> content knowledge and skills from Unit 2.</a:t>
+            </a:r>
+          </a:p>
+          <a:p>
             <a:endParaRPr lang="en-US" dirty="0">
               <a:solidFill>
                 <a:srgbClr val="17B1AA"/>
               </a:solidFill>
             </a:endParaRPr>
           </a:p>
-        </p:txBody>
-      </p:sp>
-      <p:sp>
-        <p:nvSpPr>
-          <p:cNvPr id="3" name="Content Placeholder 2"/>
-          <p:cNvSpPr>
-            <a:spLocks noGrp="1"/>
-          </p:cNvSpPr>
-          <p:nvPr>
-            <p:ph idx="1"/>
-          </p:nvPr>
-        </p:nvSpPr>
-        <p:spPr/>
-        <p:txBody>
-          <a:bodyPr>
-            <a:normAutofit fontScale="92500" lnSpcReduction="20000"/>
-          </a:bodyPr>
-          <a:lstStyle/>
           <a:p>
             <a:r>
               <a:rPr lang="en-US" dirty="0">
-                <a:solidFill>
-                  <a:srgbClr val="17B1AA"/>
-                </a:solidFill>
-              </a:rPr>
-              <a:t>Objectives </a:t>
-            </a:r>
-            <a:endParaRPr lang="en-US" dirty="0" smtClean="0">
-              <a:solidFill>
-                <a:srgbClr val="17B1AA"/>
-              </a:solidFill>
-            </a:endParaRPr>
-          </a:p>
-          <a:p>
-            <a:pPr lvl="1"/>
-            <a:r>
-              <a:rPr lang="en-US" b="1" dirty="0"/>
-              <a:t>Re-learn or strengthen</a:t>
-            </a:r>
-            <a:r>
-              <a:rPr lang="en-US" dirty="0"/>
-              <a:t> content knowledge and skills from Unit 2.</a:t>
-            </a:r>
-          </a:p>
-          <a:p>
-            <a:endParaRPr lang="en-US" dirty="0" smtClean="0">
-              <a:solidFill>
-                <a:srgbClr val="17B1AA"/>
-              </a:solidFill>
-            </a:endParaRPr>
-          </a:p>
-          <a:p>
-            <a:r>
-              <a:rPr lang="en-US" dirty="0" smtClean="0">
                 <a:solidFill>
                   <a:srgbClr val="17B1AA"/>
                 </a:solidFill>
@@ -3793,11 +3765,7 @@
             </a:r>
             <a:r>
               <a:rPr lang="en-US"/>
-              <a:t>updated </a:t>
-            </a:r>
-            <a:r>
-              <a:rPr lang="en-US" smtClean="0"/>
-              <a:t>corrections</a:t>
+              <a:t>updated corrections</a:t>
             </a:r>
           </a:p>
           <a:p>
@@ -3815,11 +3783,6 @@
               </a:rPr>
               <a:t>Homework </a:t>
             </a:r>
-            <a:endParaRPr lang="en-US" dirty="0" smtClean="0">
-              <a:solidFill>
-                <a:srgbClr val="17B1AA"/>
-              </a:solidFill>
-            </a:endParaRPr>
           </a:p>
           <a:p>
             <a:pPr lvl="1"/>
@@ -3835,11 +3798,11 @@
           <a:p>
             <a:pPr lvl="1"/>
             <a:r>
-              <a:rPr lang="en-US" b="1" dirty="0" smtClean="0"/>
+              <a:rPr lang="en-US" b="1" dirty="0"/>
               <a:t>Correct</a:t>
             </a:r>
             <a:r>
-              <a:rPr lang="en-US" dirty="0" smtClean="0"/>
+              <a:rPr lang="en-US" dirty="0"/>
               <a:t> any incorrect test answers by re-answering on a separate sheet of paper</a:t>
             </a:r>
             <a:endParaRPr lang="en-US" b="1" dirty="0"/>
@@ -3865,10 +3828,9 @@
           <a:lstStyle/>
           <a:p>
             <a:r>
-              <a:rPr lang="en-US" smtClean="0"/>
+              <a:rPr lang="en-US"/>
               <a:t>Developed by TEALS in 2015  www.tealsk12.org</a:t>
             </a:r>
-            <a:endParaRPr lang="en-US"/>
           </a:p>
         </p:txBody>
       </p:sp>
@@ -3920,88 +3882,78 @@
           <a:lstStyle/>
           <a:p>
             <a:r>
-              <a:rPr lang="en-US" b="1" dirty="0" smtClean="0"/>
+              <a:rPr lang="en-US" b="1" dirty="0"/>
               <a:t>Lesson 3.9 </a:t>
             </a:r>
             <a:r>
-              <a:rPr lang="en-US" dirty="0" smtClean="0">
+              <a:rPr lang="en-US" dirty="0">
                 <a:solidFill>
                   <a:srgbClr val="17B1AA"/>
                 </a:solidFill>
               </a:rPr>
               <a:t>Relational Operators &amp; if/else</a:t>
             </a:r>
+          </a:p>
+        </p:txBody>
+      </p:sp>
+      <p:sp>
+        <p:nvSpPr>
+          <p:cNvPr id="3" name="Content Placeholder 2"/>
+          <p:cNvSpPr>
+            <a:spLocks noGrp="1"/>
+          </p:cNvSpPr>
+          <p:nvPr>
+            <p:ph idx="1"/>
+          </p:nvPr>
+        </p:nvSpPr>
+        <p:spPr/>
+        <p:txBody>
+          <a:bodyPr>
+            <a:normAutofit fontScale="85000" lnSpcReduction="20000"/>
+          </a:bodyPr>
+          <a:lstStyle/>
+          <a:p>
+            <a:r>
+              <a:rPr lang="en-US" dirty="0">
+                <a:solidFill>
+                  <a:srgbClr val="17B1AA"/>
+                </a:solidFill>
+              </a:rPr>
+              <a:t>Objectives </a:t>
+            </a:r>
+          </a:p>
+          <a:p>
+            <a:pPr lvl="1"/>
+            <a:r>
+              <a:rPr lang="en-US" b="1" dirty="0"/>
+              <a:t>Evaluate</a:t>
+            </a:r>
+            <a:r>
+              <a:rPr lang="en-US" dirty="0"/>
+              <a:t> relational expressions</a:t>
+            </a:r>
+          </a:p>
+          <a:p>
+            <a:pPr lvl="1"/>
+            <a:r>
+              <a:rPr lang="en-US" b="1" dirty="0"/>
+              <a:t>Predict and trace</a:t>
+            </a:r>
+            <a:r>
+              <a:rPr lang="en-US" dirty="0"/>
+              <a:t> the flow of an if statement </a:t>
+            </a:r>
+          </a:p>
+          <a:p>
             <a:endParaRPr lang="en-US" dirty="0">
               <a:solidFill>
                 <a:srgbClr val="17B1AA"/>
               </a:solidFill>
             </a:endParaRPr>
           </a:p>
-        </p:txBody>
-      </p:sp>
-      <p:sp>
-        <p:nvSpPr>
-          <p:cNvPr id="3" name="Content Placeholder 2"/>
-          <p:cNvSpPr>
-            <a:spLocks noGrp="1"/>
-          </p:cNvSpPr>
-          <p:nvPr>
-            <p:ph idx="1"/>
-          </p:nvPr>
-        </p:nvSpPr>
-        <p:spPr/>
-        <p:txBody>
-          <a:bodyPr>
-            <a:normAutofit fontScale="85000" lnSpcReduction="20000"/>
-          </a:bodyPr>
-          <a:lstStyle/>
           <a:p>
             <a:r>
               <a:rPr lang="en-US" dirty="0">
-                <a:solidFill>
-                  <a:srgbClr val="17B1AA"/>
-                </a:solidFill>
-              </a:rPr>
-              <a:t>Objectives </a:t>
-            </a:r>
-            <a:endParaRPr lang="en-US" dirty="0" smtClean="0">
-              <a:solidFill>
-                <a:srgbClr val="17B1AA"/>
-              </a:solidFill>
-            </a:endParaRPr>
-          </a:p>
-          <a:p>
-            <a:pPr lvl="1"/>
-            <a:r>
-              <a:rPr lang="en-US" b="1" dirty="0"/>
-              <a:t>Evaluate</a:t>
-            </a:r>
-            <a:r>
-              <a:rPr lang="en-US" dirty="0"/>
-              <a:t> relational expressions</a:t>
-            </a:r>
-          </a:p>
-          <a:p>
-            <a:pPr lvl="1"/>
-            <a:r>
-              <a:rPr lang="en-US" b="1" dirty="0"/>
-              <a:t>Predict and trace</a:t>
-            </a:r>
-            <a:r>
-              <a:rPr lang="en-US" dirty="0"/>
-              <a:t> the flow of an if statement </a:t>
-            </a:r>
-          </a:p>
-          <a:p>
-            <a:endParaRPr lang="en-US" dirty="0" smtClean="0">
-              <a:solidFill>
-                <a:srgbClr val="17B1AA"/>
-              </a:solidFill>
-            </a:endParaRPr>
-          </a:p>
-          <a:p>
-            <a:r>
-              <a:rPr lang="en-US" dirty="0" smtClean="0">
                 <a:solidFill>
                   <a:srgbClr val="17B1AA"/>
                 </a:solidFill>
@@ -4040,11 +3992,11 @@
             <a:pPr marL="0" indent="0">
               <a:buNone/>
             </a:pPr>
-            <a:endParaRPr lang="en-US" dirty="0" smtClean="0"/>
-          </a:p>
-          <a:p>
-            <a:r>
-              <a:rPr lang="en-US" dirty="0" smtClean="0">
+            <a:endParaRPr lang="en-US" dirty="0"/>
+          </a:p>
+          <a:p>
+            <a:r>
+              <a:rPr lang="en-US" dirty="0">
                 <a:solidFill>
                   <a:srgbClr val="17B1AA"/>
                 </a:solidFill>
@@ -4095,10 +4047,9 @@
           <a:lstStyle/>
           <a:p>
             <a:r>
-              <a:rPr lang="en-US" smtClean="0"/>
+              <a:rPr lang="en-US"/>
               <a:t>Developed by TEALS in 2015  www.tealsk12.org</a:t>
             </a:r>
-            <a:endParaRPr lang="en-US"/>
           </a:p>
         </p:txBody>
       </p:sp>
@@ -4150,22 +4101,17 @@
           <a:lstStyle/>
           <a:p>
             <a:r>
-              <a:rPr lang="en-US" b="1" dirty="0" smtClean="0"/>
+              <a:rPr lang="en-US" b="1" dirty="0"/>
               <a:t>Lesson 3.10 </a:t>
             </a:r>
             <a:r>
-              <a:rPr lang="en-US" dirty="0" smtClean="0">
+              <a:rPr lang="en-US" dirty="0">
                 <a:solidFill>
                   <a:srgbClr val="17B1AA"/>
                 </a:solidFill>
               </a:rPr>
               <a:t>Nested if/else statements</a:t>
             </a:r>
-            <a:endParaRPr lang="en-US" dirty="0">
-              <a:solidFill>
-                <a:srgbClr val="17B1AA"/>
-              </a:solidFill>
-            </a:endParaRPr>
           </a:p>
         </p:txBody>
       </p:sp>
@@ -4187,7 +4133,7 @@
           <a:lstStyle/>
           <a:p>
             <a:r>
-              <a:rPr lang="en-US" dirty="0" smtClean="0">
+              <a:rPr lang="en-US" dirty="0">
                 <a:solidFill>
                   <a:srgbClr val="17B1AA"/>
                 </a:solidFill>
@@ -4198,35 +4144,35 @@
           <a:p>
             <a:pPr lvl="1"/>
             <a:r>
-              <a:rPr lang="en-US" b="1" dirty="0" smtClean="0"/>
+              <a:rPr lang="en-US" b="1" dirty="0"/>
               <a:t>Choose</a:t>
             </a:r>
             <a:r>
-              <a:rPr lang="en-US" dirty="0" smtClean="0"/>
+              <a:rPr lang="en-US" dirty="0"/>
               <a:t> which if statements to use for different problems</a:t>
             </a:r>
           </a:p>
           <a:p>
             <a:pPr lvl="1"/>
             <a:r>
-              <a:rPr lang="en-US" b="1" dirty="0" smtClean="0"/>
+              <a:rPr lang="en-US" b="1" dirty="0"/>
               <a:t>Use</a:t>
             </a:r>
             <a:r>
-              <a:rPr lang="en-US" dirty="0" smtClean="0"/>
+              <a:rPr lang="en-US" dirty="0"/>
               <a:t> correct syntax for the different if statements</a:t>
             </a:r>
-            <a:endParaRPr lang="en-US" b="1" dirty="0" smtClean="0"/>
+            <a:endParaRPr lang="en-US" b="1" dirty="0"/>
           </a:p>
           <a:p>
             <a:pPr marL="0" indent="0">
               <a:buNone/>
             </a:pPr>
-            <a:endParaRPr lang="en-US" dirty="0" smtClean="0"/>
-          </a:p>
-          <a:p>
-            <a:r>
-              <a:rPr lang="en-US" dirty="0" smtClean="0">
+            <a:endParaRPr lang="en-US" dirty="0"/>
+          </a:p>
+          <a:p>
+            <a:r>
+              <a:rPr lang="en-US" dirty="0">
                 <a:solidFill>
                   <a:srgbClr val="17B1AA"/>
                 </a:solidFill>
@@ -4253,18 +4199,18 @@
             </a:r>
             <a:r>
               <a:rPr lang="en-US" dirty="0"/>
-              <a:t> several Practice-It questions</a:t>
+              <a:t> several Practice questions</a:t>
             </a:r>
           </a:p>
           <a:p>
             <a:pPr marL="0" indent="0">
               <a:buNone/>
             </a:pPr>
-            <a:endParaRPr lang="en-US" dirty="0" smtClean="0"/>
-          </a:p>
-          <a:p>
-            <a:r>
-              <a:rPr lang="en-US" dirty="0" smtClean="0">
+            <a:endParaRPr lang="en-US" dirty="0"/>
+          </a:p>
+          <a:p>
+            <a:r>
+              <a:rPr lang="en-US" dirty="0">
                 <a:solidFill>
                   <a:srgbClr val="17B1AA"/>
                 </a:solidFill>
@@ -4315,10 +4261,9 @@
           <a:lstStyle/>
           <a:p>
             <a:r>
-              <a:rPr lang="en-US" smtClean="0"/>
+              <a:rPr lang="en-US"/>
               <a:t>Developed by TEALS in 2015  www.tealsk12.org</a:t>
             </a:r>
-            <a:endParaRPr lang="en-US"/>
           </a:p>
         </p:txBody>
       </p:sp>
@@ -4368,22 +4313,17 @@
           <a:lstStyle/>
           <a:p>
             <a:r>
-              <a:rPr lang="en-US" b="1" dirty="0" smtClean="0"/>
+              <a:rPr lang="en-US" b="1" dirty="0"/>
               <a:t>Lesson 3.11 </a:t>
             </a:r>
             <a:r>
-              <a:rPr lang="en-US" dirty="0" smtClean="0">
+              <a:rPr lang="en-US" dirty="0">
                 <a:solidFill>
                   <a:srgbClr val="17B1AA"/>
                 </a:solidFill>
               </a:rPr>
               <a:t>Reducing Redundancy</a:t>
             </a:r>
-            <a:endParaRPr lang="en-US" dirty="0">
-              <a:solidFill>
-                <a:srgbClr val="17B1AA"/>
-              </a:solidFill>
-            </a:endParaRPr>
           </a:p>
         </p:txBody>
       </p:sp>
@@ -4412,11 +4352,6 @@
               </a:rPr>
               <a:t>Objectives </a:t>
             </a:r>
-            <a:endParaRPr lang="en-US" dirty="0" smtClean="0">
-              <a:solidFill>
-                <a:srgbClr val="17B1AA"/>
-              </a:solidFill>
-            </a:endParaRPr>
           </a:p>
           <a:p>
             <a:pPr lvl="1"/>
@@ -4444,11 +4379,6 @@
               </a:rPr>
               <a:t>Assessments </a:t>
             </a:r>
-            <a:endParaRPr lang="en-US" dirty="0" smtClean="0">
-              <a:solidFill>
-                <a:srgbClr val="17B1AA"/>
-              </a:solidFill>
-            </a:endParaRPr>
           </a:p>
           <a:p>
             <a:pPr lvl="1"/>
@@ -4476,11 +4406,6 @@
               </a:rPr>
               <a:t>Homework </a:t>
             </a:r>
-            <a:endParaRPr lang="en-US" dirty="0" smtClean="0">
-              <a:solidFill>
-                <a:srgbClr val="17B1AA"/>
-              </a:solidFill>
-            </a:endParaRPr>
           </a:p>
           <a:p>
             <a:pPr lvl="1"/>
@@ -4501,17 +4426,12 @@
             </a:r>
             <a:r>
               <a:rPr lang="en-US" dirty="0"/>
-              <a:t> Chapter 4, excluding sections 4.3, 4.4, and </a:t>
-            </a:r>
-            <a:r>
-              <a:rPr lang="en-US" dirty="0" smtClean="0"/>
-              <a:t>4.5</a:t>
-            </a:r>
+              <a:t> Chapter 4, excluding sections 4.3, 4.4, and 4.5</a:t>
+            </a:r>
+          </a:p>
+          <a:p>
             <a:endParaRPr lang="en-US" dirty="0"/>
           </a:p>
-          <a:p>
-            <a:endParaRPr lang="en-US" dirty="0"/>
-          </a:p>
         </p:txBody>
       </p:sp>
       <p:sp>
@@ -4530,10 +4450,9 @@
           <a:lstStyle/>
           <a:p>
             <a:r>
-              <a:rPr lang="en-US" smtClean="0"/>
+              <a:rPr lang="en-US"/>
               <a:t>Developed by TEALS in 2015  www.tealsk12.org</a:t>
             </a:r>
-            <a:endParaRPr lang="en-US"/>
           </a:p>
         </p:txBody>
       </p:sp>
@@ -4583,22 +4502,17 @@
           <a:lstStyle/>
           <a:p>
             <a:r>
-              <a:rPr lang="en-US" b="1" dirty="0" smtClean="0"/>
+              <a:rPr lang="en-US" b="1" dirty="0"/>
               <a:t>Lesson 3.12 </a:t>
             </a:r>
             <a:r>
-              <a:rPr lang="en-US" dirty="0" smtClean="0">
+              <a:rPr lang="en-US" dirty="0">
                 <a:solidFill>
                   <a:srgbClr val="17B1AA"/>
                 </a:solidFill>
               </a:rPr>
               <a:t>Cumulative Algorithms</a:t>
             </a:r>
-            <a:endParaRPr lang="en-US" dirty="0">
-              <a:solidFill>
-                <a:srgbClr val="17B1AA"/>
-              </a:solidFill>
-            </a:endParaRPr>
           </a:p>
         </p:txBody>
       </p:sp>
@@ -4627,11 +4541,6 @@
               </a:rPr>
               <a:t>Objectives </a:t>
             </a:r>
-            <a:endParaRPr lang="en-US" dirty="0" smtClean="0">
-              <a:solidFill>
-                <a:srgbClr val="17B1AA"/>
-              </a:solidFill>
-            </a:endParaRPr>
           </a:p>
           <a:p>
             <a:pPr lvl="1"/>
@@ -4659,11 +4568,6 @@
               </a:rPr>
               <a:t>Assessments </a:t>
             </a:r>
-            <a:endParaRPr lang="en-US" dirty="0" smtClean="0">
-              <a:solidFill>
-                <a:srgbClr val="17B1AA"/>
-              </a:solidFill>
-            </a:endParaRPr>
           </a:p>
           <a:p>
             <a:pPr lvl="1"/>
@@ -4691,11 +4595,6 @@
               </a:rPr>
               <a:t>Homework </a:t>
             </a:r>
-            <a:endParaRPr lang="en-US" dirty="0" smtClean="0">
-              <a:solidFill>
-                <a:srgbClr val="17B1AA"/>
-              </a:solidFill>
-            </a:endParaRPr>
           </a:p>
           <a:p>
             <a:pPr lvl="1"/>
@@ -4740,10 +4639,9 @@
           <a:lstStyle/>
           <a:p>
             <a:r>
-              <a:rPr lang="en-US" smtClean="0"/>
+              <a:rPr lang="en-US"/>
               <a:t>Developed by TEALS in 2015  www.tealsk12.org</a:t>
             </a:r>
-            <a:endParaRPr lang="en-US"/>
           </a:p>
         </p:txBody>
       </p:sp>
@@ -4793,22 +4691,17 @@
           <a:lstStyle/>
           <a:p>
             <a:r>
-              <a:rPr lang="en-US" b="1" dirty="0" smtClean="0"/>
+              <a:rPr lang="en-US" b="1" dirty="0"/>
               <a:t>Lesson 3.13 </a:t>
             </a:r>
             <a:r>
-              <a:rPr lang="en-US" dirty="0" smtClean="0">
+              <a:rPr lang="en-US" dirty="0">
                 <a:solidFill>
                   <a:srgbClr val="17B1AA"/>
                 </a:solidFill>
               </a:rPr>
               <a:t>While Loops</a:t>
             </a:r>
-            <a:endParaRPr lang="en-US" dirty="0">
-              <a:solidFill>
-                <a:srgbClr val="17B1AA"/>
-              </a:solidFill>
-            </a:endParaRPr>
           </a:p>
         </p:txBody>
       </p:sp>
@@ -4837,11 +4730,6 @@
               </a:rPr>
               <a:t>Objectives </a:t>
             </a:r>
-            <a:endParaRPr lang="en-US" dirty="0" smtClean="0">
-              <a:solidFill>
-                <a:srgbClr val="17B1AA"/>
-              </a:solidFill>
-            </a:endParaRPr>
           </a:p>
           <a:p>
             <a:pPr lvl="1"/>
@@ -4894,11 +4782,6 @@
               </a:rPr>
               <a:t>Assessments </a:t>
             </a:r>
-            <a:endParaRPr lang="en-US" dirty="0" smtClean="0">
-              <a:solidFill>
-                <a:srgbClr val="17B1AA"/>
-              </a:solidFill>
-            </a:endParaRPr>
           </a:p>
           <a:p>
             <a:pPr lvl="1"/>
@@ -4908,7 +4791,7 @@
             </a:r>
             <a:r>
               <a:rPr lang="en-US" dirty="0"/>
-              <a:t> Practice-It questions</a:t>
+              <a:t> Practice questions</a:t>
             </a:r>
           </a:p>
           <a:p>
@@ -4926,11 +4809,6 @@
               </a:rPr>
               <a:t>Homework </a:t>
             </a:r>
-            <a:endParaRPr lang="en-US" dirty="0" smtClean="0">
-              <a:solidFill>
-                <a:srgbClr val="17B1AA"/>
-              </a:solidFill>
-            </a:endParaRPr>
           </a:p>
           <a:p>
             <a:pPr lvl="1"/>
@@ -4975,10 +4853,9 @@
           <a:lstStyle/>
           <a:p>
             <a:r>
-              <a:rPr lang="en-US" smtClean="0"/>
+              <a:rPr lang="en-US"/>
               <a:t>Developed by TEALS in 2015  www.tealsk12.org</a:t>
             </a:r>
-            <a:endParaRPr lang="en-US"/>
           </a:p>
         </p:txBody>
       </p:sp>
@@ -5028,22 +4905,17 @@
           <a:lstStyle/>
           <a:p>
             <a:r>
-              <a:rPr lang="en-US" b="1" dirty="0" smtClean="0"/>
+              <a:rPr lang="en-US" b="1" dirty="0"/>
               <a:t>Lesson 3.14 </a:t>
             </a:r>
             <a:r>
-              <a:rPr lang="en-US" dirty="0" smtClean="0">
+              <a:rPr lang="en-US" dirty="0">
                 <a:solidFill>
                   <a:srgbClr val="17B1AA"/>
                 </a:solidFill>
               </a:rPr>
               <a:t>Random Numbers</a:t>
             </a:r>
-            <a:endParaRPr lang="en-US" dirty="0">
-              <a:solidFill>
-                <a:srgbClr val="17B1AA"/>
-              </a:solidFill>
-            </a:endParaRPr>
           </a:p>
         </p:txBody>
       </p:sp>
@@ -5072,11 +4944,6 @@
               </a:rPr>
               <a:t>Objectives </a:t>
             </a:r>
-            <a:endParaRPr lang="en-US" dirty="0" smtClean="0">
-              <a:solidFill>
-                <a:srgbClr val="17B1AA"/>
-              </a:solidFill>
-            </a:endParaRPr>
           </a:p>
           <a:p>
             <a:pPr lvl="1"/>
@@ -5104,21 +4971,20 @@
               </a:rPr>
               <a:t>Assessments </a:t>
             </a:r>
-            <a:endParaRPr lang="en-US" dirty="0" smtClean="0">
-              <a:solidFill>
-                <a:srgbClr val="17B1AA"/>
-              </a:solidFill>
-            </a:endParaRPr>
-          </a:p>
-          <a:p>
-            <a:pPr lvl="1"/>
-            <a:r>
-              <a:rPr lang="en-US" b="1" dirty="0"/>
+          </a:p>
+          <a:p>
+            <a:pPr lvl="1"/>
+            <a:r>
+              <a:rPr lang="en-US" b="1"/>
               <a:t>Complete</a:t>
             </a:r>
             <a:r>
-              <a:rPr lang="en-US" dirty="0"/>
-              <a:t> Practice-It questions</a:t>
+              <a:rPr lang="en-US"/>
+              <a:t> Practice </a:t>
+            </a:r>
+            <a:r>
+              <a:rPr lang="en-US" dirty="0"/>
+              <a:t>questions</a:t>
             </a:r>
           </a:p>
           <a:p>
@@ -5136,11 +5002,6 @@
               </a:rPr>
               <a:t>Homework </a:t>
             </a:r>
-            <a:endParaRPr lang="en-US" dirty="0" smtClean="0">
-              <a:solidFill>
-                <a:srgbClr val="17B1AA"/>
-              </a:solidFill>
-            </a:endParaRPr>
           </a:p>
           <a:p>
             <a:pPr lvl="1"/>
@@ -5185,10 +5046,9 @@
           <a:lstStyle/>
           <a:p>
             <a:r>
-              <a:rPr lang="en-US" smtClean="0"/>
+              <a:rPr lang="en-US"/>
               <a:t>Developed by TEALS in 2015  www.tealsk12.org</a:t>
             </a:r>
-            <a:endParaRPr lang="en-US"/>
           </a:p>
         </p:txBody>
       </p:sp>
@@ -5240,22 +5100,17 @@
           <a:lstStyle/>
           <a:p>
             <a:r>
-              <a:rPr lang="en-US" b="1" dirty="0" smtClean="0"/>
+              <a:rPr lang="en-US" b="1" dirty="0"/>
               <a:t>Lesson 3.15 </a:t>
             </a:r>
             <a:r>
-              <a:rPr lang="en-US" dirty="0" smtClean="0">
+              <a:rPr lang="en-US" dirty="0">
                 <a:solidFill>
                   <a:srgbClr val="17B1AA"/>
                 </a:solidFill>
               </a:rPr>
               <a:t>Fencepost &amp; Sentinel Loops</a:t>
             </a:r>
-            <a:endParaRPr lang="en-US" dirty="0">
-              <a:solidFill>
-                <a:srgbClr val="17B1AA"/>
-              </a:solidFill>
-            </a:endParaRPr>
           </a:p>
         </p:txBody>
       </p:sp>
@@ -5284,11 +5139,6 @@
               </a:rPr>
               <a:t>Objectives </a:t>
             </a:r>
-            <a:endParaRPr lang="en-US" dirty="0" smtClean="0">
-              <a:solidFill>
-                <a:srgbClr val="17B1AA"/>
-              </a:solidFill>
-            </a:endParaRPr>
           </a:p>
           <a:p>
             <a:pPr lvl="1"/>
@@ -5327,11 +5177,6 @@
               </a:rPr>
               <a:t>Assessments </a:t>
             </a:r>
-            <a:endParaRPr lang="en-US" dirty="0" smtClean="0">
-              <a:solidFill>
-                <a:srgbClr val="17B1AA"/>
-              </a:solidFill>
-            </a:endParaRPr>
           </a:p>
           <a:p>
             <a:pPr lvl="1"/>
@@ -5341,15 +5186,7 @@
             </a:r>
             <a:r>
               <a:rPr lang="en-US" dirty="0"/>
-              <a:t> a mini-lesson explaining the relationship </a:t>
-            </a:r>
-            <a:r>
-              <a:rPr lang="en-US" dirty="0" smtClean="0"/>
-              <a:t>between </a:t>
-            </a:r>
-            <a:r>
-              <a:rPr lang="en-US" dirty="0"/>
-              <a:t>parameters and values stored in memory</a:t>
+              <a:t> a mini-lesson explaining the relationship between parameters and values stored in memory</a:t>
             </a:r>
           </a:p>
           <a:p>
@@ -5367,11 +5204,6 @@
               </a:rPr>
               <a:t>Homework </a:t>
             </a:r>
-            <a:endParaRPr lang="en-US" dirty="0" smtClean="0">
-              <a:solidFill>
-                <a:srgbClr val="17B1AA"/>
-              </a:solidFill>
-            </a:endParaRPr>
           </a:p>
           <a:p>
             <a:pPr lvl="1"/>
@@ -5427,10 +5259,9 @@
           <a:lstStyle/>
           <a:p>
             <a:r>
-              <a:rPr lang="en-US" smtClean="0"/>
+              <a:rPr lang="en-US"/>
               <a:t>Developed by TEALS in 2015  www.tealsk12.org</a:t>
             </a:r>
-            <a:endParaRPr lang="en-US"/>
           </a:p>
         </p:txBody>
       </p:sp>
@@ -5480,22 +5311,17 @@
           <a:lstStyle/>
           <a:p>
             <a:r>
-              <a:rPr lang="en-US" b="1" dirty="0" smtClean="0"/>
+              <a:rPr lang="en-US" b="1" dirty="0"/>
               <a:t>Lesson 3.16 </a:t>
             </a:r>
             <a:r>
-              <a:rPr lang="en-US" dirty="0" smtClean="0">
+              <a:rPr lang="en-US" dirty="0">
                 <a:solidFill>
                   <a:srgbClr val="17B1AA"/>
                 </a:solidFill>
               </a:rPr>
               <a:t>Boolean Logic</a:t>
             </a:r>
-            <a:endParaRPr lang="en-US" dirty="0">
-              <a:solidFill>
-                <a:srgbClr val="17B1AA"/>
-              </a:solidFill>
-            </a:endParaRPr>
           </a:p>
         </p:txBody>
       </p:sp>
@@ -5524,11 +5350,6 @@
               </a:rPr>
               <a:t>Objectives </a:t>
             </a:r>
-            <a:endParaRPr lang="en-US" dirty="0" smtClean="0">
-              <a:solidFill>
-                <a:srgbClr val="17B1AA"/>
-              </a:solidFill>
-            </a:endParaRPr>
           </a:p>
           <a:p>
             <a:pPr lvl="1"/>
@@ -5556,11 +5377,6 @@
               </a:rPr>
               <a:t>Assessments </a:t>
             </a:r>
-            <a:endParaRPr lang="en-US" dirty="0" smtClean="0">
-              <a:solidFill>
-                <a:srgbClr val="17B1AA"/>
-              </a:solidFill>
-            </a:endParaRPr>
           </a:p>
           <a:p>
             <a:pPr lvl="1"/>
@@ -5588,11 +5404,6 @@
               </a:rPr>
               <a:t>Homework </a:t>
             </a:r>
-            <a:endParaRPr lang="en-US" dirty="0" smtClean="0">
-              <a:solidFill>
-                <a:srgbClr val="17B1AA"/>
-              </a:solidFill>
-            </a:endParaRPr>
           </a:p>
           <a:p>
             <a:pPr lvl="1"/>
@@ -5626,10 +5437,9 @@
           <a:lstStyle/>
           <a:p>
             <a:r>
-              <a:rPr lang="en-US" smtClean="0"/>
+              <a:rPr lang="en-US"/>
               <a:t>Developed by TEALS in 2015  www.tealsk12.org</a:t>
             </a:r>
-            <a:endParaRPr lang="en-US"/>
           </a:p>
         </p:txBody>
       </p:sp>
@@ -5681,22 +5491,17 @@
           <a:lstStyle/>
           <a:p>
             <a:r>
-              <a:rPr lang="en-US" b="1" dirty="0" smtClean="0"/>
+              <a:rPr lang="en-US" b="1" dirty="0"/>
               <a:t>Lesson 3.17 </a:t>
             </a:r>
             <a:r>
-              <a:rPr lang="en-US" dirty="0" smtClean="0">
+              <a:rPr lang="en-US" dirty="0">
                 <a:solidFill>
                   <a:srgbClr val="17B1AA"/>
                 </a:solidFill>
               </a:rPr>
               <a:t>Finding and Fixing Errors</a:t>
             </a:r>
-            <a:endParaRPr lang="en-US" dirty="0">
-              <a:solidFill>
-                <a:srgbClr val="17B1AA"/>
-              </a:solidFill>
-            </a:endParaRPr>
           </a:p>
         </p:txBody>
       </p:sp>
@@ -5725,11 +5530,6 @@
               </a:rPr>
               <a:t>Objectives </a:t>
             </a:r>
-            <a:endParaRPr lang="en-US" dirty="0" smtClean="0">
-              <a:solidFill>
-                <a:srgbClr val="17B1AA"/>
-              </a:solidFill>
-            </a:endParaRPr>
           </a:p>
           <a:p>
             <a:pPr lvl="1"/>
@@ -5739,21 +5539,8 @@
             </a:r>
             <a:r>
               <a:rPr lang="en-US" dirty="0"/>
-              <a:t> errors in </a:t>
-            </a:r>
-            <a:r>
-              <a:rPr lang="en-US" dirty="0" smtClean="0"/>
-              <a:t>returned </a:t>
-            </a:r>
-            <a:r>
-              <a:rPr lang="en-US" dirty="0"/>
-              <a:t>homework </a:t>
-            </a:r>
-            <a:r>
-              <a:rPr lang="en-US" dirty="0" smtClean="0"/>
-              <a:t>assignments</a:t>
-            </a:r>
-            <a:endParaRPr lang="en-US" dirty="0"/>
+              <a:t> errors in returned homework assignments</a:t>
+            </a:r>
           </a:p>
           <a:p>
             <a:pPr lvl="1"/>
@@ -5763,13 +5550,8 @@
             </a:r>
             <a:r>
               <a:rPr lang="en-US" dirty="0"/>
-              <a:t> </a:t>
-            </a:r>
-            <a:r>
-              <a:rPr lang="en-US" dirty="0" smtClean="0"/>
-              <a:t>code</a:t>
-            </a:r>
-            <a:endParaRPr lang="en-US" dirty="0"/>
+              <a:t> code</a:t>
+            </a:r>
           </a:p>
           <a:p>
             <a:pPr marL="0" indent="0">
@@ -5786,11 +5568,6 @@
               </a:rPr>
               <a:t>Assessments </a:t>
             </a:r>
-            <a:endParaRPr lang="en-US" dirty="0" smtClean="0">
-              <a:solidFill>
-                <a:srgbClr val="17B1AA"/>
-              </a:solidFill>
-            </a:endParaRPr>
           </a:p>
           <a:p>
             <a:pPr lvl="1"/>
@@ -5818,11 +5595,6 @@
               </a:rPr>
               <a:t>Homework </a:t>
             </a:r>
-            <a:endParaRPr lang="en-US" dirty="0" smtClean="0">
-              <a:solidFill>
-                <a:srgbClr val="17B1AA"/>
-              </a:solidFill>
-            </a:endParaRPr>
           </a:p>
           <a:p>
             <a:pPr lvl="1"/>
@@ -5889,10 +5661,9 @@
           <a:lstStyle/>
           <a:p>
             <a:r>
-              <a:rPr lang="en-US" smtClean="0"/>
+              <a:rPr lang="en-US"/>
               <a:t>Developed by TEALS in 2015  www.tealsk12.org</a:t>
             </a:r>
-            <a:endParaRPr lang="en-US"/>
           </a:p>
         </p:txBody>
       </p:sp>
@@ -5942,22 +5713,17 @@
           <a:lstStyle/>
           <a:p>
             <a:r>
-              <a:rPr lang="en-US" b="1" dirty="0" smtClean="0"/>
+              <a:rPr lang="en-US" b="1" dirty="0"/>
               <a:t>Lesson 3.18 </a:t>
             </a:r>
             <a:r>
-              <a:rPr lang="en-US" dirty="0" smtClean="0">
+              <a:rPr lang="en-US" dirty="0">
                 <a:solidFill>
                   <a:srgbClr val="17B1AA"/>
                 </a:solidFill>
               </a:rPr>
               <a:t>Review</a:t>
             </a:r>
-            <a:endParaRPr lang="en-US" dirty="0">
-              <a:solidFill>
-                <a:srgbClr val="17B1AA"/>
-              </a:solidFill>
-            </a:endParaRPr>
           </a:p>
         </p:txBody>
       </p:sp>
@@ -5986,41 +5752,16 @@
               </a:rPr>
               <a:t>Objectives </a:t>
             </a:r>
-            <a:endParaRPr lang="en-US" dirty="0" smtClean="0">
-              <a:solidFill>
-                <a:srgbClr val="17B1AA"/>
-              </a:solidFill>
-            </a:endParaRPr>
-          </a:p>
-          <a:p>
-            <a:pPr lvl="1"/>
-            <a:r>
-              <a:rPr lang="en-US" b="1" dirty="0" smtClean="0"/>
+          </a:p>
+          <a:p>
+            <a:pPr lvl="1"/>
+            <a:r>
+              <a:rPr lang="en-US" b="1" dirty="0"/>
               <a:t>Identify</a:t>
             </a:r>
             <a:r>
-              <a:rPr lang="en-US" dirty="0" smtClean="0"/>
-              <a:t> </a:t>
-            </a:r>
-            <a:r>
-              <a:rPr lang="en-US" dirty="0"/>
-              <a:t>weaknesses in </a:t>
-            </a:r>
-            <a:r>
-              <a:rPr lang="en-US" dirty="0" smtClean="0"/>
-              <a:t>Unit </a:t>
-            </a:r>
-            <a:r>
-              <a:rPr lang="en-US" dirty="0"/>
-              <a:t>2</a:t>
-            </a:r>
-            <a:r>
-              <a:rPr lang="en-US" dirty="0" smtClean="0"/>
-              <a:t> </a:t>
-            </a:r>
-            <a:r>
-              <a:rPr lang="en-US" dirty="0"/>
-              <a:t>knowledge.</a:t>
+              <a:rPr lang="en-US" dirty="0"/>
+              <a:t> weaknesses in Unit 2 knowledge.</a:t>
             </a:r>
           </a:p>
           <a:p>
@@ -6038,25 +5779,16 @@
               </a:rPr>
               <a:t>Assessments </a:t>
             </a:r>
-            <a:endParaRPr lang="en-US" dirty="0" smtClean="0">
-              <a:solidFill>
-                <a:srgbClr val="17B1AA"/>
-              </a:solidFill>
-            </a:endParaRPr>
-          </a:p>
-          <a:p>
-            <a:pPr lvl="1"/>
-            <a:r>
-              <a:rPr lang="en-US" b="1" dirty="0" smtClean="0"/>
+          </a:p>
+          <a:p>
+            <a:pPr lvl="1"/>
+            <a:r>
+              <a:rPr lang="en-US" b="1" dirty="0"/>
               <a:t>Create</a:t>
             </a:r>
             <a:r>
-              <a:rPr lang="en-US" dirty="0" smtClean="0"/>
-              <a:t> </a:t>
-            </a:r>
-            <a:r>
-              <a:rPr lang="en-US" dirty="0"/>
-              <a:t>a personalized list of review topics to guide tonight’s study session.</a:t>
+              <a:rPr lang="en-US" dirty="0"/>
+              <a:t> a personalized list of review topics to guide tonight’s study session.</a:t>
             </a:r>
           </a:p>
           <a:p>
@@ -6074,25 +5806,16 @@
               </a:rPr>
               <a:t>Homework </a:t>
             </a:r>
-            <a:endParaRPr lang="en-US" dirty="0" smtClean="0">
-              <a:solidFill>
-                <a:srgbClr val="17B1AA"/>
-              </a:solidFill>
-            </a:endParaRPr>
-          </a:p>
-          <a:p>
-            <a:pPr lvl="1"/>
-            <a:r>
-              <a:rPr lang="en-US" b="1" dirty="0" smtClean="0"/>
+          </a:p>
+          <a:p>
+            <a:pPr lvl="1"/>
+            <a:r>
+              <a:rPr lang="en-US" b="1" dirty="0"/>
               <a:t>Study</a:t>
             </a:r>
             <a:r>
-              <a:rPr lang="en-US" dirty="0" smtClean="0"/>
-              <a:t> </a:t>
-            </a:r>
-            <a:r>
-              <a:rPr lang="en-US" dirty="0"/>
-              <a:t>for tomorrow’s test!</a:t>
+              <a:rPr lang="en-US" dirty="0"/>
+              <a:t> for tomorrow’s test!</a:t>
             </a:r>
           </a:p>
           <a:p>
@@ -6116,10 +5839,9 @@
           <a:lstStyle/>
           <a:p>
             <a:r>
-              <a:rPr lang="en-US" smtClean="0"/>
+              <a:rPr lang="en-US"/>
               <a:t>Developed by TEALS in 2015  www.tealsk12.org</a:t>
             </a:r>
-            <a:endParaRPr lang="en-US"/>
           </a:p>
         </p:txBody>
       </p:sp>
@@ -6171,88 +5893,78 @@
           <a:lstStyle/>
           <a:p>
             <a:r>
-              <a:rPr lang="en-US" b="1" dirty="0" smtClean="0"/>
+              <a:rPr lang="en-US" b="1" dirty="0"/>
               <a:t>Lesson 3.1 </a:t>
             </a:r>
             <a:r>
-              <a:rPr lang="en-US" dirty="0" smtClean="0">
+              <a:rPr lang="en-US" dirty="0">
                 <a:solidFill>
                   <a:srgbClr val="17B1AA"/>
                 </a:solidFill>
               </a:rPr>
               <a:t>Parameters</a:t>
             </a:r>
+          </a:p>
+        </p:txBody>
+      </p:sp>
+      <p:sp>
+        <p:nvSpPr>
+          <p:cNvPr id="3" name="Content Placeholder 2"/>
+          <p:cNvSpPr>
+            <a:spLocks noGrp="1"/>
+          </p:cNvSpPr>
+          <p:nvPr>
+            <p:ph idx="1"/>
+          </p:nvPr>
+        </p:nvSpPr>
+        <p:spPr/>
+        <p:txBody>
+          <a:bodyPr>
+            <a:normAutofit fontScale="77500" lnSpcReduction="20000"/>
+          </a:bodyPr>
+          <a:lstStyle/>
+          <a:p>
+            <a:r>
+              <a:rPr lang="en-US" dirty="0">
+                <a:solidFill>
+                  <a:srgbClr val="17B1AA"/>
+                </a:solidFill>
+              </a:rPr>
+              <a:t>Objectives </a:t>
+            </a:r>
+          </a:p>
+          <a:p>
+            <a:pPr lvl="1"/>
+            <a:r>
+              <a:rPr lang="en-US" b="1" dirty="0"/>
+              <a:t>Correctly construct</a:t>
+            </a:r>
+            <a:r>
+              <a:rPr lang="en-US" dirty="0"/>
+              <a:t> formal and actual parameters (arguments).</a:t>
+            </a:r>
+          </a:p>
+          <a:p>
+            <a:pPr lvl="1"/>
+            <a:r>
+              <a:rPr lang="en-US" b="1" dirty="0"/>
+              <a:t>Predict</a:t>
+            </a:r>
+            <a:r>
+              <a:rPr lang="en-US" dirty="0"/>
+              <a:t> output of programs that use parameters</a:t>
+            </a:r>
+          </a:p>
+          <a:p>
             <a:endParaRPr lang="en-US" dirty="0">
               <a:solidFill>
                 <a:srgbClr val="17B1AA"/>
               </a:solidFill>
             </a:endParaRPr>
           </a:p>
-        </p:txBody>
-      </p:sp>
-      <p:sp>
-        <p:nvSpPr>
-          <p:cNvPr id="3" name="Content Placeholder 2"/>
-          <p:cNvSpPr>
-            <a:spLocks noGrp="1"/>
-          </p:cNvSpPr>
-          <p:nvPr>
-            <p:ph idx="1"/>
-          </p:nvPr>
-        </p:nvSpPr>
-        <p:spPr/>
-        <p:txBody>
-          <a:bodyPr>
-            <a:normAutofit fontScale="77500" lnSpcReduction="20000"/>
-          </a:bodyPr>
-          <a:lstStyle/>
           <a:p>
             <a:r>
               <a:rPr lang="en-US" dirty="0">
-                <a:solidFill>
-                  <a:srgbClr val="17B1AA"/>
-                </a:solidFill>
-              </a:rPr>
-              <a:t>Objectives </a:t>
-            </a:r>
-            <a:endParaRPr lang="en-US" dirty="0" smtClean="0">
-              <a:solidFill>
-                <a:srgbClr val="17B1AA"/>
-              </a:solidFill>
-            </a:endParaRPr>
-          </a:p>
-          <a:p>
-            <a:pPr lvl="1"/>
-            <a:r>
-              <a:rPr lang="en-US" b="1" dirty="0"/>
-              <a:t>Correctly construct</a:t>
-            </a:r>
-            <a:r>
-              <a:rPr lang="en-US" dirty="0"/>
-              <a:t> formal and actual parameters (arguments).</a:t>
-            </a:r>
-          </a:p>
-          <a:p>
-            <a:pPr lvl="1"/>
-            <a:r>
-              <a:rPr lang="en-US" b="1" dirty="0"/>
-              <a:t>Predict</a:t>
-            </a:r>
-            <a:r>
-              <a:rPr lang="en-US" dirty="0"/>
-              <a:t> output of programs that use parameters</a:t>
-            </a:r>
-          </a:p>
-          <a:p>
-            <a:endParaRPr lang="en-US" dirty="0" smtClean="0">
-              <a:solidFill>
-                <a:srgbClr val="17B1AA"/>
-              </a:solidFill>
-            </a:endParaRPr>
-          </a:p>
-          <a:p>
-            <a:r>
-              <a:rPr lang="en-US" dirty="0" smtClean="0">
                 <a:solidFill>
                   <a:srgbClr val="17B1AA"/>
                 </a:solidFill>
@@ -6279,7 +5991,7 @@
             </a:r>
             <a:r>
               <a:rPr lang="en-US" dirty="0"/>
-              <a:t> Practice-It questions</a:t>
+              <a:t> Practice questions</a:t>
             </a:r>
           </a:p>
           <a:p>
@@ -6297,11 +6009,6 @@
               </a:rPr>
               <a:t>Homework </a:t>
             </a:r>
-            <a:endParaRPr lang="en-US" dirty="0" smtClean="0">
-              <a:solidFill>
-                <a:srgbClr val="17B1AA"/>
-              </a:solidFill>
-            </a:endParaRPr>
           </a:p>
           <a:p>
             <a:pPr lvl="1"/>
@@ -6311,15 +6018,7 @@
             </a:r>
             <a:r>
               <a:rPr lang="en-US" dirty="0"/>
-              <a:t> HW 3.1 “Limitations of Parameters” and “Multiple </a:t>
-            </a:r>
-            <a:r>
-              <a:rPr lang="en-US" dirty="0" smtClean="0"/>
-              <a:t>Parameters</a:t>
-            </a:r>
-            <a:r>
-              <a:rPr lang="en-US" dirty="0"/>
-              <a:t>”</a:t>
+              <a:t> HW 3.1 “Limitations of Parameters” and “Multiple Parameters”</a:t>
             </a:r>
           </a:p>
           <a:p>
@@ -6354,10 +6053,9 @@
           <a:lstStyle/>
           <a:p>
             <a:r>
-              <a:rPr lang="en-US" smtClean="0"/>
+              <a:rPr lang="en-US"/>
               <a:t>Developed by TEALS in 2015  www.tealsk12.org</a:t>
             </a:r>
-            <a:endParaRPr lang="en-US"/>
           </a:p>
         </p:txBody>
       </p:sp>
@@ -6409,22 +6107,17 @@
           <a:lstStyle/>
           <a:p>
             <a:r>
-              <a:rPr lang="en-US" b="1" dirty="0" smtClean="0"/>
+              <a:rPr lang="en-US" b="1" dirty="0"/>
               <a:t>Lesson 3.2 </a:t>
             </a:r>
             <a:r>
-              <a:rPr lang="en-US" dirty="0" smtClean="0">
+              <a:rPr lang="en-US" dirty="0">
                 <a:solidFill>
                   <a:srgbClr val="17B1AA"/>
                 </a:solidFill>
               </a:rPr>
               <a:t>Limitations of Parameters &amp; Multiple Parameters</a:t>
             </a:r>
-            <a:endParaRPr lang="en-US" dirty="0">
-              <a:solidFill>
-                <a:srgbClr val="17B1AA"/>
-              </a:solidFill>
-            </a:endParaRPr>
           </a:p>
         </p:txBody>
       </p:sp>
@@ -6453,11 +6146,6 @@
               </a:rPr>
               <a:t>Objectives </a:t>
             </a:r>
-            <a:endParaRPr lang="en-US" dirty="0" smtClean="0">
-              <a:solidFill>
-                <a:srgbClr val="17B1AA"/>
-              </a:solidFill>
-            </a:endParaRPr>
           </a:p>
           <a:p>
             <a:pPr lvl="1"/>
@@ -6485,11 +6173,6 @@
               </a:rPr>
               <a:t>Assessments </a:t>
             </a:r>
-            <a:endParaRPr lang="en-US" dirty="0" smtClean="0">
-              <a:solidFill>
-                <a:srgbClr val="17B1AA"/>
-              </a:solidFill>
-            </a:endParaRPr>
           </a:p>
           <a:p>
             <a:pPr lvl="1"/>
@@ -6515,11 +6198,6 @@
               </a:rPr>
               <a:t>Homework </a:t>
             </a:r>
-            <a:endParaRPr lang="en-US" dirty="0" smtClean="0">
-              <a:solidFill>
-                <a:srgbClr val="17B1AA"/>
-              </a:solidFill>
-            </a:endParaRPr>
           </a:p>
           <a:p>
             <a:pPr lvl="1"/>
@@ -6564,10 +6242,9 @@
           <a:lstStyle/>
           <a:p>
             <a:r>
-              <a:rPr lang="en-US" smtClean="0"/>
+              <a:rPr lang="en-US"/>
               <a:t>Developed by TEALS in 2015  www.tealsk12.org</a:t>
             </a:r>
-            <a:endParaRPr lang="en-US"/>
           </a:p>
         </p:txBody>
       </p:sp>
@@ -6619,77 +6296,67 @@
           <a:lstStyle/>
           <a:p>
             <a:r>
-              <a:rPr lang="en-US" b="1" dirty="0" smtClean="0"/>
+              <a:rPr lang="en-US" b="1" dirty="0"/>
               <a:t>Lesson 3.3 </a:t>
             </a:r>
             <a:r>
-              <a:rPr lang="en-US" dirty="0" smtClean="0">
+              <a:rPr lang="en-US" dirty="0">
                 <a:solidFill>
                   <a:srgbClr val="17B1AA"/>
                 </a:solidFill>
               </a:rPr>
               <a:t>Return Values</a:t>
             </a:r>
+          </a:p>
+        </p:txBody>
+      </p:sp>
+      <p:sp>
+        <p:nvSpPr>
+          <p:cNvPr id="3" name="Content Placeholder 2"/>
+          <p:cNvSpPr>
+            <a:spLocks noGrp="1"/>
+          </p:cNvSpPr>
+          <p:nvPr>
+            <p:ph idx="1"/>
+          </p:nvPr>
+        </p:nvSpPr>
+        <p:spPr/>
+        <p:txBody>
+          <a:bodyPr>
+            <a:normAutofit fontScale="92500" lnSpcReduction="20000"/>
+          </a:bodyPr>
+          <a:lstStyle/>
+          <a:p>
+            <a:r>
+              <a:rPr lang="en-US" dirty="0">
+                <a:solidFill>
+                  <a:srgbClr val="17B1AA"/>
+                </a:solidFill>
+              </a:rPr>
+              <a:t>Objectives </a:t>
+            </a:r>
+          </a:p>
+          <a:p>
+            <a:pPr lvl="1"/>
+            <a:r>
+              <a:rPr lang="en-US" b="1" dirty="0"/>
+              <a:t>Write</a:t>
+            </a:r>
+            <a:r>
+              <a:rPr lang="en-US" dirty="0"/>
+              <a:t> a program that returns values.</a:t>
+            </a:r>
+          </a:p>
+          <a:p>
             <a:endParaRPr lang="en-US" dirty="0">
               <a:solidFill>
                 <a:srgbClr val="17B1AA"/>
               </a:solidFill>
             </a:endParaRPr>
           </a:p>
-        </p:txBody>
-      </p:sp>
-      <p:sp>
-        <p:nvSpPr>
-          <p:cNvPr id="3" name="Content Placeholder 2"/>
-          <p:cNvSpPr>
-            <a:spLocks noGrp="1"/>
-          </p:cNvSpPr>
-          <p:nvPr>
-            <p:ph idx="1"/>
-          </p:nvPr>
-        </p:nvSpPr>
-        <p:spPr/>
-        <p:txBody>
-          <a:bodyPr>
-            <a:normAutofit fontScale="92500" lnSpcReduction="20000"/>
-          </a:bodyPr>
-          <a:lstStyle/>
           <a:p>
             <a:r>
               <a:rPr lang="en-US" dirty="0">
-                <a:solidFill>
-                  <a:srgbClr val="17B1AA"/>
-                </a:solidFill>
-              </a:rPr>
-              <a:t>Objectives </a:t>
-            </a:r>
-            <a:endParaRPr lang="en-US" dirty="0" smtClean="0">
-              <a:solidFill>
-                <a:srgbClr val="17B1AA"/>
-              </a:solidFill>
-            </a:endParaRPr>
-          </a:p>
-          <a:p>
-            <a:pPr lvl="1"/>
-            <a:r>
-              <a:rPr lang="en-US" b="1" dirty="0"/>
-              <a:t>Write</a:t>
-            </a:r>
-            <a:r>
-              <a:rPr lang="en-US" dirty="0"/>
-              <a:t> a program that returns values.</a:t>
-            </a:r>
-          </a:p>
-          <a:p>
-            <a:endParaRPr lang="en-US" dirty="0" smtClean="0">
-              <a:solidFill>
-                <a:srgbClr val="17B1AA"/>
-              </a:solidFill>
-            </a:endParaRPr>
-          </a:p>
-          <a:p>
-            <a:r>
-              <a:rPr lang="en-US" dirty="0" smtClean="0">
                 <a:solidFill>
                   <a:srgbClr val="17B1AA"/>
                 </a:solidFill>
@@ -6705,7 +6372,7 @@
             </a:r>
             <a:r>
               <a:rPr lang="en-US" dirty="0"/>
-              <a:t> Practice-It questions</a:t>
+              <a:t> Practice questions</a:t>
             </a:r>
           </a:p>
           <a:p>
@@ -6734,11 +6401,6 @@
               </a:rPr>
               <a:t>Homework </a:t>
             </a:r>
-            <a:endParaRPr lang="en-US" dirty="0" smtClean="0">
-              <a:solidFill>
-                <a:srgbClr val="17B1AA"/>
-              </a:solidFill>
-            </a:endParaRPr>
           </a:p>
           <a:p>
             <a:pPr lvl="1"/>
@@ -6772,10 +6434,9 @@
           <a:lstStyle/>
           <a:p>
             <a:r>
-              <a:rPr lang="en-US" smtClean="0"/>
+              <a:rPr lang="en-US"/>
               <a:t>Developed by TEALS in 2015  www.tealsk12.org</a:t>
             </a:r>
-            <a:endParaRPr lang="en-US"/>
           </a:p>
         </p:txBody>
       </p:sp>
@@ -6827,77 +6488,67 @@
           <a:lstStyle/>
           <a:p>
             <a:r>
-              <a:rPr lang="en-US" b="1" dirty="0" smtClean="0"/>
+              <a:rPr lang="en-US" b="1" dirty="0"/>
               <a:t>Lesson 3.4 </a:t>
             </a:r>
             <a:r>
-              <a:rPr lang="en-US" dirty="0" smtClean="0">
+              <a:rPr lang="en-US" dirty="0">
                 <a:solidFill>
                   <a:srgbClr val="17B1AA"/>
                 </a:solidFill>
               </a:rPr>
               <a:t>Programming Project</a:t>
             </a:r>
+          </a:p>
+        </p:txBody>
+      </p:sp>
+      <p:sp>
+        <p:nvSpPr>
+          <p:cNvPr id="3" name="Content Placeholder 2"/>
+          <p:cNvSpPr>
+            <a:spLocks noGrp="1"/>
+          </p:cNvSpPr>
+          <p:nvPr>
+            <p:ph idx="1"/>
+          </p:nvPr>
+        </p:nvSpPr>
+        <p:spPr/>
+        <p:txBody>
+          <a:bodyPr>
+            <a:normAutofit fontScale="85000" lnSpcReduction="20000"/>
+          </a:bodyPr>
+          <a:lstStyle/>
+          <a:p>
+            <a:r>
+              <a:rPr lang="en-US" dirty="0">
+                <a:solidFill>
+                  <a:srgbClr val="17B1AA"/>
+                </a:solidFill>
+              </a:rPr>
+              <a:t>Objectives </a:t>
+            </a:r>
+          </a:p>
+          <a:p>
+            <a:pPr lvl="1"/>
+            <a:r>
+              <a:rPr lang="en-US" b="1" dirty="0"/>
+              <a:t>Write</a:t>
+            </a:r>
+            <a:r>
+              <a:rPr lang="en-US" dirty="0"/>
+              <a:t> a program that uses parameters, the math class, and returns values. </a:t>
+            </a:r>
+          </a:p>
+          <a:p>
             <a:endParaRPr lang="en-US" dirty="0">
               <a:solidFill>
                 <a:srgbClr val="17B1AA"/>
               </a:solidFill>
             </a:endParaRPr>
           </a:p>
-        </p:txBody>
-      </p:sp>
-      <p:sp>
-        <p:nvSpPr>
-          <p:cNvPr id="3" name="Content Placeholder 2"/>
-          <p:cNvSpPr>
-            <a:spLocks noGrp="1"/>
-          </p:cNvSpPr>
-          <p:nvPr>
-            <p:ph idx="1"/>
-          </p:nvPr>
-        </p:nvSpPr>
-        <p:spPr/>
-        <p:txBody>
-          <a:bodyPr>
-            <a:normAutofit fontScale="85000" lnSpcReduction="20000"/>
-          </a:bodyPr>
-          <a:lstStyle/>
           <a:p>
             <a:r>
               <a:rPr lang="en-US" dirty="0">
-                <a:solidFill>
-                  <a:srgbClr val="17B1AA"/>
-                </a:solidFill>
-              </a:rPr>
-              <a:t>Objectives </a:t>
-            </a:r>
-            <a:endParaRPr lang="en-US" dirty="0" smtClean="0">
-              <a:solidFill>
-                <a:srgbClr val="17B1AA"/>
-              </a:solidFill>
-            </a:endParaRPr>
-          </a:p>
-          <a:p>
-            <a:pPr lvl="1"/>
-            <a:r>
-              <a:rPr lang="en-US" b="1" dirty="0"/>
-              <a:t>Write</a:t>
-            </a:r>
-            <a:r>
-              <a:rPr lang="en-US" dirty="0"/>
-              <a:t> a program that uses parameters, the math class, and returns values. </a:t>
-            </a:r>
-          </a:p>
-          <a:p>
-            <a:endParaRPr lang="en-US" dirty="0" smtClean="0">
-              <a:solidFill>
-                <a:srgbClr val="17B1AA"/>
-              </a:solidFill>
-            </a:endParaRPr>
-          </a:p>
-          <a:p>
-            <a:r>
-              <a:rPr lang="en-US" dirty="0" smtClean="0">
                 <a:solidFill>
                   <a:srgbClr val="17B1AA"/>
                 </a:solidFill>
@@ -6939,11 +6590,6 @@
               </a:rPr>
               <a:t>Homework </a:t>
             </a:r>
-            <a:endParaRPr lang="en-US" dirty="0" smtClean="0">
-              <a:solidFill>
-                <a:srgbClr val="17B1AA"/>
-              </a:solidFill>
-            </a:endParaRPr>
           </a:p>
           <a:p>
             <a:pPr lvl="1"/>
@@ -6988,10 +6634,9 @@
           <a:lstStyle/>
           <a:p>
             <a:r>
-              <a:rPr lang="en-US" smtClean="0"/>
+              <a:rPr lang="en-US"/>
               <a:t>Developed by TEALS in 2015  www.tealsk12.org</a:t>
             </a:r>
-            <a:endParaRPr lang="en-US"/>
           </a:p>
         </p:txBody>
       </p:sp>
@@ -7043,22 +6688,17 @@
           <a:lstStyle/>
           <a:p>
             <a:r>
-              <a:rPr lang="en-US" b="1" dirty="0" smtClean="0"/>
+              <a:rPr lang="en-US" b="1" dirty="0"/>
               <a:t>Lesson 3.5 </a:t>
             </a:r>
             <a:r>
-              <a:rPr lang="en-US" dirty="0" smtClean="0">
+              <a:rPr lang="en-US" dirty="0">
                 <a:solidFill>
                   <a:srgbClr val="17B1AA"/>
                 </a:solidFill>
               </a:rPr>
               <a:t>Using Objects and String Processing</a:t>
             </a:r>
-            <a:endParaRPr lang="en-US" dirty="0">
-              <a:solidFill>
-                <a:srgbClr val="17B1AA"/>
-              </a:solidFill>
-            </a:endParaRPr>
           </a:p>
         </p:txBody>
       </p:sp>
@@ -7087,11 +6727,6 @@
               </a:rPr>
               <a:t>Objectives </a:t>
             </a:r>
-            <a:endParaRPr lang="en-US" dirty="0" smtClean="0">
-              <a:solidFill>
-                <a:srgbClr val="17B1AA"/>
-              </a:solidFill>
-            </a:endParaRPr>
           </a:p>
           <a:p>
             <a:pPr lvl="1"/>
@@ -7130,11 +6765,6 @@
               </a:rPr>
               <a:t>Assessments </a:t>
             </a:r>
-            <a:endParaRPr lang="en-US" dirty="0" smtClean="0">
-              <a:solidFill>
-                <a:srgbClr val="17B1AA"/>
-              </a:solidFill>
-            </a:endParaRPr>
           </a:p>
           <a:p>
             <a:pPr lvl="1"/>
@@ -7162,11 +6792,6 @@
               </a:rPr>
               <a:t>Homework </a:t>
             </a:r>
-            <a:endParaRPr lang="en-US" dirty="0" smtClean="0">
-              <a:solidFill>
-                <a:srgbClr val="17B1AA"/>
-              </a:solidFill>
-            </a:endParaRPr>
           </a:p>
           <a:p>
             <a:pPr lvl="1"/>
@@ -7211,10 +6836,9 @@
           <a:lstStyle/>
           <a:p>
             <a:r>
-              <a:rPr lang="en-US" smtClean="0"/>
+              <a:rPr lang="en-US"/>
               <a:t>Developed by TEALS in 2015  www.tealsk12.org</a:t>
             </a:r>
-            <a:endParaRPr lang="en-US"/>
           </a:p>
         </p:txBody>
       </p:sp>
@@ -7266,85 +6890,67 @@
           <a:lstStyle/>
           <a:p>
             <a:r>
-              <a:rPr lang="en-US" b="1" dirty="0" smtClean="0"/>
-              <a:t>Lesson </a:t>
-            </a:r>
-            <a:r>
-              <a:rPr lang="en-US" b="1" dirty="0"/>
-              <a:t>3</a:t>
-            </a:r>
-            <a:r>
-              <a:rPr lang="en-US" b="1" dirty="0" smtClean="0"/>
-              <a:t>.6 </a:t>
-            </a:r>
-            <a:r>
-              <a:rPr lang="en-US" dirty="0" smtClean="0">
+              <a:rPr lang="en-US" b="1" dirty="0"/>
+              <a:t>Lesson 3.6 </a:t>
+            </a:r>
+            <a:r>
+              <a:rPr lang="en-US" dirty="0">
                 <a:solidFill>
                   <a:srgbClr val="17B1AA"/>
                 </a:solidFill>
               </a:rPr>
               <a:t>Interactive Programs &amp; Scanner Objects</a:t>
             </a:r>
+          </a:p>
+        </p:txBody>
+      </p:sp>
+      <p:sp>
+        <p:nvSpPr>
+          <p:cNvPr id="3" name="Content Placeholder 2"/>
+          <p:cNvSpPr>
+            <a:spLocks noGrp="1"/>
+          </p:cNvSpPr>
+          <p:nvPr>
+            <p:ph idx="1"/>
+          </p:nvPr>
+        </p:nvSpPr>
+        <p:spPr/>
+        <p:txBody>
+          <a:bodyPr>
+            <a:normAutofit fontScale="92500" lnSpcReduction="10000"/>
+          </a:bodyPr>
+          <a:lstStyle/>
+          <a:p>
+            <a:r>
+              <a:rPr lang="en-US" dirty="0">
+                <a:solidFill>
+                  <a:srgbClr val="17B1AA"/>
+                </a:solidFill>
+              </a:rPr>
+              <a:t>Objectives </a:t>
+            </a:r>
+          </a:p>
+          <a:p>
+            <a:pPr lvl="1"/>
+            <a:r>
+              <a:rPr lang="en-US" b="1" dirty="0"/>
+              <a:t>Write</a:t>
+            </a:r>
+            <a:r>
+              <a:rPr lang="en-US" dirty="0"/>
+              <a:t> programs that accept user input using a scanner object.</a:t>
+            </a:r>
+          </a:p>
+          <a:p>
             <a:endParaRPr lang="en-US" dirty="0">
               <a:solidFill>
                 <a:srgbClr val="17B1AA"/>
               </a:solidFill>
             </a:endParaRPr>
           </a:p>
-        </p:txBody>
-      </p:sp>
-      <p:sp>
-        <p:nvSpPr>
-          <p:cNvPr id="3" name="Content Placeholder 2"/>
-          <p:cNvSpPr>
-            <a:spLocks noGrp="1"/>
-          </p:cNvSpPr>
-          <p:nvPr>
-            <p:ph idx="1"/>
-          </p:nvPr>
-        </p:nvSpPr>
-        <p:spPr/>
-        <p:txBody>
-          <a:bodyPr>
-            <a:normAutofit fontScale="92500" lnSpcReduction="10000"/>
-          </a:bodyPr>
-          <a:lstStyle/>
           <a:p>
             <a:r>
               <a:rPr lang="en-US" dirty="0">
-                <a:solidFill>
-                  <a:srgbClr val="17B1AA"/>
-                </a:solidFill>
-              </a:rPr>
-              <a:t>Objectives </a:t>
-            </a:r>
-            <a:endParaRPr lang="en-US" dirty="0" smtClean="0">
-              <a:solidFill>
-                <a:srgbClr val="17B1AA"/>
-              </a:solidFill>
-            </a:endParaRPr>
-          </a:p>
-          <a:p>
-            <a:pPr lvl="1"/>
-            <a:r>
-              <a:rPr lang="en-US" b="1" dirty="0"/>
-              <a:t>Write</a:t>
-            </a:r>
-            <a:r>
-              <a:rPr lang="en-US" dirty="0"/>
-              <a:t> programs that accept user input using a scanner object.</a:t>
-            </a:r>
-          </a:p>
-          <a:p>
-            <a:endParaRPr lang="en-US" dirty="0" smtClean="0">
-              <a:solidFill>
-                <a:srgbClr val="17B1AA"/>
-              </a:solidFill>
-            </a:endParaRPr>
-          </a:p>
-          <a:p>
-            <a:r>
-              <a:rPr lang="en-US" dirty="0" smtClean="0">
                 <a:solidFill>
                   <a:srgbClr val="17B1AA"/>
                 </a:solidFill>
@@ -7360,7 +6966,7 @@
             </a:r>
             <a:r>
               <a:rPr lang="en-US" dirty="0"/>
-              <a:t> Practice-It problems</a:t>
+              <a:t> Practice problems</a:t>
             </a:r>
           </a:p>
           <a:p>
@@ -7378,11 +6984,6 @@
               </a:rPr>
               <a:t>Homework </a:t>
             </a:r>
-            <a:endParaRPr lang="en-US" dirty="0" smtClean="0">
-              <a:solidFill>
-                <a:srgbClr val="17B1AA"/>
-              </a:solidFill>
-            </a:endParaRPr>
           </a:p>
           <a:p>
             <a:pPr lvl="1"/>
@@ -7416,10 +7017,9 @@
           <a:lstStyle/>
           <a:p>
             <a:r>
-              <a:rPr lang="en-US" smtClean="0"/>
+              <a:rPr lang="en-US"/>
               <a:t>Developed by TEALS in 2015  www.tealsk12.org</a:t>
             </a:r>
-            <a:endParaRPr lang="en-US"/>
           </a:p>
         </p:txBody>
       </p:sp>
@@ -7471,22 +7071,17 @@
           <a:lstStyle/>
           <a:p>
             <a:r>
-              <a:rPr lang="en-US" b="1" dirty="0" smtClean="0"/>
+              <a:rPr lang="en-US" b="1" dirty="0"/>
               <a:t>Lesson 3.7 </a:t>
             </a:r>
             <a:r>
-              <a:rPr lang="en-US" dirty="0" smtClean="0">
+              <a:rPr lang="en-US" dirty="0">
                 <a:solidFill>
                   <a:srgbClr val="17B1AA"/>
                 </a:solidFill>
               </a:rPr>
               <a:t>Pokémon Battle Programming Project</a:t>
             </a:r>
-            <a:endParaRPr lang="en-US" dirty="0">
-              <a:solidFill>
-                <a:srgbClr val="17B1AA"/>
-              </a:solidFill>
-            </a:endParaRPr>
           </a:p>
         </p:txBody>
       </p:sp>
@@ -7515,11 +7110,6 @@
               </a:rPr>
               <a:t>Objectives </a:t>
             </a:r>
-            <a:endParaRPr lang="en-US" dirty="0" smtClean="0">
-              <a:solidFill>
-                <a:srgbClr val="17B1AA"/>
-              </a:solidFill>
-            </a:endParaRPr>
           </a:p>
           <a:p>
             <a:pPr lvl="1"/>
@@ -7547,11 +7137,6 @@
               </a:rPr>
               <a:t>Assessments </a:t>
             </a:r>
-            <a:endParaRPr lang="en-US" dirty="0" smtClean="0">
-              <a:solidFill>
-                <a:srgbClr val="17B1AA"/>
-              </a:solidFill>
-            </a:endParaRPr>
           </a:p>
           <a:p>
             <a:pPr lvl="1"/>
@@ -7579,11 +7164,6 @@
               </a:rPr>
               <a:t>Homework </a:t>
             </a:r>
-            <a:endParaRPr lang="en-US" dirty="0" smtClean="0">
-              <a:solidFill>
-                <a:srgbClr val="17B1AA"/>
-              </a:solidFill>
-            </a:endParaRPr>
           </a:p>
           <a:p>
             <a:pPr lvl="1"/>
@@ -7593,15 +7173,7 @@
             </a:r>
             <a:r>
               <a:rPr lang="en-US" dirty="0"/>
-              <a:t> </a:t>
-            </a:r>
-            <a:r>
-              <a:rPr lang="en-US" dirty="0" smtClean="0"/>
-              <a:t>class </a:t>
-            </a:r>
-            <a:r>
-              <a:rPr lang="en-US" dirty="0"/>
-              <a:t>notes since the last exam</a:t>
+              <a:t> class notes since the last exam</a:t>
             </a:r>
           </a:p>
           <a:p>
@@ -7625,10 +7197,9 @@
           <a:lstStyle/>
           <a:p>
             <a:r>
-              <a:rPr lang="en-US" smtClean="0"/>
+              <a:rPr lang="en-US"/>
               <a:t>Developed by TEALS in 2015  www.tealsk12.org</a:t>
             </a:r>
-            <a:endParaRPr lang="en-US"/>
           </a:p>
         </p:txBody>
       </p:sp>
@@ -7680,22 +7251,17 @@
           <a:lstStyle/>
           <a:p>
             <a:r>
-              <a:rPr lang="en-US" b="1" dirty="0" smtClean="0"/>
+              <a:rPr lang="en-US" b="1" dirty="0"/>
               <a:t>Lesson 3.8 </a:t>
             </a:r>
             <a:r>
-              <a:rPr lang="en-US" dirty="0" smtClean="0">
+              <a:rPr lang="en-US" dirty="0">
                 <a:solidFill>
                   <a:srgbClr val="17B1AA"/>
                 </a:solidFill>
               </a:rPr>
               <a:t>Finding and Fixing Errors</a:t>
             </a:r>
-            <a:endParaRPr lang="en-US" dirty="0">
-              <a:solidFill>
-                <a:srgbClr val="17B1AA"/>
-              </a:solidFill>
-            </a:endParaRPr>
           </a:p>
         </p:txBody>
       </p:sp>
@@ -7724,11 +7290,6 @@
               </a:rPr>
               <a:t>Objectives </a:t>
             </a:r>
-            <a:endParaRPr lang="en-US" dirty="0" smtClean="0">
-              <a:solidFill>
-                <a:srgbClr val="17B1AA"/>
-              </a:solidFill>
-            </a:endParaRPr>
           </a:p>
           <a:p>
             <a:pPr lvl="1"/>
@@ -7767,11 +7328,6 @@
               </a:rPr>
               <a:t>Assessments </a:t>
             </a:r>
-            <a:endParaRPr lang="en-US" dirty="0" smtClean="0">
-              <a:solidFill>
-                <a:srgbClr val="17B1AA"/>
-              </a:solidFill>
-            </a:endParaRPr>
           </a:p>
           <a:p>
             <a:pPr lvl="1"/>
@@ -7799,11 +7355,6 @@
               </a:rPr>
               <a:t>Homework </a:t>
             </a:r>
-            <a:endParaRPr lang="en-US" dirty="0" smtClean="0">
-              <a:solidFill>
-                <a:srgbClr val="17B1AA"/>
-              </a:solidFill>
-            </a:endParaRPr>
           </a:p>
           <a:p>
             <a:pPr lvl="1"/>
@@ -7848,10 +7399,9 @@
           <a:lstStyle/>
           <a:p>
             <a:r>
-              <a:rPr lang="en-US" smtClean="0"/>
+              <a:rPr lang="en-US"/>
               <a:t>Developed by TEALS in 2015  www.tealsk12.org</a:t>
             </a:r>
-            <a:endParaRPr lang="en-US"/>
           </a:p>
         </p:txBody>
       </p:sp>
@@ -8829,15 +8379,6 @@
 </file>
 
 <file path=customXml/item1.xml><?xml version="1.0" encoding="utf-8"?>
-<?mso-contentType ?>
-<FormTemplates xmlns="http://schemas.microsoft.com/sharepoint/v3/contenttype/forms">
-  <Display>DocumentLibraryForm</Display>
-  <Edit>DocumentLibraryForm</Edit>
-  <New>DocumentLibraryForm</New>
-</FormTemplates>
-</file>
-
-<file path=customXml/item2.xml><?xml version="1.0" encoding="utf-8"?>
 <ct:contentTypeSchema xmlns:ct="http://schemas.microsoft.com/office/2006/metadata/contentType" xmlns:ma="http://schemas.microsoft.com/office/2006/metadata/properties/metaAttributes" ct:_="" ma:_="" ma:contentTypeName="Document" ma:contentTypeID="0x01010011E83E049C87AC4AB56F27089B4ACA55" ma:contentTypeVersion="12" ma:contentTypeDescription="Create a new document." ma:contentTypeScope="" ma:versionID="1178fe99ddca204d3fc8224f4ed0acf8">
   <xsd:schema xmlns:xsd="http://www.w3.org/2001/XMLSchema" xmlns:xs="http://www.w3.org/2001/XMLSchema" xmlns:p="http://schemas.microsoft.com/office/2006/metadata/properties" xmlns:ns2="be898649-fe57-4b08-9fd4-31fc752880e3" xmlns:ns3="6f430b7c-f2e9-4385-9cb2-4dd06cc2317e" targetNamespace="http://schemas.microsoft.com/office/2006/metadata/properties" ma:root="true" ma:fieldsID="05a700af6660b82c6e85ae510b7169e9" ns2:_="" ns3:_="">
     <xsd:import namespace="be898649-fe57-4b08-9fd4-31fc752880e3"/>
@@ -9054,6 +8595,15 @@
 </ct:contentTypeSchema>
 </file>
 
+<file path=customXml/item2.xml><?xml version="1.0" encoding="utf-8"?>
+<?mso-contentType ?>
+<FormTemplates xmlns="http://schemas.microsoft.com/sharepoint/v3/contenttype/forms">
+  <Display>DocumentLibraryForm</Display>
+  <Edit>DocumentLibraryForm</Edit>
+  <New>DocumentLibraryForm</New>
+</FormTemplates>
+</file>
+
 <file path=customXml/item3.xml><?xml version="1.0" encoding="utf-8"?>
 <p:properties xmlns:p="http://schemas.microsoft.com/office/2006/metadata/properties" xmlns:xsi="http://www.w3.org/2001/XMLSchema-instance" xmlns:pc="http://schemas.microsoft.com/office/infopath/2007/PartnerControls">
   <documentManagement/>
@@ -9061,13 +8611,37 @@
 </file>
 
 <file path=customXml/itemProps1.xml><?xml version="1.0" encoding="utf-8"?>
-<ds:datastoreItem xmlns:ds="http://schemas.openxmlformats.org/officeDocument/2006/customXml" ds:itemID="{70D78ECC-FDF4-4C11-A424-1D9AAE16F532}"/>
+<ds:datastoreItem xmlns:ds="http://schemas.openxmlformats.org/officeDocument/2006/customXml" ds:itemID="{3DB6B4A6-3367-4E92-898B-3E0D287810B1}">
+  <ds:schemaRefs>
+    <ds:schemaRef ds:uri="http://schemas.microsoft.com/office/2006/metadata/contentType"/>
+    <ds:schemaRef ds:uri="http://schemas.microsoft.com/office/2006/metadata/properties/metaAttributes"/>
+    <ds:schemaRef ds:uri="http://www.w3.org/2001/XMLSchema"/>
+    <ds:schemaRef ds:uri="http://schemas.microsoft.com/office/2006/metadata/properties"/>
+    <ds:schemaRef ds:uri="be898649-fe57-4b08-9fd4-31fc752880e3"/>
+    <ds:schemaRef ds:uri="6f430b7c-f2e9-4385-9cb2-4dd06cc2317e"/>
+    <ds:schemaRef ds:uri="http://schemas.microsoft.com/office/2006/documentManagement/types"/>
+    <ds:schemaRef ds:uri="http://schemas.microsoft.com/office/infopath/2007/PartnerControls"/>
+    <ds:schemaRef ds:uri="http://schemas.openxmlformats.org/package/2006/metadata/core-properties"/>
+    <ds:schemaRef ds:uri="http://purl.org/dc/elements/1.1/"/>
+    <ds:schemaRef ds:uri="http://purl.org/dc/terms/"/>
+    <ds:schemaRef ds:uri="http://schemas.microsoft.com/internal/obd"/>
+  </ds:schemaRefs>
+</ds:datastoreItem>
 </file>
 
 <file path=customXml/itemProps2.xml><?xml version="1.0" encoding="utf-8"?>
-<ds:datastoreItem xmlns:ds="http://schemas.openxmlformats.org/officeDocument/2006/customXml" ds:itemID="{3DB6B4A6-3367-4E92-898B-3E0D287810B1}"/>
+<ds:datastoreItem xmlns:ds="http://schemas.openxmlformats.org/officeDocument/2006/customXml" ds:itemID="{70D78ECC-FDF4-4C11-A424-1D9AAE16F532}">
+  <ds:schemaRefs>
+    <ds:schemaRef ds:uri="http://schemas.microsoft.com/sharepoint/v3/contenttype/forms"/>
+  </ds:schemaRefs>
+</ds:datastoreItem>
 </file>
 
 <file path=customXml/itemProps3.xml><?xml version="1.0" encoding="utf-8"?>
-<ds:datastoreItem xmlns:ds="http://schemas.openxmlformats.org/officeDocument/2006/customXml" ds:itemID="{17CCA4D4-5EDB-4DAA-9562-F5DE13985709}"/>
+<ds:datastoreItem xmlns:ds="http://schemas.openxmlformats.org/officeDocument/2006/customXml" ds:itemID="{17CCA4D4-5EDB-4DAA-9562-F5DE13985709}">
+  <ds:schemaRefs>
+    <ds:schemaRef ds:uri="http://schemas.microsoft.com/office/2006/metadata/properties"/>
+    <ds:schemaRef ds:uri="http://schemas.microsoft.com/office/infopath/2007/PartnerControls"/>
+  </ds:schemaRefs>
+</ds:datastoreItem>
 </file>